--- a/doc/NeurIPS/SemiFL Poster.pptx
+++ b/doc/NeurIPS/SemiFL Poster.pptx
@@ -472,6 +472,72 @@
     </a:lvl9pPr>
   </p:notesStyle>
 </p:notesMaster>
+</file>
+
+<file path=ppt/notesSlides/notesSlide1.xml><?xml version="1.0" encoding="utf-8"?>
+<p:notes xmlns:a="http://schemas.openxmlformats.org/drawingml/2006/main" xmlns:r="http://schemas.openxmlformats.org/officeDocument/2006/relationships" xmlns:p="http://schemas.openxmlformats.org/presentationml/2006/main">
+  <p:cSld>
+    <p:spTree>
+      <p:nvGrpSpPr>
+        <p:cNvPr id="1" name=""/>
+        <p:cNvGrpSpPr/>
+        <p:nvPr/>
+      </p:nvGrpSpPr>
+      <p:grpSpPr>
+        <a:xfrm>
+          <a:off x="0" y="0"/>
+          <a:ext cx="0" cy="0"/>
+          <a:chOff x="0" y="0"/>
+          <a:chExt cx="0" cy="0"/>
+        </a:xfrm>
+      </p:grpSpPr>
+      <p:sp>
+        <p:nvSpPr>
+          <p:cNvPr id="2" name="幻灯片图像占位符 1"/>
+          <p:cNvSpPr>
+            <a:spLocks noGrp="1" noRot="1" noChangeAspect="1"/>
+          </p:cNvSpPr>
+          <p:nvPr>
+            <p:ph type="sldImg"/>
+          </p:nvPr>
+        </p:nvSpPr>
+        <p:spPr>
+          <a:xfrm>
+            <a:off x="857250" y="685800"/>
+            <a:ext cx="5143500" cy="3429000"/>
+          </a:xfrm>
+        </p:spPr>
+      </p:sp>
+      <p:sp>
+        <p:nvSpPr>
+          <p:cNvPr id="3" name="备注占位符 2"/>
+          <p:cNvSpPr>
+            <a:spLocks noGrp="1"/>
+          </p:cNvSpPr>
+          <p:nvPr>
+            <p:ph type="body" idx="1"/>
+          </p:nvPr>
+        </p:nvSpPr>
+        <p:spPr/>
+        <p:txBody>
+          <a:bodyPr/>
+          <a:lstStyle/>
+          <a:p>
+            <a:endParaRPr lang="zh-CN" altLang="en-US" dirty="0"/>
+          </a:p>
+        </p:txBody>
+      </p:sp>
+    </p:spTree>
+    <p:extLst>
+      <p:ext uri="{BB962C8B-B14F-4D97-AF65-F5344CB8AC3E}">
+        <p14:creationId xmlns:p14="http://schemas.microsoft.com/office/powerpoint/2010/main" val="3256303329"/>
+      </p:ext>
+    </p:extLst>
+  </p:cSld>
+  <p:clrMapOvr>
+    <a:masterClrMapping/>
+  </p:clrMapOvr>
+</p:notes>
 </file>
 
 <file path=ppt/slideLayouts/slideLayout1.xml><?xml version="1.0" encoding="utf-8"?>
@@ -1478,14 +1544,943 @@
       </p:grpSpPr>
       <p:sp>
         <p:nvSpPr>
+          <p:cNvPr id="49" name="TextBox 61"/>
+          <p:cNvSpPr txBox="1"/>
+          <p:nvPr/>
+        </p:nvSpPr>
+        <p:spPr>
+          <a:xfrm>
+            <a:off x="22349653" y="18748563"/>
+            <a:ext cx="10268650" cy="2961645"/>
+          </a:xfrm>
+          <a:prstGeom prst="rect">
+            <a:avLst/>
+          </a:prstGeom>
+          <a:ln w="12700">
+            <a:miter lim="400000"/>
+          </a:ln>
+          <a:extLst>
+            <a:ext uri="{C572A759-6A51-4108-AA02-DFA0A04FC94B}">
+              <ma14:wrappingTextBoxFlag xmlns:ma14="http://schemas.microsoft.com/office/mac/drawingml/2011/main" xmlns:a14="http://schemas.microsoft.com/office/drawing/2010/main" xmlns:m="http://schemas.openxmlformats.org/officeDocument/2006/math" xmlns="" val="1"/>
+            </a:ext>
+          </a:extLst>
+        </p:spPr>
+        <p:txBody>
+          <a:bodyPr wrap="square" lIns="45719" rIns="45719" anchor="b">
+            <a:spAutoFit/>
+          </a:bodyPr>
+          <a:lstStyle/>
+          <a:p>
+            <a:pPr>
+              <a:lnSpc>
+                <a:spcPct val="120000"/>
+              </a:lnSpc>
+              <a:spcBef>
+                <a:spcPts val="600"/>
+              </a:spcBef>
+              <a:defRPr sz="1400">
+                <a:latin typeface="Arial"/>
+                <a:ea typeface="Arial"/>
+                <a:cs typeface="Arial"/>
+                <a:sym typeface="Arial"/>
+              </a:defRPr>
+            </a:pPr>
+            <a:r>
+              <a:rPr lang="en-US" dirty="0">
+                <a:solidFill>
+                  <a:schemeClr val="tx1"/>
+                </a:solidFill>
+                <a:latin typeface="Arial" panose="020B0604020202020204" pitchFamily="34" charset="0"/>
+                <a:cs typeface="Arial" panose="020B0604020202020204" pitchFamily="34" charset="0"/>
+              </a:rPr>
+              <a:t>[1] </a:t>
+            </a:r>
+            <a:r>
+              <a:rPr lang="en-US" altLang="zh-CN" b="0" i="0" dirty="0">
+                <a:solidFill>
+                  <a:srgbClr val="222222"/>
+                </a:solidFill>
+                <a:effectLst/>
+                <a:latin typeface="Arial" panose="020B0604020202020204" pitchFamily="34" charset="0"/>
+                <a:cs typeface="Arial" panose="020B0604020202020204" pitchFamily="34" charset="0"/>
+              </a:rPr>
+              <a:t>McMahan, Brendan, et al. "Communication-efficient learning of deep networks from decentralized data." </a:t>
+            </a:r>
+            <a:r>
+              <a:rPr lang="en-US" altLang="zh-CN" b="0" i="1" dirty="0">
+                <a:solidFill>
+                  <a:srgbClr val="222222"/>
+                </a:solidFill>
+                <a:effectLst/>
+                <a:latin typeface="Arial" panose="020B0604020202020204" pitchFamily="34" charset="0"/>
+                <a:cs typeface="Arial" panose="020B0604020202020204" pitchFamily="34" charset="0"/>
+              </a:rPr>
+              <a:t>Artificial intelligence and statistics</a:t>
+            </a:r>
+            <a:r>
+              <a:rPr lang="en-US" altLang="zh-CN" b="0" i="0" dirty="0">
+                <a:solidFill>
+                  <a:srgbClr val="222222"/>
+                </a:solidFill>
+                <a:effectLst/>
+                <a:latin typeface="Arial" panose="020B0604020202020204" pitchFamily="34" charset="0"/>
+                <a:cs typeface="Arial" panose="020B0604020202020204" pitchFamily="34" charset="0"/>
+              </a:rPr>
+              <a:t>. PMLR, 2017.</a:t>
+            </a:r>
+            <a:endParaRPr lang="en-US" dirty="0">
+              <a:solidFill>
+                <a:schemeClr val="tx1"/>
+              </a:solidFill>
+              <a:latin typeface="Arial" panose="020B0604020202020204" pitchFamily="34" charset="0"/>
+              <a:cs typeface="Arial" panose="020B0604020202020204" pitchFamily="34" charset="0"/>
+            </a:endParaRPr>
+          </a:p>
+          <a:p>
+            <a:pPr>
+              <a:lnSpc>
+                <a:spcPct val="120000"/>
+              </a:lnSpc>
+              <a:spcBef>
+                <a:spcPts val="600"/>
+              </a:spcBef>
+              <a:defRPr sz="1400">
+                <a:latin typeface="Arial"/>
+                <a:ea typeface="Arial"/>
+                <a:cs typeface="Arial"/>
+                <a:sym typeface="Arial"/>
+              </a:defRPr>
+            </a:pPr>
+            <a:r>
+              <a:rPr lang="en-US" dirty="0">
+                <a:solidFill>
+                  <a:schemeClr val="tx1"/>
+                </a:solidFill>
+                <a:latin typeface="Arial" panose="020B0604020202020204" pitchFamily="34" charset="0"/>
+                <a:cs typeface="Arial" panose="020B0604020202020204" pitchFamily="34" charset="0"/>
+              </a:rPr>
+              <a:t>[2] </a:t>
+            </a:r>
+            <a:r>
+              <a:rPr lang="en-US" altLang="zh-CN" b="0" i="0" dirty="0" err="1">
+                <a:solidFill>
+                  <a:srgbClr val="222222"/>
+                </a:solidFill>
+                <a:effectLst/>
+                <a:latin typeface="Arial" panose="020B0604020202020204" pitchFamily="34" charset="0"/>
+                <a:cs typeface="Arial" panose="020B0604020202020204" pitchFamily="34" charset="0"/>
+              </a:rPr>
+              <a:t>Jeong</a:t>
+            </a:r>
+            <a:r>
+              <a:rPr lang="en-US" altLang="zh-CN" b="0" i="0" dirty="0">
+                <a:solidFill>
+                  <a:srgbClr val="222222"/>
+                </a:solidFill>
+                <a:effectLst/>
+                <a:latin typeface="Arial" panose="020B0604020202020204" pitchFamily="34" charset="0"/>
+                <a:cs typeface="Arial" panose="020B0604020202020204" pitchFamily="34" charset="0"/>
+              </a:rPr>
+              <a:t>, </a:t>
+            </a:r>
+            <a:r>
+              <a:rPr lang="en-US" altLang="zh-CN" b="0" i="0" dirty="0" err="1">
+                <a:solidFill>
+                  <a:srgbClr val="222222"/>
+                </a:solidFill>
+                <a:effectLst/>
+                <a:latin typeface="Arial" panose="020B0604020202020204" pitchFamily="34" charset="0"/>
+                <a:cs typeface="Arial" panose="020B0604020202020204" pitchFamily="34" charset="0"/>
+              </a:rPr>
+              <a:t>Wonyong</a:t>
+            </a:r>
+            <a:r>
+              <a:rPr lang="en-US" altLang="zh-CN" b="0" i="0" dirty="0">
+                <a:solidFill>
+                  <a:srgbClr val="222222"/>
+                </a:solidFill>
+                <a:effectLst/>
+                <a:latin typeface="Arial" panose="020B0604020202020204" pitchFamily="34" charset="0"/>
+                <a:cs typeface="Arial" panose="020B0604020202020204" pitchFamily="34" charset="0"/>
+              </a:rPr>
+              <a:t>, et al.  " </a:t>
+            </a:r>
+            <a:r>
+              <a:rPr lang="en-US" altLang="zh-CN" sz="1400" b="0" i="0" dirty="0">
+                <a:solidFill>
+                  <a:srgbClr val="000000"/>
+                </a:solidFill>
+                <a:effectLst/>
+                <a:latin typeface="Arial" panose="020B0604020202020204" pitchFamily="34" charset="0"/>
+                <a:cs typeface="Arial" panose="020B0604020202020204" pitchFamily="34" charset="0"/>
+              </a:rPr>
+              <a:t>Federated semi-supervised learning with inter-client consistency &amp; disjoint learning.</a:t>
+            </a:r>
+            <a:r>
+              <a:rPr lang="en-US" altLang="zh-CN" b="0" i="0" dirty="0">
+                <a:solidFill>
+                  <a:srgbClr val="222222"/>
+                </a:solidFill>
+                <a:effectLst/>
+                <a:latin typeface="Arial" panose="020B0604020202020204" pitchFamily="34" charset="0"/>
+                <a:cs typeface="Arial" panose="020B0604020202020204" pitchFamily="34" charset="0"/>
+              </a:rPr>
+              <a:t> "</a:t>
+            </a:r>
+            <a:r>
+              <a:rPr lang="en-US" altLang="zh-CN" sz="1400" b="0" i="0" dirty="0">
+                <a:solidFill>
+                  <a:srgbClr val="000000"/>
+                </a:solidFill>
+                <a:effectLst/>
+                <a:latin typeface="Arial" panose="020B0604020202020204" pitchFamily="34" charset="0"/>
+                <a:cs typeface="Arial" panose="020B0604020202020204" pitchFamily="34" charset="0"/>
+              </a:rPr>
+              <a:t> In </a:t>
+            </a:r>
+            <a:r>
+              <a:rPr lang="en-US" altLang="zh-CN" sz="1400" b="0" i="1" dirty="0">
+                <a:solidFill>
+                  <a:srgbClr val="000000"/>
+                </a:solidFill>
+                <a:effectLst/>
+                <a:latin typeface="Arial" panose="020B0604020202020204" pitchFamily="34" charset="0"/>
+                <a:cs typeface="Arial" panose="020B0604020202020204" pitchFamily="34" charset="0"/>
+              </a:rPr>
+              <a:t>International Conference on Learning Representations</a:t>
+            </a:r>
+            <a:r>
+              <a:rPr lang="en-US" altLang="zh-CN" sz="1400" b="0" i="0" dirty="0">
+                <a:solidFill>
+                  <a:srgbClr val="000000"/>
+                </a:solidFill>
+                <a:effectLst/>
+                <a:latin typeface="Arial" panose="020B0604020202020204" pitchFamily="34" charset="0"/>
+                <a:cs typeface="Arial" panose="020B0604020202020204" pitchFamily="34" charset="0"/>
+              </a:rPr>
+              <a:t>, 2021.</a:t>
+            </a:r>
+            <a:r>
+              <a:rPr lang="en-US" altLang="zh-CN" dirty="0">
+                <a:latin typeface="Arial" panose="020B0604020202020204" pitchFamily="34" charset="0"/>
+                <a:cs typeface="Arial" panose="020B0604020202020204" pitchFamily="34" charset="0"/>
+              </a:rPr>
+              <a:t> </a:t>
+            </a:r>
+            <a:endParaRPr lang="en-US" dirty="0">
+              <a:solidFill>
+                <a:schemeClr val="tx1"/>
+              </a:solidFill>
+              <a:latin typeface="Arial" panose="020B0604020202020204" pitchFamily="34" charset="0"/>
+              <a:cs typeface="Arial" panose="020B0604020202020204" pitchFamily="34" charset="0"/>
+            </a:endParaRPr>
+          </a:p>
+          <a:p>
+            <a:pPr>
+              <a:lnSpc>
+                <a:spcPct val="120000"/>
+              </a:lnSpc>
+              <a:spcBef>
+                <a:spcPts val="600"/>
+              </a:spcBef>
+              <a:defRPr sz="1400">
+                <a:latin typeface="Arial"/>
+                <a:ea typeface="Arial"/>
+                <a:cs typeface="Arial"/>
+                <a:sym typeface="Arial"/>
+              </a:defRPr>
+            </a:pPr>
+            <a:r>
+              <a:rPr lang="en-US" dirty="0">
+                <a:solidFill>
+                  <a:schemeClr val="tx1"/>
+                </a:solidFill>
+                <a:latin typeface="Arial" panose="020B0604020202020204" pitchFamily="34" charset="0"/>
+                <a:cs typeface="Arial" panose="020B0604020202020204" pitchFamily="34" charset="0"/>
+              </a:rPr>
+              <a:t>[3] </a:t>
+            </a:r>
+            <a:r>
+              <a:rPr lang="en-US" altLang="zh-CN" b="0" i="0" dirty="0">
+                <a:solidFill>
+                  <a:srgbClr val="222222"/>
+                </a:solidFill>
+                <a:effectLst/>
+                <a:latin typeface="Arial" panose="020B0604020202020204" pitchFamily="34" charset="0"/>
+              </a:rPr>
+              <a:t>Zhang, </a:t>
+            </a:r>
+            <a:r>
+              <a:rPr lang="en-US" altLang="zh-CN" b="0" i="0" dirty="0" err="1">
+                <a:solidFill>
+                  <a:srgbClr val="222222"/>
+                </a:solidFill>
+                <a:effectLst/>
+                <a:latin typeface="Arial" panose="020B0604020202020204" pitchFamily="34" charset="0"/>
+              </a:rPr>
+              <a:t>Zhengming</a:t>
+            </a:r>
+            <a:r>
+              <a:rPr lang="en-US" altLang="zh-CN" b="0" i="0" dirty="0">
+                <a:solidFill>
+                  <a:srgbClr val="222222"/>
+                </a:solidFill>
+                <a:effectLst/>
+                <a:latin typeface="Arial" panose="020B0604020202020204" pitchFamily="34" charset="0"/>
+              </a:rPr>
+              <a:t>, et al. "Improving semi-supervised federated learning by reducing the gradient diversity of models." </a:t>
+            </a:r>
+            <a:r>
+              <a:rPr lang="en-US" altLang="zh-CN" b="0" i="1" dirty="0">
+                <a:solidFill>
+                  <a:srgbClr val="222222"/>
+                </a:solidFill>
+                <a:effectLst/>
+                <a:latin typeface="Arial" panose="020B0604020202020204" pitchFamily="34" charset="0"/>
+              </a:rPr>
+              <a:t>2021 IEEE International Conference on Big Data (Big Data)</a:t>
+            </a:r>
+            <a:r>
+              <a:rPr lang="en-US" altLang="zh-CN" b="0" i="0" dirty="0">
+                <a:solidFill>
+                  <a:srgbClr val="222222"/>
+                </a:solidFill>
+                <a:effectLst/>
+                <a:latin typeface="Arial" panose="020B0604020202020204" pitchFamily="34" charset="0"/>
+              </a:rPr>
+              <a:t>. IEEE, 2021.</a:t>
+            </a:r>
+            <a:endParaRPr lang="en-US" dirty="0">
+              <a:solidFill>
+                <a:schemeClr val="tx1"/>
+              </a:solidFill>
+              <a:latin typeface="Arial" panose="020B0604020202020204" pitchFamily="34" charset="0"/>
+              <a:cs typeface="Arial" panose="020B0604020202020204" pitchFamily="34" charset="0"/>
+            </a:endParaRPr>
+          </a:p>
+          <a:p>
+            <a:pPr>
+              <a:lnSpc>
+                <a:spcPct val="120000"/>
+              </a:lnSpc>
+              <a:spcBef>
+                <a:spcPts val="600"/>
+              </a:spcBef>
+              <a:defRPr sz="1400">
+                <a:latin typeface="Arial"/>
+                <a:ea typeface="Arial"/>
+                <a:cs typeface="Arial"/>
+                <a:sym typeface="Arial"/>
+              </a:defRPr>
+            </a:pPr>
+            <a:r>
+              <a:rPr lang="en-US" dirty="0">
+                <a:solidFill>
+                  <a:schemeClr val="tx1"/>
+                </a:solidFill>
+                <a:latin typeface="Arial" panose="020B0604020202020204" pitchFamily="34" charset="0"/>
+                <a:cs typeface="Arial" panose="020B0604020202020204" pitchFamily="34" charset="0"/>
+              </a:rPr>
+              <a:t>[4] </a:t>
+            </a:r>
+            <a:r>
+              <a:rPr lang="en-US" altLang="zh-CN" b="0" i="0" dirty="0">
+                <a:solidFill>
+                  <a:srgbClr val="222222"/>
+                </a:solidFill>
+                <a:effectLst/>
+                <a:latin typeface="Arial" panose="020B0604020202020204" pitchFamily="34" charset="0"/>
+              </a:rPr>
+              <a:t>Sohn, </a:t>
+            </a:r>
+            <a:r>
+              <a:rPr lang="en-US" altLang="zh-CN" b="0" i="0" dirty="0" err="1">
+                <a:solidFill>
+                  <a:srgbClr val="222222"/>
+                </a:solidFill>
+                <a:effectLst/>
+                <a:latin typeface="Arial" panose="020B0604020202020204" pitchFamily="34" charset="0"/>
+              </a:rPr>
+              <a:t>Kihyuk</a:t>
+            </a:r>
+            <a:r>
+              <a:rPr lang="en-US" altLang="zh-CN" b="0" i="0" dirty="0">
+                <a:solidFill>
+                  <a:srgbClr val="222222"/>
+                </a:solidFill>
+                <a:effectLst/>
+                <a:latin typeface="Arial" panose="020B0604020202020204" pitchFamily="34" charset="0"/>
+              </a:rPr>
+              <a:t>, et al. "</a:t>
+            </a:r>
+            <a:r>
+              <a:rPr lang="en-US" altLang="zh-CN" b="0" i="0" dirty="0" err="1">
+                <a:solidFill>
+                  <a:srgbClr val="222222"/>
+                </a:solidFill>
+                <a:effectLst/>
+                <a:latin typeface="Arial" panose="020B0604020202020204" pitchFamily="34" charset="0"/>
+              </a:rPr>
+              <a:t>Fixmatch</a:t>
+            </a:r>
+            <a:r>
+              <a:rPr lang="en-US" altLang="zh-CN" b="0" i="0" dirty="0">
+                <a:solidFill>
+                  <a:srgbClr val="222222"/>
+                </a:solidFill>
+                <a:effectLst/>
+                <a:latin typeface="Arial" panose="020B0604020202020204" pitchFamily="34" charset="0"/>
+              </a:rPr>
+              <a:t>: Simplifying semi-supervised learning with consistency and confidence." </a:t>
+            </a:r>
+            <a:r>
+              <a:rPr lang="en-US" altLang="zh-CN" b="0" i="1" dirty="0">
+                <a:solidFill>
+                  <a:srgbClr val="222222"/>
+                </a:solidFill>
+                <a:effectLst/>
+                <a:latin typeface="Arial" panose="020B0604020202020204" pitchFamily="34" charset="0"/>
+              </a:rPr>
+              <a:t>Advances in neural information processing systems</a:t>
+            </a:r>
+            <a:r>
+              <a:rPr lang="en-US" altLang="zh-CN" b="0" i="0" dirty="0">
+                <a:solidFill>
+                  <a:srgbClr val="222222"/>
+                </a:solidFill>
+                <a:effectLst/>
+                <a:latin typeface="Arial" panose="020B0604020202020204" pitchFamily="34" charset="0"/>
+              </a:rPr>
+              <a:t> 33 (2020): 596-608.</a:t>
+            </a:r>
+            <a:endParaRPr lang="en-US" dirty="0">
+              <a:solidFill>
+                <a:schemeClr val="tx1"/>
+              </a:solidFill>
+              <a:latin typeface="Arial" panose="020B0604020202020204" pitchFamily="34" charset="0"/>
+              <a:cs typeface="Arial" panose="020B0604020202020204" pitchFamily="34" charset="0"/>
+            </a:endParaRPr>
+          </a:p>
+          <a:p>
+            <a:pPr>
+              <a:lnSpc>
+                <a:spcPct val="120000"/>
+              </a:lnSpc>
+              <a:spcBef>
+                <a:spcPts val="600"/>
+              </a:spcBef>
+              <a:defRPr sz="1400">
+                <a:latin typeface="Arial"/>
+                <a:ea typeface="Arial"/>
+                <a:cs typeface="Arial"/>
+                <a:sym typeface="Arial"/>
+              </a:defRPr>
+            </a:pPr>
+            <a:r>
+              <a:rPr lang="en-US" dirty="0">
+                <a:solidFill>
+                  <a:schemeClr val="tx1"/>
+                </a:solidFill>
+                <a:latin typeface="Arial" panose="020B0604020202020204" pitchFamily="34" charset="0"/>
+                <a:cs typeface="Arial" panose="020B0604020202020204" pitchFamily="34" charset="0"/>
+              </a:rPr>
+              <a:t>[5] </a:t>
+            </a:r>
+            <a:r>
+              <a:rPr lang="en-US" altLang="zh-CN" b="0" i="0" dirty="0">
+                <a:solidFill>
+                  <a:srgbClr val="222222"/>
+                </a:solidFill>
+                <a:effectLst/>
+                <a:latin typeface="Arial" panose="020B0604020202020204" pitchFamily="34" charset="0"/>
+              </a:rPr>
+              <a:t>Berthelot, David, et al. "</a:t>
+            </a:r>
+            <a:r>
+              <a:rPr lang="en-US" altLang="zh-CN" b="0" i="0" dirty="0" err="1">
+                <a:solidFill>
+                  <a:srgbClr val="222222"/>
+                </a:solidFill>
+                <a:effectLst/>
+                <a:latin typeface="Arial" panose="020B0604020202020204" pitchFamily="34" charset="0"/>
+              </a:rPr>
+              <a:t>Remixmatch</a:t>
+            </a:r>
+            <a:r>
+              <a:rPr lang="en-US" altLang="zh-CN" b="0" i="0" dirty="0">
+                <a:solidFill>
+                  <a:srgbClr val="222222"/>
+                </a:solidFill>
+                <a:effectLst/>
+                <a:latin typeface="Arial" panose="020B0604020202020204" pitchFamily="34" charset="0"/>
+              </a:rPr>
+              <a:t>: Semi-supervised learning with distribution alignment and augmentation anchoring." </a:t>
+            </a:r>
+            <a:r>
+              <a:rPr lang="en-US" altLang="zh-CN" b="0" i="1" dirty="0" err="1">
+                <a:solidFill>
+                  <a:srgbClr val="222222"/>
+                </a:solidFill>
+                <a:effectLst/>
+                <a:latin typeface="Arial" panose="020B0604020202020204" pitchFamily="34" charset="0"/>
+              </a:rPr>
+              <a:t>arXiv</a:t>
+            </a:r>
+            <a:r>
+              <a:rPr lang="en-US" altLang="zh-CN" b="0" i="1" dirty="0">
+                <a:solidFill>
+                  <a:srgbClr val="222222"/>
+                </a:solidFill>
+                <a:effectLst/>
+                <a:latin typeface="Arial" panose="020B0604020202020204" pitchFamily="34" charset="0"/>
+              </a:rPr>
+              <a:t> preprint arXiv:1911.09785</a:t>
+            </a:r>
+            <a:r>
+              <a:rPr lang="en-US" altLang="zh-CN" b="0" i="0" dirty="0">
+                <a:solidFill>
+                  <a:srgbClr val="222222"/>
+                </a:solidFill>
+                <a:effectLst/>
+                <a:latin typeface="Arial" panose="020B0604020202020204" pitchFamily="34" charset="0"/>
+              </a:rPr>
+              <a:t> (2019).</a:t>
+            </a:r>
+            <a:endParaRPr lang="en-US" dirty="0">
+              <a:solidFill>
+                <a:schemeClr val="tx1"/>
+              </a:solidFill>
+              <a:latin typeface="Arial" panose="020B0604020202020204" pitchFamily="34" charset="0"/>
+              <a:cs typeface="Arial" panose="020B0604020202020204" pitchFamily="34" charset="0"/>
+            </a:endParaRPr>
+          </a:p>
+        </p:txBody>
+      </p:sp>
+      <mc:AlternateContent xmlns:mc="http://schemas.openxmlformats.org/markup-compatibility/2006" xmlns:a14="http://schemas.microsoft.com/office/drawing/2010/main">
+        <mc:Choice Requires="a14">
+          <p:sp>
+            <p:nvSpPr>
+              <p:cNvPr id="65" name="文本框 64">
+                <a:extLst>
+                  <a:ext uri="{FF2B5EF4-FFF2-40B4-BE49-F238E27FC236}">
+                    <a16:creationId xmlns:a16="http://schemas.microsoft.com/office/drawing/2014/main" id="{5996C522-4D55-700F-08EA-CBB54FB263AE}"/>
+                  </a:ext>
+                </a:extLst>
+              </p:cNvPr>
+              <p:cNvSpPr txBox="1"/>
+              <p:nvPr/>
+            </p:nvSpPr>
+            <p:spPr>
+              <a:xfrm>
+                <a:off x="11716293" y="16633451"/>
+                <a:ext cx="10230069" cy="1410897"/>
+              </a:xfrm>
+              <a:prstGeom prst="rect">
+                <a:avLst/>
+              </a:prstGeom>
+              <a:noFill/>
+              <a:ln w="12700" cap="flat">
+                <a:noFill/>
+                <a:miter lim="400000"/>
+              </a:ln>
+              <a:effectLst/>
+              <a:sp3d/>
+            </p:spPr>
+            <p:style>
+              <a:lnRef idx="0">
+                <a:scrgbClr r="0" g="0" b="0"/>
+              </a:lnRef>
+              <a:fillRef idx="0">
+                <a:scrgbClr r="0" g="0" b="0"/>
+              </a:fillRef>
+              <a:effectRef idx="0">
+                <a:scrgbClr r="0" g="0" b="0"/>
+              </a:effectRef>
+              <a:fontRef idx="none"/>
+            </p:style>
+            <p:txBody>
+              <a:bodyPr rot="0" spcFirstLastPara="1" vertOverflow="overflow" horzOverflow="overflow" vert="horz" wrap="square" lIns="45719" tIns="45719" rIns="45719" bIns="45719" numCol="1" spcCol="38100" rtlCol="0" anchor="t">
+                <a:spAutoFit/>
+              </a:bodyPr>
+              <a:lstStyle/>
+              <a:p>
+                <a:r>
+                  <a:rPr lang="en-US" altLang="zh-CN" sz="2100" i="0" dirty="0">
+                    <a:effectLst/>
+                    <a:latin typeface="Arial" panose="020B0604020202020204" pitchFamily="34" charset="0"/>
+                    <a:cs typeface="Arial" panose="020B0604020202020204" pitchFamily="34" charset="0"/>
+                  </a:rPr>
+                  <a:t>At each iteration </a:t>
+                </a:r>
+                <a14:m>
+                  <m:oMath xmlns:m="http://schemas.openxmlformats.org/officeDocument/2006/math">
+                    <m:r>
+                      <a:rPr lang="en-US" altLang="zh-CN" sz="2100" b="0" i="1" smtClean="0">
+                        <a:effectLst/>
+                        <a:latin typeface="Cambria Math" panose="02040503050406030204" pitchFamily="18" charset="0"/>
+                        <a:ea typeface="等线" panose="02010600030101010101" pitchFamily="2" charset="-122"/>
+                        <a:cs typeface="Arial" panose="020B0604020202020204" pitchFamily="34" charset="0"/>
+                      </a:rPr>
+                      <m:t>𝑡</m:t>
+                    </m:r>
+                  </m:oMath>
+                </a14:m>
+                <a:r>
+                  <a:rPr lang="en-US" altLang="zh-CN" sz="2100" i="0" dirty="0">
+                    <a:effectLst/>
+                    <a:latin typeface="Arial" panose="020B0604020202020204" pitchFamily="34" charset="0"/>
+                    <a:cs typeface="Arial" panose="020B0604020202020204" pitchFamily="34" charset="0"/>
+                  </a:rPr>
+                  <a:t>, the server will first update the model with the standard supervised loss </a:t>
+                </a:r>
+                <a14:m>
+                  <m:oMath xmlns:m="http://schemas.openxmlformats.org/officeDocument/2006/math">
+                    <m:sSub>
+                      <m:sSubPr>
+                        <m:ctrlPr>
+                          <a:rPr lang="zh-CN" altLang="zh-CN" sz="2100" i="1">
+                            <a:latin typeface="Cambria Math" panose="02040503050406030204" pitchFamily="18" charset="0"/>
+                            <a:ea typeface="Cambria Math" panose="02040503050406030204" pitchFamily="18" charset="0"/>
+                          </a:rPr>
+                        </m:ctrlPr>
+                      </m:sSubPr>
+                      <m:e>
+                        <m:r>
+                          <a:rPr lang="en-US" altLang="zh-CN" sz="2100" i="1">
+                            <a:latin typeface="Cambria Math" panose="02040503050406030204" pitchFamily="18" charset="0"/>
+                            <a:ea typeface="等线" panose="02010600030101010101" pitchFamily="2" charset="-122"/>
+                            <a:cs typeface="Arial" panose="020B0604020202020204" pitchFamily="34" charset="0"/>
+                          </a:rPr>
+                          <m:t>𝐿</m:t>
+                        </m:r>
+                      </m:e>
+                      <m:sub>
+                        <m:r>
+                          <a:rPr lang="en-US" altLang="zh-CN" sz="2100" i="1">
+                            <a:latin typeface="Cambria Math" panose="02040503050406030204" pitchFamily="18" charset="0"/>
+                            <a:ea typeface="等线" panose="02010600030101010101" pitchFamily="2" charset="-122"/>
+                            <a:cs typeface="Arial" panose="020B0604020202020204" pitchFamily="34" charset="0"/>
+                          </a:rPr>
+                          <m:t>𝑠</m:t>
+                        </m:r>
+                      </m:sub>
+                    </m:sSub>
+                  </m:oMath>
+                </a14:m>
+                <a:r>
+                  <a:rPr lang="en-US" altLang="zh-CN" sz="2100" i="0" dirty="0">
+                    <a:effectLst/>
+                    <a:latin typeface="Arial" panose="020B0604020202020204" pitchFamily="34" charset="0"/>
+                    <a:cs typeface="Arial" panose="020B0604020202020204" pitchFamily="34" charset="0"/>
+                  </a:rPr>
+                  <a:t> for local epochs </a:t>
+                </a:r>
+                <a14:m>
+                  <m:oMath xmlns:m="http://schemas.openxmlformats.org/officeDocument/2006/math">
+                    <m:r>
+                      <a:rPr lang="en-US" altLang="zh-CN" sz="2100" i="1">
+                        <a:latin typeface="Cambria Math" panose="02040503050406030204" pitchFamily="18" charset="0"/>
+                        <a:ea typeface="等线" panose="02010600030101010101" pitchFamily="2" charset="-122"/>
+                        <a:cs typeface="Arial" panose="020B0604020202020204" pitchFamily="34" charset="0"/>
+                      </a:rPr>
+                      <m:t>𝐸</m:t>
+                    </m:r>
+                  </m:oMath>
+                </a14:m>
+                <a:r>
+                  <a:rPr lang="en-US" altLang="zh-CN" sz="2100" i="0" dirty="0">
+                    <a:effectLst/>
+                    <a:latin typeface="Arial" panose="020B0604020202020204" pitchFamily="34" charset="0"/>
+                    <a:cs typeface="Arial" panose="020B0604020202020204" pitchFamily="34" charset="0"/>
+                  </a:rPr>
+                  <a:t> with data batch </a:t>
+                </a:r>
+                <a14:m>
+                  <m:oMath xmlns:m="http://schemas.openxmlformats.org/officeDocument/2006/math">
+                    <m:d>
+                      <m:dPr>
+                        <m:ctrlPr>
+                          <a:rPr lang="zh-CN" altLang="zh-CN" sz="2100" i="1">
+                            <a:latin typeface="Cambria Math" panose="02040503050406030204" pitchFamily="18" charset="0"/>
+                            <a:ea typeface="Cambria Math" panose="02040503050406030204" pitchFamily="18" charset="0"/>
+                          </a:rPr>
+                        </m:ctrlPr>
+                      </m:dPr>
+                      <m:e>
+                        <m:sSub>
+                          <m:sSubPr>
+                            <m:ctrlPr>
+                              <a:rPr lang="zh-CN" altLang="zh-CN" sz="2100" i="1">
+                                <a:latin typeface="Cambria Math" panose="02040503050406030204" pitchFamily="18" charset="0"/>
+                                <a:ea typeface="Cambria Math" panose="02040503050406030204" pitchFamily="18" charset="0"/>
+                              </a:rPr>
+                            </m:ctrlPr>
+                          </m:sSubPr>
+                          <m:e>
+                            <m:r>
+                              <a:rPr lang="en-US" altLang="zh-CN" sz="2100" i="1">
+                                <a:latin typeface="Cambria Math" panose="02040503050406030204" pitchFamily="18" charset="0"/>
+                                <a:ea typeface="等线" panose="02010600030101010101" pitchFamily="2" charset="-122"/>
+                                <a:cs typeface="Arial" panose="020B0604020202020204" pitchFamily="34" charset="0"/>
+                              </a:rPr>
+                              <m:t>𝑥</m:t>
+                            </m:r>
+                          </m:e>
+                          <m:sub>
+                            <m:r>
+                              <a:rPr lang="en-US" altLang="zh-CN" sz="2100" i="1">
+                                <a:latin typeface="Cambria Math" panose="02040503050406030204" pitchFamily="18" charset="0"/>
+                                <a:ea typeface="等线" panose="02010600030101010101" pitchFamily="2" charset="-122"/>
+                                <a:cs typeface="Arial" panose="020B0604020202020204" pitchFamily="34" charset="0"/>
+                              </a:rPr>
+                              <m:t>𝑏</m:t>
+                            </m:r>
+                          </m:sub>
+                        </m:sSub>
+                        <m:r>
+                          <a:rPr lang="en-US" altLang="zh-CN" sz="2100" i="1">
+                            <a:latin typeface="Cambria Math" panose="02040503050406030204" pitchFamily="18" charset="0"/>
+                            <a:ea typeface="等线" panose="02010600030101010101" pitchFamily="2" charset="-122"/>
+                            <a:cs typeface="Arial" panose="020B0604020202020204" pitchFamily="34" charset="0"/>
+                          </a:rPr>
+                          <m:t>, </m:t>
+                        </m:r>
+                        <m:sSub>
+                          <m:sSubPr>
+                            <m:ctrlPr>
+                              <a:rPr lang="zh-CN" altLang="zh-CN" sz="2100" i="1">
+                                <a:latin typeface="Cambria Math" panose="02040503050406030204" pitchFamily="18" charset="0"/>
+                                <a:ea typeface="Cambria Math" panose="02040503050406030204" pitchFamily="18" charset="0"/>
+                              </a:rPr>
+                            </m:ctrlPr>
+                          </m:sSubPr>
+                          <m:e>
+                            <m:r>
+                              <a:rPr lang="en-US" altLang="zh-CN" sz="2100" i="1">
+                                <a:latin typeface="Cambria Math" panose="02040503050406030204" pitchFamily="18" charset="0"/>
+                                <a:ea typeface="等线" panose="02010600030101010101" pitchFamily="2" charset="-122"/>
+                                <a:cs typeface="Arial" panose="020B0604020202020204" pitchFamily="34" charset="0"/>
+                              </a:rPr>
+                              <m:t>𝑦</m:t>
+                            </m:r>
+                          </m:e>
+                          <m:sub>
+                            <m:r>
+                              <a:rPr lang="en-US" altLang="zh-CN" sz="2100" i="1">
+                                <a:latin typeface="Cambria Math" panose="02040503050406030204" pitchFamily="18" charset="0"/>
+                                <a:ea typeface="等线" panose="02010600030101010101" pitchFamily="2" charset="-122"/>
+                                <a:cs typeface="Arial" panose="020B0604020202020204" pitchFamily="34" charset="0"/>
+                              </a:rPr>
+                              <m:t>𝑏</m:t>
+                            </m:r>
+                          </m:sub>
+                        </m:sSub>
+                      </m:e>
+                    </m:d>
+                    <m:r>
+                      <a:rPr lang="en-US" altLang="zh-CN" sz="2100" i="1">
+                        <a:latin typeface="Cambria Math" panose="02040503050406030204" pitchFamily="18" charset="0"/>
+                        <a:ea typeface="等线" panose="02010600030101010101" pitchFamily="2" charset="-122"/>
+                        <a:cs typeface="Arial" panose="020B0604020202020204" pitchFamily="34" charset="0"/>
+                      </a:rPr>
+                      <m:t> </m:t>
+                    </m:r>
+                  </m:oMath>
+                </a14:m>
+                <a:r>
+                  <a:rPr lang="en-US" altLang="zh-CN" sz="2100" i="0" dirty="0">
+                    <a:effectLst/>
+                    <a:latin typeface="Arial" panose="020B0604020202020204" pitchFamily="34" charset="0"/>
+                    <a:cs typeface="Arial" panose="020B0604020202020204" pitchFamily="34" charset="0"/>
+                  </a:rPr>
+                  <a:t>randomly split from the supervised dataset. </a:t>
+                </a:r>
+                <a:r>
+                  <a:rPr lang="en-US" altLang="zh-CN" sz="2100" dirty="0">
+                    <a:latin typeface="Arial" panose="020B0604020202020204" pitchFamily="34" charset="0"/>
+                    <a:cs typeface="Arial" panose="020B0604020202020204" pitchFamily="34" charset="0"/>
+                  </a:rPr>
+                  <a:t>Client </a:t>
+                </a:r>
+                <a14:m>
+                  <m:oMath xmlns:m="http://schemas.openxmlformats.org/officeDocument/2006/math">
+                    <m:r>
+                      <a:rPr lang="en-US" altLang="zh-CN" sz="2100" i="1" kern="100">
+                        <a:latin typeface="Cambria Math" panose="02040503050406030204" pitchFamily="18" charset="0"/>
+                        <a:ea typeface="等线" panose="02010600030101010101" pitchFamily="2" charset="-122"/>
+                        <a:cs typeface="Arial" panose="020B0604020202020204" pitchFamily="34" charset="0"/>
+                      </a:rPr>
+                      <m:t>𝑚</m:t>
+                    </m:r>
+                  </m:oMath>
+                </a14:m>
+                <a:r>
+                  <a:rPr lang="en-US" altLang="zh-CN" sz="2100" dirty="0">
+                    <a:latin typeface="Arial" panose="020B0604020202020204" pitchFamily="34" charset="0"/>
+                    <a:cs typeface="Arial" panose="020B0604020202020204" pitchFamily="34" charset="0"/>
+                  </a:rPr>
+                  <a:t> defines the “fix” loss </a:t>
+                </a:r>
+                <a14:m>
+                  <m:oMath xmlns:m="http://schemas.openxmlformats.org/officeDocument/2006/math">
+                    <m:sSub>
+                      <m:sSubPr>
+                        <m:ctrlPr>
+                          <a:rPr lang="zh-CN" altLang="zh-CN" sz="2100" i="1" kern="100">
+                            <a:latin typeface="Cambria Math" panose="02040503050406030204" pitchFamily="18" charset="0"/>
+                            <a:ea typeface="Cambria Math" panose="02040503050406030204" pitchFamily="18" charset="0"/>
+                            <a:cs typeface="Arial" panose="020B0604020202020204" pitchFamily="34" charset="0"/>
+                          </a:rPr>
+                        </m:ctrlPr>
+                      </m:sSubPr>
+                      <m:e>
+                        <m:r>
+                          <a:rPr lang="en-US" altLang="zh-CN" sz="2100" i="1" kern="100">
+                            <a:latin typeface="Cambria Math" panose="02040503050406030204" pitchFamily="18" charset="0"/>
+                            <a:ea typeface="等线" panose="02010600030101010101" pitchFamily="2" charset="-122"/>
+                            <a:cs typeface="Arial" panose="020B0604020202020204" pitchFamily="34" charset="0"/>
+                          </a:rPr>
+                          <m:t>𝐿</m:t>
+                        </m:r>
+                      </m:e>
+                      <m:sub>
+                        <m:r>
+                          <a:rPr lang="en-US" altLang="zh-CN" sz="2100" i="1" kern="100">
+                            <a:latin typeface="Cambria Math" panose="02040503050406030204" pitchFamily="18" charset="0"/>
+                            <a:ea typeface="等线" panose="02010600030101010101" pitchFamily="2" charset="-122"/>
+                            <a:cs typeface="Arial" panose="020B0604020202020204" pitchFamily="34" charset="0"/>
+                          </a:rPr>
+                          <m:t>𝑓𝑖𝑥</m:t>
+                        </m:r>
+                      </m:sub>
+                    </m:sSub>
+                  </m:oMath>
+                </a14:m>
+                <a:r>
+                  <a:rPr lang="en-US" altLang="zh-CN" sz="2100" kern="100" dirty="0">
+                    <a:latin typeface="等线" panose="02010600030101010101" pitchFamily="2" charset="-122"/>
+                    <a:ea typeface="等线" panose="02010600030101010101" pitchFamily="2" charset="-122"/>
+                    <a:cs typeface="Arial" panose="020B0604020202020204" pitchFamily="34" charset="0"/>
+                  </a:rPr>
+                  <a:t> </a:t>
+                </a:r>
+                <a:r>
+                  <a:rPr lang="en-US" altLang="zh-CN" sz="2100" dirty="0">
+                    <a:latin typeface="Arial" panose="020B0604020202020204" pitchFamily="34" charset="0"/>
+                    <a:cs typeface="Arial" panose="020B0604020202020204" pitchFamily="34" charset="0"/>
+                  </a:rPr>
+                  <a:t>[4] and “mix”' loss </a:t>
+                </a:r>
+                <a14:m>
+                  <m:oMath xmlns:m="http://schemas.openxmlformats.org/officeDocument/2006/math">
+                    <m:sSub>
+                      <m:sSubPr>
+                        <m:ctrlPr>
+                          <a:rPr lang="zh-CN" altLang="zh-CN" sz="2100" i="1">
+                            <a:latin typeface="Cambria Math" panose="02040503050406030204" pitchFamily="18" charset="0"/>
+                            <a:ea typeface="Cambria Math" panose="02040503050406030204" pitchFamily="18" charset="0"/>
+                          </a:rPr>
+                        </m:ctrlPr>
+                      </m:sSubPr>
+                      <m:e>
+                        <m:r>
+                          <a:rPr lang="en-US" altLang="zh-CN" sz="2100" i="1">
+                            <a:latin typeface="Cambria Math" panose="02040503050406030204" pitchFamily="18" charset="0"/>
+                            <a:ea typeface="等线" panose="02010600030101010101" pitchFamily="2" charset="-122"/>
+                            <a:cs typeface="Arial" panose="020B0604020202020204" pitchFamily="34" charset="0"/>
+                          </a:rPr>
+                          <m:t>𝐿</m:t>
+                        </m:r>
+                      </m:e>
+                      <m:sub>
+                        <m:r>
+                          <a:rPr lang="en-US" altLang="zh-CN" sz="2100" i="1">
+                            <a:latin typeface="Cambria Math" panose="02040503050406030204" pitchFamily="18" charset="0"/>
+                            <a:ea typeface="等线" panose="02010600030101010101" pitchFamily="2" charset="-122"/>
+                            <a:cs typeface="Arial" panose="020B0604020202020204" pitchFamily="34" charset="0"/>
+                          </a:rPr>
+                          <m:t>𝑚𝑖𝑥</m:t>
+                        </m:r>
+                      </m:sub>
+                    </m:sSub>
+                  </m:oMath>
+                </a14:m>
+                <a:r>
+                  <a:rPr lang="en-US" altLang="zh-CN" sz="2100" dirty="0">
+                    <a:latin typeface="Arial" panose="020B0604020202020204" pitchFamily="34" charset="0"/>
+                    <a:cs typeface="Arial" panose="020B0604020202020204" pitchFamily="34" charset="0"/>
+                  </a:rPr>
+                  <a:t> [5] and performs gradient descent steps.</a:t>
+                </a:r>
+                <a:endParaRPr lang="en-US" altLang="zh-CN" sz="2100" b="0" i="0" dirty="0">
+                  <a:effectLst/>
+                  <a:latin typeface="Arial" panose="020B0604020202020204" pitchFamily="34" charset="0"/>
+                  <a:cs typeface="Arial" panose="020B0604020202020204" pitchFamily="34" charset="0"/>
+                </a:endParaRPr>
+              </a:p>
+            </p:txBody>
+          </p:sp>
+        </mc:Choice>
+        <mc:Fallback xmlns="">
+          <p:sp>
+            <p:nvSpPr>
+              <p:cNvPr id="65" name="文本框 64">
+                <a:extLst>
+                  <a:ext uri="{FF2B5EF4-FFF2-40B4-BE49-F238E27FC236}">
+                    <a16:creationId xmlns:a16="http://schemas.microsoft.com/office/drawing/2014/main" id="{5996C522-4D55-700F-08EA-CBB54FB263AE}"/>
+                  </a:ext>
+                </a:extLst>
+              </p:cNvPr>
+              <p:cNvSpPr txBox="1">
+                <a:spLocks noRot="1" noChangeAspect="1" noMove="1" noResize="1" noEditPoints="1" noAdjustHandles="1" noChangeArrowheads="1" noChangeShapeType="1" noTextEdit="1"/>
+              </p:cNvSpPr>
+              <p:nvPr/>
+            </p:nvSpPr>
+            <p:spPr>
+              <a:xfrm>
+                <a:off x="11716293" y="16633451"/>
+                <a:ext cx="10230069" cy="1410897"/>
+              </a:xfrm>
+              <a:prstGeom prst="rect">
+                <a:avLst/>
+              </a:prstGeom>
+              <a:blipFill>
+                <a:blip r:embed="rId3"/>
+                <a:stretch>
+                  <a:fillRect l="-1192" t="-3030" r="-358" b="-7359"/>
+                </a:stretch>
+              </a:blipFill>
+              <a:ln w="12700" cap="flat">
+                <a:noFill/>
+                <a:miter lim="400000"/>
+              </a:ln>
+              <a:effectLst/>
+            </p:spPr>
+            <p:txBody>
+              <a:bodyPr/>
+              <a:lstStyle/>
+              <a:p>
+                <a:r>
+                  <a:rPr lang="zh-CN" altLang="en-US">
+                    <a:noFill/>
+                  </a:rPr>
+                  <a:t> </a:t>
+                </a:r>
+              </a:p>
+            </p:txBody>
+          </p:sp>
+        </mc:Fallback>
+      </mc:AlternateContent>
+      <p:sp>
+        <p:nvSpPr>
           <p:cNvPr id="30" name="TextBox 35"/>
           <p:cNvSpPr txBox="1"/>
           <p:nvPr/>
         </p:nvSpPr>
         <p:spPr>
           <a:xfrm>
-            <a:off x="2439925" y="466473"/>
-            <a:ext cx="26920926" cy="1785104"/>
+            <a:off x="8417283" y="357502"/>
+            <a:ext cx="15519677" cy="1785104"/>
           </a:xfrm>
           <a:prstGeom prst="rect">
             <a:avLst/>
@@ -1516,26 +2511,227 @@
           <a:p>
             <a:pPr algn="ctr"/>
             <a:r>
-              <a:rPr lang="en-US" dirty="0" err="1"/>
-              <a:t>HeteroFL</a:t>
-            </a:r>
-            <a:r>
-              <a:rPr lang="en-US" dirty="0"/>
-              <a:t>: Computation and Communication Efficient Federated Learning for Heterogeneous Clients</a:t>
-            </a:r>
-            <a:endParaRPr dirty="0"/>
+              <a:rPr lang="en-US" b="1" dirty="0" err="1">
+                <a:solidFill>
+                  <a:schemeClr val="accent1"/>
+                </a:solidFill>
+              </a:rPr>
+              <a:t>SemiFL</a:t>
+            </a:r>
+            <a:r>
+              <a:rPr lang="en-US" b="1" dirty="0"/>
+              <a:t>: Semi-Supervised Federated Learning for Unlabeled Clients with Alternate Training</a:t>
+            </a:r>
           </a:p>
         </p:txBody>
       </p:sp>
       <p:sp>
         <p:nvSpPr>
-          <p:cNvPr id="33" name="TextBox 38"/>
+          <p:cNvPr id="38" name="TextBox 44"/>
           <p:cNvSpPr txBox="1"/>
           <p:nvPr/>
         </p:nvSpPr>
         <p:spPr>
           <a:xfrm>
-            <a:off x="8919275" y="2309187"/>
+            <a:off x="11677801" y="4183984"/>
+            <a:ext cx="9064533" cy="415498"/>
+          </a:xfrm>
+          <a:prstGeom prst="rect">
+            <a:avLst/>
+          </a:prstGeom>
+          <a:ln w="12700">
+            <a:miter lim="400000"/>
+          </a:ln>
+          <a:extLst>
+            <a:ext uri="{C572A759-6A51-4108-AA02-DFA0A04FC94B}">
+              <ma14:wrappingTextBoxFlag xmlns:ma14="http://schemas.microsoft.com/office/mac/drawingml/2011/main" xmlns:a14="http://schemas.microsoft.com/office/drawing/2010/main" xmlns:m="http://schemas.openxmlformats.org/officeDocument/2006/math" xmlns="" val="1"/>
+            </a:ext>
+          </a:extLst>
+        </p:spPr>
+        <p:txBody>
+          <a:bodyPr lIns="45719" rIns="45719">
+            <a:spAutoFit/>
+          </a:bodyPr>
+          <a:lstStyle>
+            <a:lvl1pPr>
+              <a:defRPr sz="2100">
+                <a:latin typeface="Arial"/>
+                <a:ea typeface="Arial"/>
+                <a:cs typeface="Arial"/>
+                <a:sym typeface="Arial"/>
+              </a:defRPr>
+            </a:lvl1pPr>
+          </a:lstStyle>
+          <a:p>
+            <a:r>
+              <a:rPr lang="en-US" b="1" i="1" dirty="0">
+                <a:solidFill>
+                  <a:schemeClr val="accent1"/>
+                </a:solidFill>
+              </a:rPr>
+              <a:t>Theoretical Analysis of Strong Data augmentation for SSL</a:t>
+            </a:r>
+            <a:endParaRPr lang="fr-FR" b="1" i="1" dirty="0">
+              <a:solidFill>
+                <a:schemeClr val="accent1"/>
+              </a:solidFill>
+            </a:endParaRPr>
+          </a:p>
+        </p:txBody>
+      </p:sp>
+      <p:sp>
+        <p:nvSpPr>
+          <p:cNvPr id="48" name="TextBox 60"/>
+          <p:cNvSpPr txBox="1"/>
+          <p:nvPr/>
+        </p:nvSpPr>
+        <p:spPr>
+          <a:xfrm>
+            <a:off x="22359245" y="18341000"/>
+            <a:ext cx="6335025" cy="387516"/>
+          </a:xfrm>
+          <a:prstGeom prst="rect">
+            <a:avLst/>
+          </a:prstGeom>
+          <a:ln w="12700">
+            <a:miter lim="400000"/>
+          </a:ln>
+          <a:extLst>
+            <a:ext uri="{C572A759-6A51-4108-AA02-DFA0A04FC94B}">
+              <ma14:wrappingTextBoxFlag xmlns:ma14="http://schemas.microsoft.com/office/mac/drawingml/2011/main" xmlns:a14="http://schemas.microsoft.com/office/drawing/2010/main" xmlns:m="http://schemas.openxmlformats.org/officeDocument/2006/math" xmlns="" val="1"/>
+            </a:ext>
+          </a:extLst>
+        </p:spPr>
+        <p:txBody>
+          <a:bodyPr lIns="45719" rIns="45719">
+            <a:spAutoFit/>
+          </a:bodyPr>
+          <a:lstStyle>
+            <a:lvl1pPr>
+              <a:defRPr sz="2100">
+                <a:latin typeface="Arial"/>
+                <a:ea typeface="Arial"/>
+                <a:cs typeface="Arial"/>
+                <a:sym typeface="Arial"/>
+              </a:defRPr>
+            </a:lvl1pPr>
+          </a:lstStyle>
+          <a:p>
+            <a:r>
+              <a:rPr dirty="0"/>
+              <a:t>References</a:t>
+            </a:r>
+          </a:p>
+        </p:txBody>
+      </p:sp>
+      <p:pic>
+        <p:nvPicPr>
+          <p:cNvPr id="54" name="neurips_logo.pdf" descr="neurips_logo.pdf"/>
+          <p:cNvPicPr>
+            <a:picLocks noChangeAspect="1"/>
+          </p:cNvPicPr>
+          <p:nvPr/>
+        </p:nvPicPr>
+        <p:blipFill>
+          <a:blip r:embed="rId4"/>
+          <a:stretch>
+            <a:fillRect/>
+          </a:stretch>
+        </p:blipFill>
+        <p:spPr>
+          <a:xfrm>
+            <a:off x="26295380" y="602008"/>
+            <a:ext cx="4797779" cy="2159001"/>
+          </a:xfrm>
+          <a:prstGeom prst="rect">
+            <a:avLst/>
+          </a:prstGeom>
+          <a:ln w="12700">
+            <a:miter lim="400000"/>
+          </a:ln>
+        </p:spPr>
+      </p:pic>
+      <p:pic>
+        <p:nvPicPr>
+          <p:cNvPr id="3" name="Picture 27">
+            <a:extLst>
+              <a:ext uri="{FF2B5EF4-FFF2-40B4-BE49-F238E27FC236}">
+                <a16:creationId xmlns:a16="http://schemas.microsoft.com/office/drawing/2014/main" id="{AE23807C-CE96-96E8-23A3-3FB31A30BE67}"/>
+              </a:ext>
+            </a:extLst>
+          </p:cNvPr>
+          <p:cNvPicPr>
+            <a:picLocks noChangeAspect="1"/>
+          </p:cNvPicPr>
+          <p:nvPr/>
+        </p:nvPicPr>
+        <p:blipFill>
+          <a:blip r:embed="rId5"/>
+          <a:stretch>
+            <a:fillRect/>
+          </a:stretch>
+        </p:blipFill>
+        <p:spPr>
+          <a:xfrm>
+            <a:off x="4435996" y="869220"/>
+            <a:ext cx="2288338" cy="1367641"/>
+          </a:xfrm>
+          <a:prstGeom prst="rect">
+            <a:avLst/>
+          </a:prstGeom>
+        </p:spPr>
+      </p:pic>
+      <p:pic>
+        <p:nvPicPr>
+          <p:cNvPr id="4" name="Picture 28">
+            <a:extLst>
+              <a:ext uri="{FF2B5EF4-FFF2-40B4-BE49-F238E27FC236}">
+                <a16:creationId xmlns:a16="http://schemas.microsoft.com/office/drawing/2014/main" id="{F50D58B3-3C89-8FD0-ACF7-B56C0EAF3051}"/>
+              </a:ext>
+            </a:extLst>
+          </p:cNvPr>
+          <p:cNvPicPr>
+            <a:picLocks noChangeAspect="1"/>
+          </p:cNvPicPr>
+          <p:nvPr/>
+        </p:nvPicPr>
+        <p:blipFill>
+          <a:blip r:embed="rId6" cstate="print">
+            <a:extLst>
+              <a:ext uri="{28A0092B-C50C-407E-A947-70E740481C1C}">
+                <a14:useLocalDpi xmlns:a14="http://schemas.microsoft.com/office/drawing/2010/main" val="0"/>
+              </a:ext>
+            </a:extLst>
+          </a:blip>
+          <a:stretch>
+            <a:fillRect/>
+          </a:stretch>
+        </p:blipFill>
+        <p:spPr>
+          <a:xfrm>
+            <a:off x="2044408" y="614277"/>
+            <a:ext cx="1923230" cy="1923230"/>
+          </a:xfrm>
+          <a:prstGeom prst="rect">
+            <a:avLst/>
+          </a:prstGeom>
+        </p:spPr>
+      </p:pic>
+      <p:sp>
+        <p:nvSpPr>
+          <p:cNvPr id="5" name="TextBox 38">
+            <a:extLst>
+              <a:ext uri="{FF2B5EF4-FFF2-40B4-BE49-F238E27FC236}">
+                <a16:creationId xmlns:a16="http://schemas.microsoft.com/office/drawing/2014/main" id="{3F407EB0-5AC5-29FF-4AE7-8DC67F6205CE}"/>
+              </a:ext>
+            </a:extLst>
+          </p:cNvPr>
+          <p:cNvSpPr txBox="1"/>
+          <p:nvPr/>
+        </p:nvSpPr>
+        <p:spPr>
+          <a:xfrm>
+            <a:off x="8777035" y="2167738"/>
             <a:ext cx="13722011" cy="1138773"/>
           </a:xfrm>
           <a:prstGeom prst="rect">
@@ -1624,416 +2820,10 @@
       </p:sp>
       <p:sp>
         <p:nvSpPr>
-          <p:cNvPr id="34" name="TextBox 39"/>
-          <p:cNvSpPr txBox="1"/>
-          <p:nvPr/>
-        </p:nvSpPr>
-        <p:spPr>
-          <a:xfrm>
-            <a:off x="1130068" y="4550872"/>
-            <a:ext cx="9064534" cy="7812652"/>
-          </a:xfrm>
-          <a:prstGeom prst="rect">
-            <a:avLst/>
-          </a:prstGeom>
-          <a:ln w="12700">
-            <a:miter lim="400000"/>
-          </a:ln>
-          <a:extLst>
-            <a:ext uri="{C572A759-6A51-4108-AA02-DFA0A04FC94B}">
-              <ma14:wrappingTextBoxFlag xmlns:ma14="http://schemas.microsoft.com/office/mac/drawingml/2011/main" xmlns:a14="http://schemas.microsoft.com/office/drawing/2010/main" xmlns:m="http://schemas.openxmlformats.org/officeDocument/2006/math" xmlns="" val="1"/>
-            </a:ext>
-          </a:extLst>
-        </p:spPr>
-        <p:txBody>
-          <a:bodyPr lIns="45719" rIns="45719">
-            <a:spAutoFit/>
-          </a:bodyPr>
-          <a:lstStyle>
-            <a:lvl1pPr>
-              <a:lnSpc>
-                <a:spcPct val="120000"/>
-              </a:lnSpc>
-              <a:defRPr sz="2100">
-                <a:solidFill>
-                  <a:srgbClr val="344854"/>
-                </a:solidFill>
-                <a:latin typeface="Arial"/>
-                <a:ea typeface="Arial"/>
-                <a:cs typeface="Arial"/>
-                <a:sym typeface="Arial"/>
-              </a:defRPr>
-            </a:lvl1pPr>
-          </a:lstStyle>
-          <a:p>
-            <a:r>
-              <a:rPr lang="en-US" dirty="0">
-                <a:solidFill>
-                  <a:schemeClr val="tx1"/>
-                </a:solidFill>
-              </a:rPr>
-              <a:t>In this work, we propose a new federated learning framework named </a:t>
-            </a:r>
-            <a:r>
-              <a:rPr lang="en-US" b="1" i="1" dirty="0" err="1">
-                <a:solidFill>
-                  <a:srgbClr val="0070C0"/>
-                </a:solidFill>
-              </a:rPr>
-              <a:t>HeteroFL</a:t>
-            </a:r>
-            <a:r>
-              <a:rPr lang="en-US" dirty="0">
-                <a:solidFill>
-                  <a:schemeClr val="tx1"/>
-                </a:solidFill>
-              </a:rPr>
-              <a:t> to address heterogeneous clients equipped with very different computation and communication capabilities. Our solution can enable the training of heterogeneous local models with varying computation complexities and still produce a single global inference model. </a:t>
-            </a:r>
-          </a:p>
-          <a:p>
-            <a:endParaRPr lang="en-US" dirty="0">
-              <a:solidFill>
-                <a:schemeClr val="tx1"/>
-              </a:solidFill>
-            </a:endParaRPr>
-          </a:p>
-          <a:p>
-            <a:pPr marL="342900" indent="-342900">
-              <a:buFont typeface="Arial" panose="020B0604020202020204" pitchFamily="34" charset="0"/>
-              <a:buChar char="•"/>
-            </a:pPr>
-            <a:r>
-              <a:rPr lang="en-US" dirty="0">
-                <a:solidFill>
-                  <a:schemeClr val="tx1"/>
-                </a:solidFill>
-              </a:rPr>
-              <a:t>We identify the possibility of model heterogeneity and propose an </a:t>
-            </a:r>
-            <a:r>
-              <a:rPr lang="en-US" b="1" i="1" dirty="0">
-                <a:solidFill>
-                  <a:srgbClr val="0070C0"/>
-                </a:solidFill>
-              </a:rPr>
-              <a:t>easy-to-implement </a:t>
-            </a:r>
-            <a:r>
-              <a:rPr lang="en-US" dirty="0">
-                <a:solidFill>
-                  <a:schemeClr val="tx1"/>
-                </a:solidFill>
-              </a:rPr>
-              <a:t>framework </a:t>
-            </a:r>
-            <a:r>
-              <a:rPr lang="en-US" altLang="zh-CN" dirty="0" err="1">
-                <a:solidFill>
-                  <a:schemeClr val="tx1"/>
-                </a:solidFill>
-              </a:rPr>
-              <a:t>HeteroFL</a:t>
-            </a:r>
-            <a:r>
-              <a:rPr lang="en-US" altLang="zh-CN" dirty="0">
-                <a:solidFill>
-                  <a:schemeClr val="tx1"/>
-                </a:solidFill>
-              </a:rPr>
-              <a:t> </a:t>
-            </a:r>
-            <a:r>
-              <a:rPr lang="en-US" dirty="0">
-                <a:solidFill>
-                  <a:schemeClr val="tx1"/>
-                </a:solidFill>
-              </a:rPr>
-              <a:t>that can train heterogeneous local models and aggregate them stably and effectively into a single global inference model. </a:t>
-            </a:r>
-          </a:p>
-          <a:p>
-            <a:pPr marL="342900" indent="-342900">
-              <a:buFont typeface="Arial" panose="020B0604020202020204" pitchFamily="34" charset="0"/>
-              <a:buChar char="•"/>
-            </a:pPr>
-            <a:endParaRPr lang="en-US" dirty="0">
-              <a:solidFill>
-                <a:schemeClr val="tx1"/>
-              </a:solidFill>
-            </a:endParaRPr>
-          </a:p>
-          <a:p>
-            <a:pPr marL="342900" indent="-342900">
-              <a:buFont typeface="Arial" panose="020B0604020202020204" pitchFamily="34" charset="0"/>
-              <a:buChar char="•"/>
-            </a:pPr>
-            <a:r>
-              <a:rPr lang="en-US" dirty="0">
-                <a:solidFill>
-                  <a:schemeClr val="tx1"/>
-                </a:solidFill>
-              </a:rPr>
-              <a:t>Our proposed solution addresses various heterogeneous settings where different proportions of clients have distinct capabilities. Our results demonstrate that even when the model heterogeneity changes </a:t>
-            </a:r>
-            <a:r>
-              <a:rPr lang="en-US" b="1" i="1" dirty="0">
-                <a:solidFill>
-                  <a:srgbClr val="0070C0"/>
-                </a:solidFill>
-              </a:rPr>
-              <a:t>dynamically</a:t>
-            </a:r>
-            <a:r>
-              <a:rPr lang="en-US" dirty="0">
-                <a:solidFill>
-                  <a:schemeClr val="tx1"/>
-                </a:solidFill>
-              </a:rPr>
-              <a:t>, the learning result from our framework is still stable and effective.</a:t>
-            </a:r>
-          </a:p>
-          <a:p>
-            <a:pPr marL="342900" indent="-342900">
-              <a:buFont typeface="Arial" panose="020B0604020202020204" pitchFamily="34" charset="0"/>
-              <a:buChar char="•"/>
-            </a:pPr>
-            <a:endParaRPr lang="en-US" dirty="0">
-              <a:solidFill>
-                <a:schemeClr val="tx1"/>
-              </a:solidFill>
-            </a:endParaRPr>
-          </a:p>
-          <a:p>
-            <a:pPr marL="342900" indent="-342900">
-              <a:buFont typeface="Arial" panose="020B0604020202020204" pitchFamily="34" charset="0"/>
-              <a:buChar char="•"/>
-            </a:pPr>
-            <a:r>
-              <a:rPr lang="en-US" dirty="0">
-                <a:solidFill>
-                  <a:schemeClr val="tx1"/>
-                </a:solidFill>
-              </a:rPr>
-              <a:t>We introduce several strategies including </a:t>
-            </a:r>
-            <a:r>
-              <a:rPr lang="en-US" b="1" i="1" dirty="0">
-                <a:solidFill>
-                  <a:srgbClr val="0070C0"/>
-                </a:solidFill>
-              </a:rPr>
-              <a:t>static Batch Normalization</a:t>
-            </a:r>
-            <a:r>
-              <a:rPr lang="en-US" i="1" dirty="0">
-                <a:solidFill>
-                  <a:srgbClr val="0070C0"/>
-                </a:solidFill>
-              </a:rPr>
-              <a:t> </a:t>
-            </a:r>
-            <a:r>
-              <a:rPr lang="en-US" b="1" i="1" dirty="0">
-                <a:solidFill>
-                  <a:srgbClr val="0070C0"/>
-                </a:solidFill>
-              </a:rPr>
-              <a:t>(</a:t>
-            </a:r>
-            <a:r>
-              <a:rPr lang="en-US" b="1" i="1" dirty="0" err="1">
-                <a:solidFill>
-                  <a:srgbClr val="0070C0"/>
-                </a:solidFill>
-              </a:rPr>
-              <a:t>sBN</a:t>
-            </a:r>
-            <a:r>
-              <a:rPr lang="en-US" b="1" i="1" dirty="0">
-                <a:solidFill>
-                  <a:srgbClr val="0070C0"/>
-                </a:solidFill>
-              </a:rPr>
-              <a:t>), scaler</a:t>
-            </a:r>
-            <a:r>
-              <a:rPr lang="en-US" dirty="0">
-                <a:solidFill>
-                  <a:schemeClr val="tx1"/>
-                </a:solidFill>
-              </a:rPr>
-              <a:t>, and </a:t>
-            </a:r>
-            <a:r>
-              <a:rPr lang="en-US" b="1" i="1" dirty="0">
-                <a:solidFill>
-                  <a:srgbClr val="0070C0"/>
-                </a:solidFill>
-              </a:rPr>
-              <a:t>Masked Cross-Entropy Loss </a:t>
-            </a:r>
-            <a:r>
-              <a:rPr lang="en-US" dirty="0">
-                <a:solidFill>
-                  <a:schemeClr val="tx1"/>
-                </a:solidFill>
-              </a:rPr>
-              <a:t>for improving </a:t>
-            </a:r>
-            <a:r>
-              <a:rPr lang="en-US" altLang="zh-CN" b="1" i="1" dirty="0" err="1">
-                <a:solidFill>
-                  <a:srgbClr val="0070C0"/>
-                </a:solidFill>
-              </a:rPr>
-              <a:t>HeteroFL</a:t>
-            </a:r>
-            <a:r>
-              <a:rPr lang="en-US" dirty="0">
-                <a:solidFill>
-                  <a:schemeClr val="tx1"/>
-                </a:solidFill>
-              </a:rPr>
-              <a:t> against the balanced non-IID statistical heterogeneity. </a:t>
-            </a:r>
-            <a:endParaRPr dirty="0">
-              <a:solidFill>
-                <a:schemeClr val="tx1"/>
-              </a:solidFill>
-            </a:endParaRPr>
-          </a:p>
-        </p:txBody>
-      </p:sp>
-      <p:sp>
-        <p:nvSpPr>
-          <p:cNvPr id="39" name="TextBox 45"/>
-          <p:cNvSpPr txBox="1"/>
-          <p:nvPr/>
-        </p:nvSpPr>
-        <p:spPr>
-          <a:xfrm>
-            <a:off x="11350705" y="3922331"/>
-            <a:ext cx="9064534" cy="615553"/>
-          </a:xfrm>
-          <a:prstGeom prst="rect">
-            <a:avLst/>
-          </a:prstGeom>
-          <a:ln w="12700">
-            <a:miter lim="400000"/>
-          </a:ln>
-          <a:extLst>
-            <a:ext uri="{C572A759-6A51-4108-AA02-DFA0A04FC94B}">
-              <ma14:wrappingTextBoxFlag xmlns:ma14="http://schemas.microsoft.com/office/mac/drawingml/2011/main" xmlns:a14="http://schemas.microsoft.com/office/drawing/2010/main" xmlns:m="http://schemas.openxmlformats.org/officeDocument/2006/math" xmlns="" val="1"/>
-            </a:ext>
-          </a:extLst>
-        </p:spPr>
-        <p:txBody>
-          <a:bodyPr lIns="45719" rIns="45719">
-            <a:spAutoFit/>
-          </a:bodyPr>
-          <a:lstStyle>
-            <a:lvl1pPr>
-              <a:defRPr sz="3400">
-                <a:latin typeface="Arial"/>
-                <a:ea typeface="Arial"/>
-                <a:cs typeface="Arial"/>
-                <a:sym typeface="Arial"/>
-              </a:defRPr>
-            </a:lvl1pPr>
-          </a:lstStyle>
-          <a:p>
-            <a:pPr algn="ctr"/>
-            <a:r>
-              <a:rPr lang="en-US" b="1" dirty="0">
-                <a:solidFill>
-                  <a:schemeClr val="accent1"/>
-                </a:solidFill>
-              </a:rPr>
-              <a:t>Heterogeneous Federated Learning</a:t>
-            </a:r>
-            <a:endParaRPr b="1" dirty="0">
-              <a:solidFill>
-                <a:schemeClr val="accent1"/>
-              </a:solidFill>
-            </a:endParaRPr>
-          </a:p>
-        </p:txBody>
-      </p:sp>
-      <p:sp>
-        <p:nvSpPr>
-          <p:cNvPr id="45" name="TextBox 54"/>
-          <p:cNvSpPr txBox="1"/>
-          <p:nvPr/>
-        </p:nvSpPr>
-        <p:spPr>
-          <a:xfrm>
-            <a:off x="11944349" y="14936293"/>
-            <a:ext cx="9029701" cy="738664"/>
-          </a:xfrm>
-          <a:prstGeom prst="rect">
-            <a:avLst/>
-          </a:prstGeom>
-          <a:ln w="12700">
-            <a:miter lim="400000"/>
-          </a:ln>
-          <a:extLst>
-            <a:ext uri="{C572A759-6A51-4108-AA02-DFA0A04FC94B}">
-              <ma14:wrappingTextBoxFlag xmlns:ma14="http://schemas.microsoft.com/office/mac/drawingml/2011/main" xmlns:a14="http://schemas.microsoft.com/office/drawing/2010/main" xmlns:m="http://schemas.openxmlformats.org/officeDocument/2006/math" xmlns="" val="1"/>
-            </a:ext>
-          </a:extLst>
-        </p:spPr>
-        <p:txBody>
-          <a:bodyPr lIns="45719" rIns="45719">
-            <a:spAutoFit/>
-          </a:bodyPr>
-          <a:lstStyle>
-            <a:lvl1pPr algn="ctr">
-              <a:defRPr sz="1300">
-                <a:solidFill>
-                  <a:srgbClr val="344854"/>
-                </a:solidFill>
-                <a:latin typeface="Arial"/>
-                <a:ea typeface="Arial"/>
-                <a:cs typeface="Arial"/>
-                <a:sym typeface="Arial"/>
-              </a:defRPr>
-            </a:lvl1pPr>
-          </a:lstStyle>
-          <a:p>
-            <a:r>
-              <a:rPr lang="en-US" sz="2100" dirty="0">
-                <a:solidFill>
-                  <a:schemeClr val="tx1"/>
-                </a:solidFill>
-              </a:rPr>
-              <a:t>Figure 2. Global model parameters </a:t>
-            </a:r>
-            <a:r>
-              <a:rPr lang="en-US" altLang="zh-CN" sz="2100" dirty="0">
-                <a:solidFill>
-                  <a:schemeClr val="tx1"/>
-                </a:solidFill>
-              </a:rPr>
-              <a:t>are </a:t>
-            </a:r>
-            <a:r>
-              <a:rPr lang="en-US" sz="2100" dirty="0">
-                <a:solidFill>
-                  <a:schemeClr val="tx1"/>
-                </a:solidFill>
-              </a:rPr>
-              <a:t>distributed to 6 local clients with 3 computation complexity levels.</a:t>
-            </a:r>
-          </a:p>
-        </p:txBody>
-      </p:sp>
-      <p:sp>
-        <p:nvSpPr>
-          <p:cNvPr id="56" name="TextBox 45">
+          <p:cNvPr id="7" name="文本框 6">
             <a:extLst>
               <a:ext uri="{FF2B5EF4-FFF2-40B4-BE49-F238E27FC236}">
-                <a16:creationId xmlns:a16="http://schemas.microsoft.com/office/drawing/2014/main" id="{DD263146-548F-417D-A532-3DCC15924D1E}"/>
+                <a16:creationId xmlns:a16="http://schemas.microsoft.com/office/drawing/2014/main" id="{E797870F-45C4-39A3-C7BA-B46090F0A077}"/>
               </a:ext>
             </a:extLst>
           </p:cNvPr>
@@ -2042,54 +2832,352 @@
         </p:nvSpPr>
         <p:spPr>
           <a:xfrm>
-            <a:off x="1095235" y="3926419"/>
-            <a:ext cx="9064534" cy="615553"/>
+            <a:off x="180411" y="4226568"/>
+            <a:ext cx="11093922" cy="5586143"/>
           </a:xfrm>
           <a:prstGeom prst="rect">
             <a:avLst/>
           </a:prstGeom>
-          <a:ln w="12700">
+          <a:noFill/>
+          <a:ln w="76200" cap="flat">
+            <a:noFill/>
             <a:miter lim="400000"/>
           </a:ln>
-          <a:extLst>
-            <a:ext uri="{C572A759-6A51-4108-AA02-DFA0A04FC94B}">
-              <ma14:wrappingTextBoxFlag xmlns:ma14="http://schemas.microsoft.com/office/mac/drawingml/2011/main" xmlns:a14="http://schemas.microsoft.com/office/drawing/2010/main" xmlns:m="http://schemas.openxmlformats.org/officeDocument/2006/math" xmlns="" val="1"/>
-            </a:ext>
-          </a:extLst>
+          <a:effectLst/>
+          <a:sp3d/>
         </p:spPr>
+        <p:style>
+          <a:lnRef idx="0">
+            <a:scrgbClr r="0" g="0" b="0"/>
+          </a:lnRef>
+          <a:fillRef idx="0">
+            <a:scrgbClr r="0" g="0" b="0"/>
+          </a:fillRef>
+          <a:effectRef idx="0">
+            <a:scrgbClr r="0" g="0" b="0"/>
+          </a:effectRef>
+          <a:fontRef idx="none"/>
+        </p:style>
         <p:txBody>
-          <a:bodyPr lIns="45719" rIns="45719">
+          <a:bodyPr rot="0" spcFirstLastPara="1" vertOverflow="overflow" horzOverflow="overflow" vert="horz" wrap="square" lIns="45719" tIns="45719" rIns="45719" bIns="45719" numCol="1" spcCol="38100" rtlCol="0" anchor="t">
             <a:spAutoFit/>
           </a:bodyPr>
-          <a:lstStyle>
-            <a:lvl1pPr>
-              <a:defRPr sz="3400">
-                <a:latin typeface="Arial"/>
-                <a:ea typeface="Arial"/>
-                <a:cs typeface="Arial"/>
-                <a:sym typeface="Arial"/>
-              </a:defRPr>
-            </a:lvl1pPr>
-          </a:lstStyle>
+          <a:lstStyle/>
           <a:p>
-            <a:pPr algn="ctr"/>
-            <a:r>
-              <a:rPr lang="en-US" altLang="zh-CN" b="1" dirty="0">
+            <a:pPr marL="263525" marR="0" defTabSz="326532" rtl="0" fontAlgn="auto" latinLnBrk="0" hangingPunct="0">
+              <a:lnSpc>
+                <a:spcPct val="100000"/>
+              </a:lnSpc>
+              <a:spcBef>
+                <a:spcPts val="0"/>
+              </a:spcBef>
+              <a:spcAft>
+                <a:spcPts val="0"/>
+              </a:spcAft>
+              <a:buClrTx/>
+              <a:buSzTx/>
+              <a:buFontTx/>
+              <a:buNone/>
+              <a:tabLst/>
+            </a:pPr>
+            <a:r>
+              <a:rPr kumimoji="0" lang="en-US" altLang="zh-CN" sz="2100" b="0" i="0" u="none" strike="noStrike" cap="none" spc="0" normalizeH="0" baseline="0" dirty="0">
+                <a:ln>
+                  <a:noFill/>
+                </a:ln>
+                <a:solidFill>
+                  <a:srgbClr val="000000"/>
+                </a:solidFill>
+                <a:effectLst/>
+                <a:uFillTx/>
+                <a:latin typeface="Arial" panose="020B0604020202020204" pitchFamily="34" charset="0"/>
+                <a:cs typeface="Arial" panose="020B0604020202020204" pitchFamily="34" charset="0"/>
+                <a:sym typeface="Calibri"/>
+              </a:rPr>
+              <a:t>We propose a new Federated Learning (FL) framework </a:t>
+            </a:r>
+            <a:r>
+              <a:rPr kumimoji="0" lang="en-US" altLang="zh-CN" sz="2100" b="0" i="0" u="none" strike="noStrike" cap="none" spc="0" normalizeH="0" baseline="0" dirty="0" err="1">
+                <a:ln>
+                  <a:noFill/>
+                </a:ln>
+                <a:solidFill>
+                  <a:srgbClr val="000000"/>
+                </a:solidFill>
+                <a:effectLst/>
+                <a:uFillTx/>
+                <a:latin typeface="Arial" panose="020B0604020202020204" pitchFamily="34" charset="0"/>
+                <a:cs typeface="Arial" panose="020B0604020202020204" pitchFamily="34" charset="0"/>
+                <a:sym typeface="Calibri"/>
+              </a:rPr>
+              <a:t>SemiFL</a:t>
+            </a:r>
+            <a:r>
+              <a:rPr kumimoji="0" lang="en-US" altLang="zh-CN" sz="2100" b="0" i="0" u="none" strike="noStrike" cap="none" spc="0" normalizeH="0" baseline="0" dirty="0">
+                <a:ln>
+                  <a:noFill/>
+                </a:ln>
+                <a:solidFill>
+                  <a:srgbClr val="000000"/>
+                </a:solidFill>
+                <a:effectLst/>
+                <a:uFillTx/>
+                <a:latin typeface="Arial" panose="020B0604020202020204" pitchFamily="34" charset="0"/>
+                <a:cs typeface="Arial" panose="020B0604020202020204" pitchFamily="34" charset="0"/>
+                <a:sym typeface="Calibri"/>
+              </a:rPr>
+              <a:t> to address the problem of Semi-Supervised Federated Learning (SSFL). We discover that it is challenging to directly combine the state-of-the-art Semi-Supervised Learning (SSL) methods with the communication efficient federated learning methods such as </a:t>
+            </a:r>
+            <a:r>
+              <a:rPr kumimoji="0" lang="en-US" altLang="zh-CN" sz="2100" b="0" i="0" u="none" strike="noStrike" cap="none" spc="0" normalizeH="0" baseline="0" dirty="0" err="1">
+                <a:ln>
+                  <a:noFill/>
+                </a:ln>
+                <a:solidFill>
+                  <a:srgbClr val="000000"/>
+                </a:solidFill>
+                <a:effectLst/>
+                <a:uFillTx/>
+                <a:latin typeface="Arial" panose="020B0604020202020204" pitchFamily="34" charset="0"/>
+                <a:cs typeface="Arial" panose="020B0604020202020204" pitchFamily="34" charset="0"/>
+                <a:sym typeface="Calibri"/>
+              </a:rPr>
+              <a:t>FedAvg</a:t>
+            </a:r>
+            <a:r>
+              <a:rPr kumimoji="0" lang="en-US" altLang="zh-CN" sz="2100" b="0" i="0" u="none" strike="noStrike" cap="none" spc="0" normalizeH="0" baseline="0" dirty="0">
+                <a:ln>
+                  <a:noFill/>
+                </a:ln>
+                <a:solidFill>
+                  <a:srgbClr val="000000"/>
+                </a:solidFill>
+                <a:effectLst/>
+                <a:uFillTx/>
+                <a:latin typeface="Arial" panose="020B0604020202020204" pitchFamily="34" charset="0"/>
+                <a:cs typeface="Arial" panose="020B0604020202020204" pitchFamily="34" charset="0"/>
+                <a:sym typeface="Calibri"/>
+              </a:rPr>
+              <a:t> to allow local clients to train multiple epochs [1]. The key ingredient that enables </a:t>
+            </a:r>
+            <a:r>
+              <a:rPr kumimoji="0" lang="en-US" altLang="zh-CN" sz="2100" b="0" i="0" u="none" strike="noStrike" cap="none" spc="0" normalizeH="0" baseline="0" dirty="0" err="1">
+                <a:ln>
+                  <a:noFill/>
+                </a:ln>
+                <a:solidFill>
+                  <a:srgbClr val="000000"/>
+                </a:solidFill>
+                <a:effectLst/>
+                <a:uFillTx/>
+                <a:latin typeface="Arial" panose="020B0604020202020204" pitchFamily="34" charset="0"/>
+                <a:cs typeface="Arial" panose="020B0604020202020204" pitchFamily="34" charset="0"/>
+                <a:sym typeface="Calibri"/>
+              </a:rPr>
+              <a:t>SemiFL</a:t>
+            </a:r>
+            <a:r>
+              <a:rPr kumimoji="0" lang="en-US" altLang="zh-CN" sz="2100" b="0" i="0" u="none" strike="noStrike" cap="none" spc="0" normalizeH="0" baseline="0" dirty="0">
+                <a:ln>
+                  <a:noFill/>
+                </a:ln>
+                <a:solidFill>
+                  <a:srgbClr val="000000"/>
+                </a:solidFill>
+                <a:effectLst/>
+                <a:uFillTx/>
+                <a:latin typeface="Arial" panose="020B0604020202020204" pitchFamily="34" charset="0"/>
+                <a:cs typeface="Arial" panose="020B0604020202020204" pitchFamily="34" charset="0"/>
+                <a:sym typeface="Calibri"/>
+              </a:rPr>
+              <a:t> to allow unlabeled clients to train multiple local epochs is that </a:t>
+            </a:r>
+            <a:r>
+              <a:rPr kumimoji="0" lang="en-US" altLang="zh-CN" sz="2100" b="0" i="1" u="none" strike="noStrike" cap="none" spc="0" normalizeH="0" baseline="0" dirty="0">
+                <a:ln>
+                  <a:noFill/>
+                </a:ln>
                 <a:solidFill>
                   <a:schemeClr val="accent1"/>
                 </a:solidFill>
-              </a:rPr>
-              <a:t>Overview</a:t>
-            </a:r>
+                <a:effectLst/>
+                <a:uFillTx/>
+                <a:latin typeface="Arial" panose="020B0604020202020204" pitchFamily="34" charset="0"/>
+                <a:cs typeface="Arial" panose="020B0604020202020204" pitchFamily="34" charset="0"/>
+                <a:sym typeface="Calibri"/>
+              </a:rPr>
+              <a:t>we alternate the training of a labeled server and unlabeled clients</a:t>
+            </a:r>
+            <a:r>
+              <a:rPr kumimoji="0" lang="en-US" altLang="zh-CN" sz="2100" b="0" i="0" u="none" strike="noStrike" cap="none" spc="0" normalizeH="0" baseline="0" dirty="0">
+                <a:ln>
+                  <a:noFill/>
+                </a:ln>
+                <a:solidFill>
+                  <a:srgbClr val="000000"/>
+                </a:solidFill>
+                <a:effectLst/>
+                <a:uFillTx/>
+                <a:latin typeface="Arial" panose="020B0604020202020204" pitchFamily="34" charset="0"/>
+                <a:cs typeface="Arial" panose="020B0604020202020204" pitchFamily="34" charset="0"/>
+                <a:sym typeface="Calibri"/>
+              </a:rPr>
+              <a:t> to ensure that the quality of pseudo-labeling is maintained during training.</a:t>
+            </a:r>
+          </a:p>
+          <a:p>
+            <a:pPr marL="263525" marR="0" defTabSz="326532" rtl="0" fontAlgn="auto" latinLnBrk="0" hangingPunct="0">
+              <a:lnSpc>
+                <a:spcPct val="100000"/>
+              </a:lnSpc>
+              <a:spcBef>
+                <a:spcPts val="0"/>
+              </a:spcBef>
+              <a:spcAft>
+                <a:spcPts val="0"/>
+              </a:spcAft>
+              <a:buClrTx/>
+              <a:buSzTx/>
+              <a:buFontTx/>
+              <a:buNone/>
+              <a:tabLst/>
+            </a:pPr>
+            <a:endParaRPr lang="en-US" altLang="zh-CN" sz="2100" dirty="0">
+              <a:latin typeface="Arial" panose="020B0604020202020204" pitchFamily="34" charset="0"/>
+              <a:cs typeface="Arial" panose="020B0604020202020204" pitchFamily="34" charset="0"/>
+            </a:endParaRPr>
+          </a:p>
+          <a:p>
+            <a:pPr marL="606425" indent="-342900">
+              <a:buFont typeface="Arial" panose="020B0604020202020204" pitchFamily="34" charset="0"/>
+              <a:buChar char="•"/>
+            </a:pPr>
+            <a:r>
+              <a:rPr kumimoji="0" lang="en-US" altLang="zh-CN" sz="2100" b="0" i="0" u="none" strike="noStrike" cap="none" spc="0" normalizeH="0" baseline="0" dirty="0">
+                <a:ln>
+                  <a:noFill/>
+                </a:ln>
+                <a:solidFill>
+                  <a:srgbClr val="000000"/>
+                </a:solidFill>
+                <a:effectLst/>
+                <a:uFillTx/>
+                <a:latin typeface="Arial" panose="020B0604020202020204" pitchFamily="34" charset="0"/>
+                <a:cs typeface="Arial" panose="020B0604020202020204" pitchFamily="34" charset="0"/>
+                <a:sym typeface="Calibri"/>
+              </a:rPr>
+              <a:t>We propose </a:t>
+            </a:r>
+            <a:r>
+              <a:rPr kumimoji="0" lang="en-US" altLang="zh-CN" sz="2100" b="0" i="0" u="none" strike="noStrike" cap="none" spc="0" normalizeH="0" baseline="0" dirty="0" err="1">
+                <a:ln>
+                  <a:noFill/>
+                </a:ln>
+                <a:solidFill>
+                  <a:srgbClr val="000000"/>
+                </a:solidFill>
+                <a:effectLst/>
+                <a:uFillTx/>
+                <a:latin typeface="Arial" panose="020B0604020202020204" pitchFamily="34" charset="0"/>
+                <a:cs typeface="Arial" panose="020B0604020202020204" pitchFamily="34" charset="0"/>
+                <a:sym typeface="Calibri"/>
+              </a:rPr>
+              <a:t>SemiFL</a:t>
+            </a:r>
+            <a:r>
+              <a:rPr kumimoji="0" lang="en-US" altLang="zh-CN" sz="2100" b="0" i="0" u="none" strike="noStrike" cap="none" spc="0" normalizeH="0" baseline="0" dirty="0">
+                <a:ln>
+                  <a:noFill/>
+                </a:ln>
+                <a:solidFill>
+                  <a:srgbClr val="000000"/>
+                </a:solidFill>
+                <a:effectLst/>
+                <a:uFillTx/>
+                <a:latin typeface="Arial" panose="020B0604020202020204" pitchFamily="34" charset="0"/>
+                <a:cs typeface="Arial" panose="020B0604020202020204" pitchFamily="34" charset="0"/>
+                <a:sym typeface="Calibri"/>
+              </a:rPr>
+              <a:t> in which clients have completely unlabeled data and can train multiple local epochs to reduce communication costs, while the server has a small amount of labeled data.</a:t>
+            </a:r>
+          </a:p>
+          <a:p>
+            <a:pPr marL="606425" indent="-342900">
+              <a:buFont typeface="Arial" panose="020B0604020202020204" pitchFamily="34" charset="0"/>
+              <a:buChar char="•"/>
+            </a:pPr>
+            <a:r>
+              <a:rPr kumimoji="0" lang="en-US" altLang="zh-CN" sz="2100" b="0" i="0" u="none" strike="noStrike" cap="none" spc="0" normalizeH="0" baseline="0" dirty="0">
+                <a:ln>
+                  <a:noFill/>
+                </a:ln>
+                <a:solidFill>
+                  <a:srgbClr val="000000"/>
+                </a:solidFill>
+                <a:effectLst/>
+                <a:uFillTx/>
+                <a:latin typeface="Arial" panose="020B0604020202020204" pitchFamily="34" charset="0"/>
+                <a:cs typeface="Arial" panose="020B0604020202020204" pitchFamily="34" charset="0"/>
+                <a:sym typeface="Calibri"/>
+              </a:rPr>
+              <a:t>We develop a theoretical analysis on strong data augmentation for SSL methods. We provide a theoretical understanding of the success of data augmentation-based SSL methods to illustrate the bottleneck of a vanilla combination of communication-efficient FL with SSL.</a:t>
+            </a:r>
+          </a:p>
+          <a:p>
+            <a:pPr marL="606425" marR="0" indent="-342900" defTabSz="326532" rtl="0" fontAlgn="auto" latinLnBrk="0" hangingPunct="0">
+              <a:lnSpc>
+                <a:spcPct val="100000"/>
+              </a:lnSpc>
+              <a:spcBef>
+                <a:spcPts val="0"/>
+              </a:spcBef>
+              <a:spcAft>
+                <a:spcPts val="0"/>
+              </a:spcAft>
+              <a:buClrTx/>
+              <a:buSzTx/>
+              <a:buFont typeface="Arial" panose="020B0604020202020204" pitchFamily="34" charset="0"/>
+              <a:buChar char="•"/>
+              <a:tabLst/>
+            </a:pPr>
+            <a:r>
+              <a:rPr kumimoji="0" lang="en-US" altLang="zh-CN" sz="2100" b="0" i="0" u="none" strike="noStrike" cap="none" spc="0" normalizeH="0" baseline="0" dirty="0">
+                <a:ln>
+                  <a:noFill/>
+                </a:ln>
+                <a:solidFill>
+                  <a:srgbClr val="000000"/>
+                </a:solidFill>
+                <a:effectLst/>
+                <a:uFillTx/>
+                <a:latin typeface="Arial" panose="020B0604020202020204" pitchFamily="34" charset="0"/>
+                <a:cs typeface="Arial" panose="020B0604020202020204" pitchFamily="34" charset="0"/>
+                <a:sym typeface="Calibri"/>
+              </a:rPr>
+              <a:t>Our proposed method achieves 30% improvement over the existing SSFL methods and performs competitively with the state-of-the-art FL methods and SSL method.</a:t>
+            </a:r>
+            <a:endParaRPr kumimoji="0" lang="zh-CN" altLang="en-US" sz="2100" b="0" i="0" u="none" strike="noStrike" cap="none" spc="0" normalizeH="0" baseline="0" dirty="0">
+              <a:ln>
+                <a:noFill/>
+              </a:ln>
+              <a:solidFill>
+                <a:srgbClr val="000000"/>
+              </a:solidFill>
+              <a:effectLst/>
+              <a:uFillTx/>
+              <a:latin typeface="Arial" panose="020B0604020202020204" pitchFamily="34" charset="0"/>
+              <a:cs typeface="Arial" panose="020B0604020202020204" pitchFamily="34" charset="0"/>
+              <a:sym typeface="Calibri"/>
+            </a:endParaRPr>
           </a:p>
         </p:txBody>
       </p:sp>
       <p:pic>
         <p:nvPicPr>
-          <p:cNvPr id="4" name="图片 3">
+          <p:cNvPr id="8" name="图片 7" descr="QR 代码&#10;&#10;描述已自动生成">
             <a:extLst>
               <a:ext uri="{FF2B5EF4-FFF2-40B4-BE49-F238E27FC236}">
-                <a16:creationId xmlns:a16="http://schemas.microsoft.com/office/drawing/2014/main" id="{67B99DE7-208F-449B-9D1D-0ECD473633E3}"/>
+                <a16:creationId xmlns:a16="http://schemas.microsoft.com/office/drawing/2014/main" id="{B52C21F8-4770-7C75-7E3E-F7B0C4FC2BF3}"/>
               </a:ext>
             </a:extLst>
           </p:cNvPr>
@@ -2099,15 +3187,45 @@
           <p:nvPr/>
         </p:nvPicPr>
         <p:blipFill>
-          <a:blip r:embed="rId2"/>
+          <a:blip r:embed="rId7"/>
           <a:stretch>
             <a:fillRect/>
           </a:stretch>
         </p:blipFill>
         <p:spPr>
           <a:xfrm>
-            <a:off x="11725771" y="8995886"/>
-            <a:ext cx="9479970" cy="5687982"/>
+            <a:off x="5885845" y="20172194"/>
+            <a:ext cx="1676979" cy="1676979"/>
+          </a:xfrm>
+          <a:prstGeom prst="rect">
+            <a:avLst/>
+          </a:prstGeom>
+        </p:spPr>
+      </p:pic>
+      <p:pic>
+        <p:nvPicPr>
+          <p:cNvPr id="9" name="图片 8" descr="QR 代码&#10;&#10;描述已自动生成">
+            <a:extLst>
+              <a:ext uri="{FF2B5EF4-FFF2-40B4-BE49-F238E27FC236}">
+                <a16:creationId xmlns:a16="http://schemas.microsoft.com/office/drawing/2014/main" id="{2C8FB3B8-DA6E-66ED-FD4B-4EF4C71F075D}"/>
+              </a:ext>
+            </a:extLst>
+          </p:cNvPr>
+          <p:cNvPicPr>
+            <a:picLocks noChangeAspect="1"/>
+          </p:cNvPicPr>
+          <p:nvPr/>
+        </p:nvPicPr>
+        <p:blipFill>
+          <a:blip r:embed="rId8"/>
+          <a:stretch>
+            <a:fillRect/>
+          </a:stretch>
+        </p:blipFill>
+        <p:spPr>
+          <a:xfrm>
+            <a:off x="3167598" y="20172195"/>
+            <a:ext cx="1676978" cy="1676978"/>
           </a:xfrm>
           <a:prstGeom prst="rect">
             <a:avLst/>
@@ -2116,10 +3234,10 @@
       </p:pic>
       <p:sp>
         <p:nvSpPr>
-          <p:cNvPr id="57" name="TextBox 39">
+          <p:cNvPr id="10" name="文本框 4">
             <a:extLst>
               <a:ext uri="{FF2B5EF4-FFF2-40B4-BE49-F238E27FC236}">
-                <a16:creationId xmlns:a16="http://schemas.microsoft.com/office/drawing/2014/main" id="{3D4F0B6E-D660-4F1A-B9B2-68E5B09C3AEE}"/>
+                <a16:creationId xmlns:a16="http://schemas.microsoft.com/office/drawing/2014/main" id="{F9973203-0F00-4268-04B8-76D9CEF8C1F0}"/>
               </a:ext>
             </a:extLst>
           </p:cNvPr>
@@ -2128,316 +3246,8 @@
         </p:nvSpPr>
         <p:spPr>
           <a:xfrm>
-            <a:off x="11368121" y="4657352"/>
-            <a:ext cx="9064534" cy="3934667"/>
-          </a:xfrm>
-          <a:prstGeom prst="rect">
-            <a:avLst/>
-          </a:prstGeom>
-          <a:ln w="12700">
-            <a:miter lim="400000"/>
-          </a:ln>
-          <a:extLst>
-            <a:ext uri="{C572A759-6A51-4108-AA02-DFA0A04FC94B}">
-              <ma14:wrappingTextBoxFlag xmlns:ma14="http://schemas.microsoft.com/office/mac/drawingml/2011/main" xmlns:a14="http://schemas.microsoft.com/office/drawing/2010/main" xmlns:m="http://schemas.openxmlformats.org/officeDocument/2006/math" xmlns="" val="1"/>
-            </a:ext>
-          </a:extLst>
-        </p:spPr>
-        <p:txBody>
-          <a:bodyPr lIns="45719" rIns="45719">
-            <a:spAutoFit/>
-          </a:bodyPr>
-          <a:lstStyle>
-            <a:lvl1pPr>
-              <a:lnSpc>
-                <a:spcPct val="120000"/>
-              </a:lnSpc>
-              <a:defRPr sz="2100">
-                <a:solidFill>
-                  <a:srgbClr val="344854"/>
-                </a:solidFill>
-                <a:latin typeface="Arial"/>
-                <a:ea typeface="Arial"/>
-                <a:cs typeface="Arial"/>
-                <a:sym typeface="Arial"/>
-              </a:defRPr>
-            </a:lvl1pPr>
-          </a:lstStyle>
-          <a:p>
-            <a:pPr marL="342900" indent="-342900">
-              <a:buFont typeface="Arial" panose="020B0604020202020204" pitchFamily="34" charset="0"/>
-              <a:buChar char="•"/>
-            </a:pPr>
-            <a:r>
-              <a:rPr lang="en-US" altLang="zh-CN" i="0" dirty="0">
-                <a:solidFill>
-                  <a:schemeClr val="tx1"/>
-                </a:solidFill>
-                <a:effectLst/>
-                <a:latin typeface="Arial" panose="020B0604020202020204" pitchFamily="34" charset="0"/>
-              </a:rPr>
-              <a:t>Each parameter will be averaged from those clients whose allocated parameter matrix contains that parameter. </a:t>
-            </a:r>
-          </a:p>
-          <a:p>
-            <a:pPr marL="342900" indent="-342900">
-              <a:buFont typeface="Arial" panose="020B0604020202020204" pitchFamily="34" charset="0"/>
-              <a:buChar char="•"/>
-            </a:pPr>
-            <a:endParaRPr lang="en-US" altLang="zh-CN" i="0" dirty="0">
-              <a:solidFill>
-                <a:schemeClr val="tx1"/>
-              </a:solidFill>
-              <a:effectLst/>
-              <a:latin typeface="Arial" panose="020B0604020202020204" pitchFamily="34" charset="0"/>
-            </a:endParaRPr>
-          </a:p>
-          <a:p>
-            <a:pPr marL="342900" indent="-342900">
-              <a:buFont typeface="Arial" panose="020B0604020202020204" pitchFamily="34" charset="0"/>
-              <a:buChar char="•"/>
-            </a:pPr>
-            <a:r>
-              <a:rPr lang="en-US" altLang="zh-CN" b="0" i="0" dirty="0">
-                <a:solidFill>
-                  <a:schemeClr val="tx1"/>
-                </a:solidFill>
-                <a:effectLst/>
-                <a:latin typeface="Arial" panose="020B0604020202020204" pitchFamily="34" charset="0"/>
-              </a:rPr>
-              <a:t>A model of an intermediate complexity will have parameters fully averaged with all the other larger models but partially with smaller models</a:t>
-            </a:r>
-            <a:r>
-              <a:rPr lang="en-US" altLang="zh-CN" dirty="0">
-                <a:solidFill>
-                  <a:schemeClr val="tx1"/>
-                </a:solidFill>
-                <a:latin typeface="Arial" panose="020B0604020202020204" pitchFamily="34" charset="0"/>
-              </a:rPr>
-              <a:t>.</a:t>
-            </a:r>
-          </a:p>
-          <a:p>
-            <a:pPr marL="342900" indent="-342900">
-              <a:buFont typeface="Arial" panose="020B0604020202020204" pitchFamily="34" charset="0"/>
-              <a:buChar char="•"/>
-            </a:pPr>
-            <a:endParaRPr lang="en-US" altLang="zh-CN" b="0" i="0" dirty="0">
-              <a:solidFill>
-                <a:schemeClr val="tx1"/>
-              </a:solidFill>
-              <a:effectLst/>
-              <a:latin typeface="Arial" panose="020B0604020202020204" pitchFamily="34" charset="0"/>
-            </a:endParaRPr>
-          </a:p>
-          <a:p>
-            <a:pPr marL="342900" indent="-342900">
-              <a:buFont typeface="Arial" panose="020B0604020202020204" pitchFamily="34" charset="0"/>
-              <a:buChar char="•"/>
-            </a:pPr>
-            <a:r>
-              <a:rPr lang="en-US" altLang="zh-CN" b="0" i="0" dirty="0">
-                <a:solidFill>
-                  <a:schemeClr val="tx1"/>
-                </a:solidFill>
-                <a:effectLst/>
-                <a:latin typeface="Arial" panose="020B0604020202020204" pitchFamily="34" charset="0"/>
-              </a:rPr>
-              <a:t>Small local models can benefit more from global aggregation by performing less global aggregation for part of larger local model parameters. </a:t>
-            </a:r>
-            <a:endParaRPr lang="en-US" dirty="0">
-              <a:solidFill>
-                <a:schemeClr val="tx1"/>
-              </a:solidFill>
-            </a:endParaRPr>
-          </a:p>
-        </p:txBody>
-      </p:sp>
-      <p:sp>
-        <p:nvSpPr>
-          <p:cNvPr id="62" name="TextBox 45">
-            <a:extLst>
-              <a:ext uri="{FF2B5EF4-FFF2-40B4-BE49-F238E27FC236}">
-                <a16:creationId xmlns:a16="http://schemas.microsoft.com/office/drawing/2014/main" id="{3DE79779-E6D5-411C-AA71-239E261DCA13}"/>
-              </a:ext>
-            </a:extLst>
-          </p:cNvPr>
-          <p:cNvSpPr txBox="1"/>
-          <p:nvPr/>
-        </p:nvSpPr>
-        <p:spPr>
-          <a:xfrm>
-            <a:off x="22641286" y="3922330"/>
-            <a:ext cx="9064534" cy="615553"/>
-          </a:xfrm>
-          <a:prstGeom prst="rect">
-            <a:avLst/>
-          </a:prstGeom>
-          <a:ln w="12700">
-            <a:miter lim="400000"/>
-          </a:ln>
-          <a:extLst>
-            <a:ext uri="{C572A759-6A51-4108-AA02-DFA0A04FC94B}">
-              <ma14:wrappingTextBoxFlag xmlns:ma14="http://schemas.microsoft.com/office/mac/drawingml/2011/main" xmlns:a14="http://schemas.microsoft.com/office/drawing/2010/main" xmlns:m="http://schemas.openxmlformats.org/officeDocument/2006/math" xmlns="" val="1"/>
-            </a:ext>
-          </a:extLst>
-        </p:spPr>
-        <p:txBody>
-          <a:bodyPr lIns="45719" rIns="45719">
-            <a:spAutoFit/>
-          </a:bodyPr>
-          <a:lstStyle>
-            <a:lvl1pPr>
-              <a:defRPr sz="3400">
-                <a:latin typeface="Arial"/>
-                <a:ea typeface="Arial"/>
-                <a:cs typeface="Arial"/>
-                <a:sym typeface="Arial"/>
-              </a:defRPr>
-            </a:lvl1pPr>
-          </a:lstStyle>
-          <a:p>
-            <a:pPr algn="ctr"/>
-            <a:r>
-              <a:rPr lang="en-US" b="1" dirty="0">
-                <a:solidFill>
-                  <a:schemeClr val="accent1"/>
-                </a:solidFill>
-              </a:rPr>
-              <a:t>Experiments</a:t>
-            </a:r>
-            <a:endParaRPr b="1" dirty="0">
-              <a:solidFill>
-                <a:schemeClr val="accent1"/>
-              </a:solidFill>
-            </a:endParaRPr>
-          </a:p>
-        </p:txBody>
-      </p:sp>
-      <p:sp>
-        <p:nvSpPr>
-          <p:cNvPr id="63" name="TextBox 45">
-            <a:extLst>
-              <a:ext uri="{FF2B5EF4-FFF2-40B4-BE49-F238E27FC236}">
-                <a16:creationId xmlns:a16="http://schemas.microsoft.com/office/drawing/2014/main" id="{2C38AF49-A5BA-4182-AAEE-297B72458E9A}"/>
-              </a:ext>
-            </a:extLst>
-          </p:cNvPr>
-          <p:cNvSpPr txBox="1"/>
-          <p:nvPr/>
-        </p:nvSpPr>
-        <p:spPr>
-          <a:xfrm>
-            <a:off x="1130068" y="12920633"/>
-            <a:ext cx="9064534" cy="615553"/>
-          </a:xfrm>
-          <a:prstGeom prst="rect">
-            <a:avLst/>
-          </a:prstGeom>
-          <a:ln w="12700">
-            <a:miter lim="400000"/>
-          </a:ln>
-          <a:extLst>
-            <a:ext uri="{C572A759-6A51-4108-AA02-DFA0A04FC94B}">
-              <ma14:wrappingTextBoxFlag xmlns:ma14="http://schemas.microsoft.com/office/mac/drawingml/2011/main" xmlns:a14="http://schemas.microsoft.com/office/drawing/2010/main" xmlns:m="http://schemas.openxmlformats.org/officeDocument/2006/math" xmlns="" val="1"/>
-            </a:ext>
-          </a:extLst>
-        </p:spPr>
-        <p:txBody>
-          <a:bodyPr lIns="45719" rIns="45719">
-            <a:spAutoFit/>
-          </a:bodyPr>
-          <a:lstStyle>
-            <a:lvl1pPr>
-              <a:defRPr sz="3400">
-                <a:latin typeface="Arial"/>
-                <a:ea typeface="Arial"/>
-                <a:cs typeface="Arial"/>
-                <a:sym typeface="Arial"/>
-              </a:defRPr>
-            </a:lvl1pPr>
-          </a:lstStyle>
-          <a:p>
-            <a:pPr algn="ctr"/>
-            <a:r>
-              <a:rPr lang="en-US" b="1" dirty="0">
-                <a:solidFill>
-                  <a:schemeClr val="accent1"/>
-                </a:solidFill>
-              </a:rPr>
-              <a:t>Motivation</a:t>
-            </a:r>
-            <a:endParaRPr b="1" dirty="0">
-              <a:solidFill>
-                <a:schemeClr val="accent1"/>
-              </a:solidFill>
-            </a:endParaRPr>
-          </a:p>
-        </p:txBody>
-      </p:sp>
-      <p:pic>
-        <p:nvPicPr>
-          <p:cNvPr id="1026" name="Picture 2">
-            <a:extLst>
-              <a:ext uri="{FF2B5EF4-FFF2-40B4-BE49-F238E27FC236}">
-                <a16:creationId xmlns:a16="http://schemas.microsoft.com/office/drawing/2014/main" id="{6ADCF2B0-72DC-4CC6-84F4-450377AE8D7B}"/>
-              </a:ext>
-            </a:extLst>
-          </p:cNvPr>
-          <p:cNvPicPr>
-            <a:picLocks noChangeAspect="1" noChangeArrowheads="1"/>
-          </p:cNvPicPr>
-          <p:nvPr/>
-        </p:nvPicPr>
-        <p:blipFill>
-          <a:blip r:embed="rId3">
-            <a:extLst>
-              <a:ext uri="{28A0092B-C50C-407E-A947-70E740481C1C}">
-                <a14:useLocalDpi xmlns:a14="http://schemas.microsoft.com/office/drawing/2010/main" val="0"/>
-              </a:ext>
-            </a:extLst>
-          </a:blip>
-          <a:srcRect/>
-          <a:stretch>
-            <a:fillRect/>
-          </a:stretch>
-        </p:blipFill>
-        <p:spPr bwMode="auto">
-          <a:xfrm>
-            <a:off x="3289166" y="19699216"/>
-            <a:ext cx="2246384" cy="2246384"/>
-          </a:xfrm>
-          <a:prstGeom prst="rect">
-            <a:avLst/>
-          </a:prstGeom>
-          <a:noFill/>
-          <a:extLst>
-            <a:ext uri="{909E8E84-426E-40DD-AFC4-6F175D3DCCD1}">
-              <a14:hiddenFill xmlns:a14="http://schemas.microsoft.com/office/drawing/2010/main">
-                <a:solidFill>
-                  <a:srgbClr val="FFFFFF"/>
-                </a:solidFill>
-              </a14:hiddenFill>
-            </a:ext>
-          </a:extLst>
-        </p:spPr>
-      </p:pic>
-      <p:sp>
-        <p:nvSpPr>
-          <p:cNvPr id="5" name="文本框 4">
-            <a:extLst>
-              <a:ext uri="{FF2B5EF4-FFF2-40B4-BE49-F238E27FC236}">
-                <a16:creationId xmlns:a16="http://schemas.microsoft.com/office/drawing/2014/main" id="{A9A29650-EF1A-438C-8A75-AD4214E24BE3}"/>
-              </a:ext>
-            </a:extLst>
-          </p:cNvPr>
-          <p:cNvSpPr txBox="1"/>
-          <p:nvPr/>
-        </p:nvSpPr>
-        <p:spPr>
-          <a:xfrm>
-            <a:off x="3775088" y="19256120"/>
-            <a:ext cx="1274539" cy="461663"/>
+            <a:off x="3409636" y="19772719"/>
+            <a:ext cx="1192902" cy="415496"/>
           </a:xfrm>
           <a:prstGeom prst="rect">
             <a:avLst/>
@@ -2485,72 +3295,25 @@
               <a:tabLst/>
             </a:pPr>
             <a:r>
-              <a:rPr lang="en-US" altLang="zh-CN" sz="2400" dirty="0">
-                <a:latin typeface="Arial"/>
-                <a:cs typeface="Arial"/>
+              <a:rPr lang="en-US" altLang="zh-CN" sz="2100" dirty="0">
+                <a:latin typeface="Arial" panose="020B0604020202020204" pitchFamily="34" charset="0"/>
+                <a:cs typeface="Arial" panose="020B0604020202020204" pitchFamily="34" charset="0"/>
               </a:rPr>
               <a:t>  Paper</a:t>
             </a:r>
-            <a:endParaRPr lang="zh-CN" altLang="en-US" sz="2400" dirty="0">
-              <a:latin typeface="Arial"/>
-              <a:cs typeface="Arial"/>
+            <a:endParaRPr lang="zh-CN" altLang="en-US" sz="2100" dirty="0">
+              <a:latin typeface="Arial" panose="020B0604020202020204" pitchFamily="34" charset="0"/>
+              <a:cs typeface="Arial" panose="020B0604020202020204" pitchFamily="34" charset="0"/>
             </a:endParaRPr>
           </a:p>
         </p:txBody>
       </p:sp>
-      <p:pic>
-        <p:nvPicPr>
-          <p:cNvPr id="1028" name="Picture 4">
+      <p:sp>
+        <p:nvSpPr>
+          <p:cNvPr id="11" name="文本框 6">
             <a:extLst>
               <a:ext uri="{FF2B5EF4-FFF2-40B4-BE49-F238E27FC236}">
-                <a16:creationId xmlns:a16="http://schemas.microsoft.com/office/drawing/2014/main" id="{FF8B7B98-5ADF-4A54-9301-7573E7004F19}"/>
-              </a:ext>
-            </a:extLst>
-          </p:cNvPr>
-          <p:cNvPicPr>
-            <a:picLocks noChangeAspect="1" noChangeArrowheads="1"/>
-          </p:cNvPicPr>
-          <p:nvPr/>
-        </p:nvPicPr>
-        <p:blipFill>
-          <a:blip r:embed="rId4">
-            <a:extLst>
-              <a:ext uri="{28A0092B-C50C-407E-A947-70E740481C1C}">
-                <a14:useLocalDpi xmlns:a14="http://schemas.microsoft.com/office/drawing/2010/main" val="0"/>
-              </a:ext>
-            </a:extLst>
-          </a:blip>
-          <a:srcRect/>
-          <a:stretch>
-            <a:fillRect/>
-          </a:stretch>
-        </p:blipFill>
-        <p:spPr bwMode="auto">
-          <a:xfrm>
-            <a:off x="6311528" y="19678865"/>
-            <a:ext cx="2246384" cy="2246384"/>
-          </a:xfrm>
-          <a:prstGeom prst="rect">
-            <a:avLst/>
-          </a:prstGeom>
-          <a:noFill/>
-          <a:extLst>
-            <a:ext uri="{909E8E84-426E-40DD-AFC4-6F175D3DCCD1}">
-              <a14:hiddenFill xmlns:a14="http://schemas.microsoft.com/office/drawing/2010/main">
-                <a:solidFill>
-                  <a:srgbClr val="FFFFFF"/>
-                </a:solidFill>
-              </a14:hiddenFill>
-            </a:ext>
-          </a:extLst>
-        </p:spPr>
-      </p:pic>
-      <p:sp>
-        <p:nvSpPr>
-          <p:cNvPr id="64" name="文本框 63">
-            <a:extLst>
-              <a:ext uri="{FF2B5EF4-FFF2-40B4-BE49-F238E27FC236}">
-                <a16:creationId xmlns:a16="http://schemas.microsoft.com/office/drawing/2014/main" id="{C32AD406-6E19-44F6-B7EC-463CA01C9EE2}"/>
+                <a16:creationId xmlns:a16="http://schemas.microsoft.com/office/drawing/2014/main" id="{8973BF4E-A26A-5786-F58F-906ED9FA3BF5}"/>
               </a:ext>
             </a:extLst>
           </p:cNvPr>
@@ -2559,8 +3322,8 @@
         </p:nvSpPr>
         <p:spPr>
           <a:xfrm>
-            <a:off x="6966750" y="19250912"/>
-            <a:ext cx="935940" cy="461663"/>
+            <a:off x="6289706" y="19772719"/>
+            <a:ext cx="869259" cy="415496"/>
           </a:xfrm>
           <a:prstGeom prst="rect">
             <a:avLst/>
@@ -2608,25 +3371,25 @@
               <a:tabLst/>
             </a:pPr>
             <a:r>
-              <a:rPr lang="en-US" altLang="zh-CN" sz="2400" dirty="0">
-                <a:latin typeface="Arial"/>
-                <a:cs typeface="Arial"/>
+              <a:rPr lang="en-US" altLang="zh-CN" sz="2100" dirty="0">
+                <a:latin typeface="Arial" panose="020B0604020202020204" pitchFamily="34" charset="0"/>
+                <a:cs typeface="Arial" panose="020B0604020202020204" pitchFamily="34" charset="0"/>
               </a:rPr>
               <a:t> Code</a:t>
             </a:r>
-            <a:endParaRPr lang="zh-CN" altLang="en-US" sz="2400" dirty="0">
-              <a:latin typeface="Arial"/>
-              <a:cs typeface="Arial"/>
+            <a:endParaRPr lang="zh-CN" altLang="en-US" sz="2100" dirty="0">
+              <a:latin typeface="Arial" panose="020B0604020202020204" pitchFamily="34" charset="0"/>
+              <a:cs typeface="Arial" panose="020B0604020202020204" pitchFamily="34" charset="0"/>
             </a:endParaRPr>
           </a:p>
         </p:txBody>
       </p:sp>
       <p:sp>
         <p:nvSpPr>
-          <p:cNvPr id="6" name="文本框 5">
+          <p:cNvPr id="14" name="文本框 13">
             <a:extLst>
               <a:ext uri="{FF2B5EF4-FFF2-40B4-BE49-F238E27FC236}">
-                <a16:creationId xmlns:a16="http://schemas.microsoft.com/office/drawing/2014/main" id="{4C5DA1EB-774A-41C4-BC2B-0B4BC04C8B76}"/>
+                <a16:creationId xmlns:a16="http://schemas.microsoft.com/office/drawing/2014/main" id="{EE687904-B5CF-9D2A-10C1-9C8AB28E77D6}"/>
               </a:ext>
             </a:extLst>
           </p:cNvPr>
@@ -2635,8 +3398,832 @@
         </p:nvSpPr>
         <p:spPr>
           <a:xfrm>
-            <a:off x="1130068" y="13697483"/>
-            <a:ext cx="9064534" cy="1061827"/>
+            <a:off x="122514" y="9970145"/>
+            <a:ext cx="11057647" cy="615551"/>
+          </a:xfrm>
+          <a:prstGeom prst="rect">
+            <a:avLst/>
+          </a:prstGeom>
+          <a:noFill/>
+          <a:ln w="76200" cap="flat">
+            <a:noFill/>
+            <a:miter lim="400000"/>
+          </a:ln>
+          <a:effectLst/>
+          <a:sp3d/>
+        </p:spPr>
+        <p:style>
+          <a:lnRef idx="0">
+            <a:scrgbClr r="0" g="0" b="0"/>
+          </a:lnRef>
+          <a:fillRef idx="0">
+            <a:scrgbClr r="0" g="0" b="0"/>
+          </a:fillRef>
+          <a:effectRef idx="0">
+            <a:scrgbClr r="0" g="0" b="0"/>
+          </a:effectRef>
+          <a:fontRef idx="none"/>
+        </p:style>
+        <p:txBody>
+          <a:bodyPr rot="0" spcFirstLastPara="1" vertOverflow="overflow" horzOverflow="overflow" vert="horz" wrap="square" lIns="45719" tIns="45719" rIns="45719" bIns="45719" numCol="1" spcCol="38100" rtlCol="0" anchor="t">
+            <a:spAutoFit/>
+          </a:bodyPr>
+          <a:lstStyle/>
+          <a:p>
+            <a:pPr marL="0" marR="0" lvl="0" indent="0" algn="ctr" defTabSz="326532" rtl="0" eaLnBrk="1" fontAlgn="auto" latinLnBrk="0" hangingPunct="0">
+              <a:lnSpc>
+                <a:spcPct val="100000"/>
+              </a:lnSpc>
+              <a:spcBef>
+                <a:spcPts val="0"/>
+              </a:spcBef>
+              <a:spcAft>
+                <a:spcPts val="0"/>
+              </a:spcAft>
+              <a:buClrTx/>
+              <a:buSzTx/>
+              <a:buFontTx/>
+              <a:buNone/>
+              <a:tabLst/>
+              <a:defRPr/>
+            </a:pPr>
+            <a:r>
+              <a:rPr kumimoji="0" lang="en-US" altLang="zh-CN" sz="3400" b="0" i="0" u="none" strike="noStrike" kern="0" cap="none" spc="0" normalizeH="0" baseline="0" noProof="0" dirty="0">
+                <a:ln>
+                  <a:noFill/>
+                </a:ln>
+                <a:solidFill>
+                  <a:schemeClr val="accent1"/>
+                </a:solidFill>
+                <a:effectLst/>
+                <a:uLnTx/>
+                <a:uFillTx/>
+                <a:latin typeface="Arial" panose="020B0604020202020204" pitchFamily="34" charset="0"/>
+                <a:cs typeface="Arial" panose="020B0604020202020204" pitchFamily="34" charset="0"/>
+                <a:sym typeface="Calibri"/>
+              </a:rPr>
+              <a:t>Motivation</a:t>
+            </a:r>
+          </a:p>
+        </p:txBody>
+      </p:sp>
+      <p:pic>
+        <p:nvPicPr>
+          <p:cNvPr id="16" name="图片 15">
+            <a:extLst>
+              <a:ext uri="{FF2B5EF4-FFF2-40B4-BE49-F238E27FC236}">
+                <a16:creationId xmlns:a16="http://schemas.microsoft.com/office/drawing/2014/main" id="{1C840EDC-6827-169B-6D4D-39110FF057CC}"/>
+              </a:ext>
+            </a:extLst>
+          </p:cNvPr>
+          <p:cNvPicPr>
+            <a:picLocks noChangeAspect="1"/>
+          </p:cNvPicPr>
+          <p:nvPr/>
+        </p:nvPicPr>
+        <p:blipFill>
+          <a:blip r:embed="rId9"/>
+          <a:stretch>
+            <a:fillRect/>
+          </a:stretch>
+        </p:blipFill>
+        <p:spPr>
+          <a:xfrm>
+            <a:off x="4134580" y="11517895"/>
+            <a:ext cx="3157837" cy="3082201"/>
+          </a:xfrm>
+          <a:prstGeom prst="rect">
+            <a:avLst/>
+          </a:prstGeom>
+        </p:spPr>
+      </p:pic>
+      <p:pic>
+        <p:nvPicPr>
+          <p:cNvPr id="18" name="图片 17">
+            <a:extLst>
+              <a:ext uri="{FF2B5EF4-FFF2-40B4-BE49-F238E27FC236}">
+                <a16:creationId xmlns:a16="http://schemas.microsoft.com/office/drawing/2014/main" id="{F95C7BC4-5308-0F9A-2241-D275E305C023}"/>
+              </a:ext>
+            </a:extLst>
+          </p:cNvPr>
+          <p:cNvPicPr>
+            <a:picLocks noChangeAspect="1"/>
+          </p:cNvPicPr>
+          <p:nvPr/>
+        </p:nvPicPr>
+        <p:blipFill>
+          <a:blip r:embed="rId10"/>
+          <a:stretch>
+            <a:fillRect/>
+          </a:stretch>
+        </p:blipFill>
+        <p:spPr>
+          <a:xfrm>
+            <a:off x="2044408" y="16332611"/>
+            <a:ext cx="7655808" cy="2947486"/>
+          </a:xfrm>
+          <a:prstGeom prst="rect">
+            <a:avLst/>
+          </a:prstGeom>
+        </p:spPr>
+      </p:pic>
+      <p:sp>
+        <p:nvSpPr>
+          <p:cNvPr id="19" name="TextBox 54">
+            <a:extLst>
+              <a:ext uri="{FF2B5EF4-FFF2-40B4-BE49-F238E27FC236}">
+                <a16:creationId xmlns:a16="http://schemas.microsoft.com/office/drawing/2014/main" id="{744AF7EE-EEAC-4ABA-2173-5C7A6FECF226}"/>
+              </a:ext>
+            </a:extLst>
+          </p:cNvPr>
+          <p:cNvSpPr txBox="1"/>
+          <p:nvPr/>
+        </p:nvSpPr>
+        <p:spPr>
+          <a:xfrm>
+            <a:off x="150639" y="19262374"/>
+            <a:ext cx="11240926" cy="492443"/>
+          </a:xfrm>
+          <a:prstGeom prst="rect">
+            <a:avLst/>
+          </a:prstGeom>
+          <a:ln w="12700">
+            <a:miter lim="400000"/>
+          </a:ln>
+          <a:extLst>
+            <a:ext uri="{C572A759-6A51-4108-AA02-DFA0A04FC94B}">
+              <ma14:wrappingTextBoxFlag xmlns:ma14="http://schemas.microsoft.com/office/mac/drawingml/2011/main" xmlns:a14="http://schemas.microsoft.com/office/drawing/2010/main" xmlns:m="http://schemas.openxmlformats.org/officeDocument/2006/math" xmlns="" val="1"/>
+            </a:ext>
+          </a:extLst>
+        </p:spPr>
+        <p:txBody>
+          <a:bodyPr wrap="square" lIns="45719" rIns="45719">
+            <a:spAutoFit/>
+          </a:bodyPr>
+          <a:lstStyle>
+            <a:lvl1pPr algn="ctr">
+              <a:defRPr sz="1300">
+                <a:solidFill>
+                  <a:srgbClr val="344854"/>
+                </a:solidFill>
+                <a:latin typeface="Arial"/>
+                <a:ea typeface="Arial"/>
+                <a:cs typeface="Arial"/>
+                <a:sym typeface="Arial"/>
+              </a:defRPr>
+            </a:lvl1pPr>
+          </a:lstStyle>
+          <a:p>
+            <a:r>
+              <a:rPr lang="en-US" b="1" dirty="0">
+                <a:solidFill>
+                  <a:schemeClr val="tx1"/>
+                </a:solidFill>
+              </a:rPr>
+              <a:t>Figure 2. </a:t>
+            </a:r>
+            <a:r>
+              <a:rPr lang="en-US" altLang="zh-CN" dirty="0">
+                <a:solidFill>
+                  <a:schemeClr val="tx1"/>
+                </a:solidFill>
+              </a:rPr>
+              <a:t>Results of CIFAR10 dataset with (a) IID and (b) Non-IID. The “Fully Supervised” and “Partially Supervised” refer to training a centralized model with full and 4000 labeled data, respectively. </a:t>
+            </a:r>
+            <a:endParaRPr lang="en-US" dirty="0">
+              <a:solidFill>
+                <a:schemeClr val="tx1"/>
+              </a:solidFill>
+            </a:endParaRPr>
+          </a:p>
+        </p:txBody>
+      </p:sp>
+      <p:sp>
+        <p:nvSpPr>
+          <p:cNvPr id="20" name="文本框 19">
+            <a:extLst>
+              <a:ext uri="{FF2B5EF4-FFF2-40B4-BE49-F238E27FC236}">
+                <a16:creationId xmlns:a16="http://schemas.microsoft.com/office/drawing/2014/main" id="{E1B5974A-4578-35A5-AE61-C7D15C76E822}"/>
+              </a:ext>
+            </a:extLst>
+          </p:cNvPr>
+          <p:cNvSpPr txBox="1"/>
+          <p:nvPr/>
+        </p:nvSpPr>
+        <p:spPr>
+          <a:xfrm>
+            <a:off x="333137" y="10608613"/>
+            <a:ext cx="10783749" cy="817243"/>
+          </a:xfrm>
+          <a:prstGeom prst="roundRect">
+            <a:avLst/>
+          </a:prstGeom>
+          <a:ln/>
+        </p:spPr>
+        <p:style>
+          <a:lnRef idx="1">
+            <a:schemeClr val="accent4"/>
+          </a:lnRef>
+          <a:fillRef idx="2">
+            <a:schemeClr val="accent4"/>
+          </a:fillRef>
+          <a:effectRef idx="1">
+            <a:schemeClr val="accent4"/>
+          </a:effectRef>
+          <a:fontRef idx="minor">
+            <a:schemeClr val="dk1"/>
+          </a:fontRef>
+        </p:style>
+        <p:txBody>
+          <a:bodyPr rot="0" spcFirstLastPara="1" vertOverflow="overflow" horzOverflow="overflow" vert="horz" wrap="square" lIns="45719" tIns="45719" rIns="45719" bIns="45719" numCol="1" spcCol="38100" rtlCol="0" anchor="t">
+            <a:spAutoFit/>
+          </a:bodyPr>
+          <a:lstStyle/>
+          <a:p>
+            <a:pPr marL="95250" algn="ctr"/>
+            <a:r>
+              <a:rPr kumimoji="0" lang="en-US" altLang="zh-CN" sz="2100" b="1" i="1" u="none" strike="noStrike" cap="none" spc="0" normalizeH="0" baseline="0" dirty="0">
+                <a:ln>
+                  <a:noFill/>
+                </a:ln>
+                <a:solidFill>
+                  <a:srgbClr val="000000"/>
+                </a:solidFill>
+                <a:effectLst/>
+                <a:uFillTx/>
+                <a:latin typeface="Arial" panose="020B0604020202020204" pitchFamily="34" charset="0"/>
+                <a:cs typeface="Arial" panose="020B0604020202020204" pitchFamily="34" charset="0"/>
+                <a:sym typeface="Calibri"/>
+              </a:rPr>
+              <a:t>Question: </a:t>
+            </a:r>
+            <a:r>
+              <a:rPr kumimoji="0" lang="en-US" altLang="zh-CN" sz="2100" b="0" i="1" u="none" strike="noStrike" cap="none" spc="0" normalizeH="0" baseline="0" dirty="0">
+                <a:ln>
+                  <a:noFill/>
+                </a:ln>
+                <a:solidFill>
+                  <a:srgbClr val="000000"/>
+                </a:solidFill>
+                <a:effectLst/>
+                <a:uFillTx/>
+                <a:latin typeface="Arial" panose="020B0604020202020204" pitchFamily="34" charset="0"/>
+                <a:cs typeface="Arial" panose="020B0604020202020204" pitchFamily="34" charset="0"/>
+                <a:sym typeface="Calibri"/>
+              </a:rPr>
+              <a:t>How a server that hosts a labeled dataset can leverage clients with unlabeled data for a supervised learning task in the Federated Learning setting?</a:t>
+            </a:r>
+            <a:endParaRPr kumimoji="0" lang="zh-CN" altLang="en-US" sz="2100" b="0" i="0" u="none" strike="noStrike" cap="none" spc="0" normalizeH="0" baseline="0" dirty="0">
+              <a:ln>
+                <a:noFill/>
+              </a:ln>
+              <a:solidFill>
+                <a:srgbClr val="000000"/>
+              </a:solidFill>
+              <a:effectLst/>
+              <a:uFillTx/>
+              <a:latin typeface="+mn-lt"/>
+              <a:ea typeface="+mn-ea"/>
+              <a:cs typeface="+mn-cs"/>
+              <a:sym typeface="Calibri"/>
+            </a:endParaRPr>
+          </a:p>
+        </p:txBody>
+      </p:sp>
+      <p:sp>
+        <p:nvSpPr>
+          <p:cNvPr id="21" name="文本框 20">
+            <a:extLst>
+              <a:ext uri="{FF2B5EF4-FFF2-40B4-BE49-F238E27FC236}">
+                <a16:creationId xmlns:a16="http://schemas.microsoft.com/office/drawing/2014/main" id="{73DF56FE-8D56-AF5A-3FE6-11FA2370F247}"/>
+              </a:ext>
+            </a:extLst>
+          </p:cNvPr>
+          <p:cNvSpPr txBox="1"/>
+          <p:nvPr/>
+        </p:nvSpPr>
+        <p:spPr>
+          <a:xfrm>
+            <a:off x="275394" y="15117184"/>
+            <a:ext cx="10783750" cy="1174787"/>
+          </a:xfrm>
+          <a:prstGeom prst="roundRect">
+            <a:avLst/>
+          </a:prstGeom>
+          <a:ln/>
+        </p:spPr>
+        <p:style>
+          <a:lnRef idx="1">
+            <a:schemeClr val="accent2"/>
+          </a:lnRef>
+          <a:fillRef idx="2">
+            <a:schemeClr val="accent2"/>
+          </a:fillRef>
+          <a:effectRef idx="1">
+            <a:schemeClr val="accent2"/>
+          </a:effectRef>
+          <a:fontRef idx="minor">
+            <a:schemeClr val="dk1"/>
+          </a:fontRef>
+        </p:style>
+        <p:txBody>
+          <a:bodyPr rot="0" spcFirstLastPara="1" vertOverflow="overflow" horzOverflow="overflow" vert="horz" wrap="square" lIns="45719" tIns="45719" rIns="45719" bIns="45719" numCol="1" spcCol="38100" rtlCol="0" anchor="t">
+            <a:spAutoFit/>
+          </a:bodyPr>
+          <a:lstStyle/>
+          <a:p>
+            <a:pPr marL="95250" marR="0" algn="ctr" defTabSz="326532" rtl="0" fontAlgn="auto" latinLnBrk="0" hangingPunct="0">
+              <a:lnSpc>
+                <a:spcPct val="100000"/>
+              </a:lnSpc>
+              <a:spcBef>
+                <a:spcPts val="0"/>
+              </a:spcBef>
+              <a:spcAft>
+                <a:spcPts val="0"/>
+              </a:spcAft>
+              <a:buClrTx/>
+              <a:buSzTx/>
+              <a:buFontTx/>
+              <a:buNone/>
+              <a:tabLst/>
+            </a:pPr>
+            <a:r>
+              <a:rPr lang="en-US" altLang="zh-CN" sz="2100" b="1" i="1" dirty="0">
+                <a:effectLst/>
+                <a:latin typeface="Arial" panose="020B0604020202020204" pitchFamily="34" charset="0"/>
+                <a:cs typeface="Arial" panose="020B0604020202020204" pitchFamily="34" charset="0"/>
+              </a:rPr>
+              <a:t>Problem: </a:t>
+            </a:r>
+            <a:r>
+              <a:rPr lang="en-US" altLang="zh-CN" sz="2100" b="0" i="1" dirty="0">
+                <a:effectLst/>
+                <a:latin typeface="Arial" panose="020B0604020202020204" pitchFamily="34" charset="0"/>
+                <a:cs typeface="Arial" panose="020B0604020202020204" pitchFamily="34" charset="0"/>
+              </a:rPr>
+              <a:t>Existing SSFL methods cannot outperform the case of training with only labeled data [2,3]. It is not straightforward how we can combine the SSL method in a communication-efficient FL scenario where we train multiple local epochs. </a:t>
+            </a:r>
+            <a:endParaRPr kumimoji="0" lang="zh-CN" altLang="en-US" sz="2100" b="0" i="1" u="none" strike="noStrike" cap="none" spc="0" normalizeH="0" baseline="0" dirty="0">
+              <a:ln>
+                <a:noFill/>
+              </a:ln>
+              <a:solidFill>
+                <a:srgbClr val="000000"/>
+              </a:solidFill>
+              <a:effectLst/>
+              <a:uFillTx/>
+              <a:latin typeface="Arial" panose="020B0604020202020204" pitchFamily="34" charset="0"/>
+              <a:cs typeface="Arial" panose="020B0604020202020204" pitchFamily="34" charset="0"/>
+              <a:sym typeface="Calibri"/>
+            </a:endParaRPr>
+          </a:p>
+        </p:txBody>
+      </p:sp>
+      <p:sp>
+        <p:nvSpPr>
+          <p:cNvPr id="22" name="TextBox 54">
+            <a:extLst>
+              <a:ext uri="{FF2B5EF4-FFF2-40B4-BE49-F238E27FC236}">
+                <a16:creationId xmlns:a16="http://schemas.microsoft.com/office/drawing/2014/main" id="{918DAFB5-5124-9C72-EE94-448EF8F3B12A}"/>
+              </a:ext>
+            </a:extLst>
+          </p:cNvPr>
+          <p:cNvSpPr txBox="1"/>
+          <p:nvPr/>
+        </p:nvSpPr>
+        <p:spPr>
+          <a:xfrm>
+            <a:off x="113419" y="14600096"/>
+            <a:ext cx="11172654" cy="492443"/>
+          </a:xfrm>
+          <a:prstGeom prst="rect">
+            <a:avLst/>
+          </a:prstGeom>
+          <a:ln w="12700">
+            <a:miter lim="400000"/>
+          </a:ln>
+          <a:extLst>
+            <a:ext uri="{C572A759-6A51-4108-AA02-DFA0A04FC94B}">
+              <ma14:wrappingTextBoxFlag xmlns:ma14="http://schemas.microsoft.com/office/mac/drawingml/2011/main" xmlns:a14="http://schemas.microsoft.com/office/drawing/2010/main" xmlns:m="http://schemas.openxmlformats.org/officeDocument/2006/math" xmlns="" val="1"/>
+            </a:ext>
+          </a:extLst>
+        </p:spPr>
+        <p:txBody>
+          <a:bodyPr wrap="square" lIns="45719" rIns="45719">
+            <a:spAutoFit/>
+          </a:bodyPr>
+          <a:lstStyle>
+            <a:lvl1pPr algn="ctr">
+              <a:defRPr sz="1300">
+                <a:solidFill>
+                  <a:srgbClr val="344854"/>
+                </a:solidFill>
+                <a:latin typeface="Arial"/>
+                <a:ea typeface="Arial"/>
+                <a:cs typeface="Arial"/>
+                <a:sym typeface="Arial"/>
+              </a:defRPr>
+            </a:lvl1pPr>
+          </a:lstStyle>
+          <a:p>
+            <a:r>
+              <a:rPr lang="en-US" b="1" dirty="0">
+                <a:solidFill>
+                  <a:schemeClr val="tx1"/>
+                </a:solidFill>
+              </a:rPr>
+              <a:t>Figure 1</a:t>
+            </a:r>
+            <a:r>
+              <a:rPr lang="en-US" dirty="0">
+                <a:solidFill>
+                  <a:schemeClr val="tx1"/>
+                </a:solidFill>
+              </a:rPr>
+              <a:t>. A resourceful server with labeled data can significantly improve its learning performance</a:t>
+            </a:r>
+          </a:p>
+          <a:p>
+            <a:r>
+              <a:rPr lang="en-US" dirty="0">
+                <a:solidFill>
+                  <a:schemeClr val="tx1"/>
+                </a:solidFill>
+              </a:rPr>
+              <a:t>by working with distributed clients with unlabeled data without data sharing.</a:t>
+            </a:r>
+          </a:p>
+        </p:txBody>
+      </p:sp>
+      <p:sp>
+        <p:nvSpPr>
+          <p:cNvPr id="23" name="文本框 22">
+            <a:extLst>
+              <a:ext uri="{FF2B5EF4-FFF2-40B4-BE49-F238E27FC236}">
+                <a16:creationId xmlns:a16="http://schemas.microsoft.com/office/drawing/2014/main" id="{E81F54CC-9387-7589-687A-6EAF16CA2341}"/>
+              </a:ext>
+            </a:extLst>
+          </p:cNvPr>
+          <p:cNvSpPr txBox="1"/>
+          <p:nvPr/>
+        </p:nvSpPr>
+        <p:spPr>
+          <a:xfrm>
+            <a:off x="11573199" y="3653024"/>
+            <a:ext cx="10448022" cy="615551"/>
+          </a:xfrm>
+          <a:prstGeom prst="rect">
+            <a:avLst/>
+          </a:prstGeom>
+          <a:noFill/>
+          <a:ln w="76200" cap="flat">
+            <a:noFill/>
+            <a:miter lim="400000"/>
+          </a:ln>
+          <a:effectLst/>
+          <a:sp3d/>
+        </p:spPr>
+        <p:style>
+          <a:lnRef idx="0">
+            <a:scrgbClr r="0" g="0" b="0"/>
+          </a:lnRef>
+          <a:fillRef idx="0">
+            <a:scrgbClr r="0" g="0" b="0"/>
+          </a:fillRef>
+          <a:effectRef idx="0">
+            <a:scrgbClr r="0" g="0" b="0"/>
+          </a:effectRef>
+          <a:fontRef idx="none"/>
+        </p:style>
+        <p:txBody>
+          <a:bodyPr rot="0" spcFirstLastPara="1" vertOverflow="overflow" horzOverflow="overflow" vert="horz" wrap="square" lIns="45719" tIns="45719" rIns="45719" bIns="45719" numCol="1" spcCol="38100" rtlCol="0" anchor="t">
+            <a:spAutoFit/>
+          </a:bodyPr>
+          <a:lstStyle/>
+          <a:p>
+            <a:pPr marL="0" marR="0" lvl="0" indent="0" algn="ctr" defTabSz="326532" rtl="0" eaLnBrk="1" fontAlgn="auto" latinLnBrk="0" hangingPunct="0">
+              <a:lnSpc>
+                <a:spcPct val="100000"/>
+              </a:lnSpc>
+              <a:spcBef>
+                <a:spcPts val="0"/>
+              </a:spcBef>
+              <a:spcAft>
+                <a:spcPts val="0"/>
+              </a:spcAft>
+              <a:buClrTx/>
+              <a:buSzTx/>
+              <a:buFontTx/>
+              <a:buNone/>
+              <a:tabLst/>
+              <a:defRPr/>
+            </a:pPr>
+            <a:r>
+              <a:rPr kumimoji="0" lang="en-US" altLang="zh-CN" sz="3400" b="0" i="0" u="none" strike="noStrike" kern="0" cap="none" spc="0" normalizeH="0" baseline="0" noProof="0" dirty="0">
+                <a:ln>
+                  <a:noFill/>
+                </a:ln>
+                <a:solidFill>
+                  <a:schemeClr val="accent1"/>
+                </a:solidFill>
+                <a:effectLst/>
+                <a:uLnTx/>
+                <a:uFillTx/>
+                <a:latin typeface="Arial" panose="020B0604020202020204" pitchFamily="34" charset="0"/>
+                <a:cs typeface="Arial" panose="020B0604020202020204" pitchFamily="34" charset="0"/>
+                <a:sym typeface="Calibri"/>
+              </a:rPr>
+              <a:t>Method</a:t>
+            </a:r>
+          </a:p>
+        </p:txBody>
+      </p:sp>
+      <p:sp>
+        <p:nvSpPr>
+          <p:cNvPr id="24" name="文本框 23">
+            <a:extLst>
+              <a:ext uri="{FF2B5EF4-FFF2-40B4-BE49-F238E27FC236}">
+                <a16:creationId xmlns:a16="http://schemas.microsoft.com/office/drawing/2014/main" id="{3C4185BF-2E2D-EA8F-12E8-77444F80ED04}"/>
+              </a:ext>
+            </a:extLst>
+          </p:cNvPr>
+          <p:cNvSpPr txBox="1"/>
+          <p:nvPr/>
+        </p:nvSpPr>
+        <p:spPr>
+          <a:xfrm>
+            <a:off x="180411" y="3661060"/>
+            <a:ext cx="11207246" cy="615551"/>
+          </a:xfrm>
+          <a:prstGeom prst="rect">
+            <a:avLst/>
+          </a:prstGeom>
+          <a:noFill/>
+          <a:ln w="76200" cap="flat">
+            <a:noFill/>
+            <a:miter lim="400000"/>
+          </a:ln>
+          <a:effectLst/>
+          <a:sp3d/>
+        </p:spPr>
+        <p:style>
+          <a:lnRef idx="0">
+            <a:scrgbClr r="0" g="0" b="0"/>
+          </a:lnRef>
+          <a:fillRef idx="0">
+            <a:scrgbClr r="0" g="0" b="0"/>
+          </a:fillRef>
+          <a:effectRef idx="0">
+            <a:scrgbClr r="0" g="0" b="0"/>
+          </a:effectRef>
+          <a:fontRef idx="none"/>
+        </p:style>
+        <p:txBody>
+          <a:bodyPr rot="0" spcFirstLastPara="1" vertOverflow="overflow" horzOverflow="overflow" vert="horz" wrap="square" lIns="45719" tIns="45719" rIns="45719" bIns="45719" numCol="1" spcCol="38100" rtlCol="0" anchor="t">
+            <a:spAutoFit/>
+          </a:bodyPr>
+          <a:lstStyle/>
+          <a:p>
+            <a:pPr marL="0" marR="0" lvl="0" indent="0" algn="ctr" defTabSz="326532" rtl="0" eaLnBrk="1" fontAlgn="auto" latinLnBrk="0" hangingPunct="0">
+              <a:lnSpc>
+                <a:spcPct val="100000"/>
+              </a:lnSpc>
+              <a:spcBef>
+                <a:spcPts val="0"/>
+              </a:spcBef>
+              <a:spcAft>
+                <a:spcPts val="0"/>
+              </a:spcAft>
+              <a:buClrTx/>
+              <a:buSzTx/>
+              <a:buFontTx/>
+              <a:buNone/>
+              <a:tabLst/>
+              <a:defRPr/>
+            </a:pPr>
+            <a:r>
+              <a:rPr kumimoji="0" lang="en-US" altLang="zh-CN" sz="3400" b="0" i="0" u="none" strike="noStrike" kern="0" cap="none" spc="0" normalizeH="0" baseline="0" noProof="0" dirty="0">
+                <a:ln>
+                  <a:noFill/>
+                </a:ln>
+                <a:solidFill>
+                  <a:schemeClr val="accent1"/>
+                </a:solidFill>
+                <a:effectLst/>
+                <a:uLnTx/>
+                <a:uFillTx/>
+                <a:latin typeface="Arial" panose="020B0604020202020204" pitchFamily="34" charset="0"/>
+                <a:cs typeface="Arial" panose="020B0604020202020204" pitchFamily="34" charset="0"/>
+                <a:sym typeface="Calibri"/>
+              </a:rPr>
+              <a:t>Overview</a:t>
+            </a:r>
+          </a:p>
+        </p:txBody>
+      </p:sp>
+      <p:pic>
+        <p:nvPicPr>
+          <p:cNvPr id="55" name="图片 54">
+            <a:extLst>
+              <a:ext uri="{FF2B5EF4-FFF2-40B4-BE49-F238E27FC236}">
+                <a16:creationId xmlns:a16="http://schemas.microsoft.com/office/drawing/2014/main" id="{7F2E7D38-E5A2-92E6-5171-33C3E1455083}"/>
+              </a:ext>
+            </a:extLst>
+          </p:cNvPr>
+          <p:cNvPicPr>
+            <a:picLocks noChangeAspect="1"/>
+          </p:cNvPicPr>
+          <p:nvPr/>
+        </p:nvPicPr>
+        <p:blipFill>
+          <a:blip r:embed="rId11"/>
+          <a:stretch>
+            <a:fillRect/>
+          </a:stretch>
+        </p:blipFill>
+        <p:spPr>
+          <a:xfrm>
+            <a:off x="12762811" y="4599482"/>
+            <a:ext cx="7392777" cy="3052246"/>
+          </a:xfrm>
+          <a:prstGeom prst="rect">
+            <a:avLst/>
+          </a:prstGeom>
+        </p:spPr>
+      </p:pic>
+      <p:sp>
+        <p:nvSpPr>
+          <p:cNvPr id="56" name="TextBox 54">
+            <a:extLst>
+              <a:ext uri="{FF2B5EF4-FFF2-40B4-BE49-F238E27FC236}">
+                <a16:creationId xmlns:a16="http://schemas.microsoft.com/office/drawing/2014/main" id="{A6553FAF-4370-4F1A-B7C9-D258355D9801}"/>
+              </a:ext>
+            </a:extLst>
+          </p:cNvPr>
+          <p:cNvSpPr txBox="1"/>
+          <p:nvPr/>
+        </p:nvSpPr>
+        <p:spPr>
+          <a:xfrm>
+            <a:off x="11854540" y="7844999"/>
+            <a:ext cx="9064533" cy="292388"/>
+          </a:xfrm>
+          <a:prstGeom prst="rect">
+            <a:avLst/>
+          </a:prstGeom>
+          <a:ln w="12700">
+            <a:miter lim="400000"/>
+          </a:ln>
+          <a:extLst>
+            <a:ext uri="{C572A759-6A51-4108-AA02-DFA0A04FC94B}">
+              <ma14:wrappingTextBoxFlag xmlns:ma14="http://schemas.microsoft.com/office/mac/drawingml/2011/main" xmlns:a14="http://schemas.microsoft.com/office/drawing/2010/main" xmlns:m="http://schemas.openxmlformats.org/officeDocument/2006/math" xmlns="" val="1"/>
+            </a:ext>
+          </a:extLst>
+        </p:spPr>
+        <p:txBody>
+          <a:bodyPr wrap="square" lIns="45719" rIns="45719">
+            <a:spAutoFit/>
+          </a:bodyPr>
+          <a:lstStyle>
+            <a:lvl1pPr algn="ctr">
+              <a:defRPr sz="1300">
+                <a:solidFill>
+                  <a:srgbClr val="344854"/>
+                </a:solidFill>
+                <a:latin typeface="Arial"/>
+                <a:ea typeface="Arial"/>
+                <a:cs typeface="Arial"/>
+                <a:sym typeface="Arial"/>
+              </a:defRPr>
+            </a:lvl1pPr>
+          </a:lstStyle>
+          <a:p>
+            <a:r>
+              <a:rPr lang="en-US" b="1" dirty="0">
+                <a:solidFill>
+                  <a:schemeClr val="tx1"/>
+                </a:solidFill>
+              </a:rPr>
+              <a:t>Figure 3</a:t>
+            </a:r>
+            <a:r>
+              <a:rPr lang="en-US" dirty="0">
+                <a:solidFill>
+                  <a:schemeClr val="tx1"/>
+                </a:solidFill>
+              </a:rPr>
+              <a:t>. Illustration of the strong data augmentation-based SSL. The above ideas are theoretically formalized.</a:t>
+            </a:r>
+          </a:p>
+        </p:txBody>
+      </p:sp>
+      <p:sp>
+        <p:nvSpPr>
+          <p:cNvPr id="57" name="TextBox 44">
+            <a:extLst>
+              <a:ext uri="{FF2B5EF4-FFF2-40B4-BE49-F238E27FC236}">
+                <a16:creationId xmlns:a16="http://schemas.microsoft.com/office/drawing/2014/main" id="{F3661A14-30C8-AAB7-B337-9AC9037A5708}"/>
+              </a:ext>
+            </a:extLst>
+          </p:cNvPr>
+          <p:cNvSpPr txBox="1"/>
+          <p:nvPr/>
+        </p:nvSpPr>
+        <p:spPr>
+          <a:xfrm>
+            <a:off x="11682954" y="8253223"/>
+            <a:ext cx="9064533" cy="415498"/>
+          </a:xfrm>
+          <a:prstGeom prst="rect">
+            <a:avLst/>
+          </a:prstGeom>
+          <a:ln w="12700">
+            <a:miter lim="400000"/>
+          </a:ln>
+          <a:extLst>
+            <a:ext uri="{C572A759-6A51-4108-AA02-DFA0A04FC94B}">
+              <ma14:wrappingTextBoxFlag xmlns:ma14="http://schemas.microsoft.com/office/mac/drawingml/2011/main" xmlns:a14="http://schemas.microsoft.com/office/drawing/2010/main" xmlns:m="http://schemas.openxmlformats.org/officeDocument/2006/math" xmlns="" val="1"/>
+            </a:ext>
+          </a:extLst>
+        </p:spPr>
+        <p:txBody>
+          <a:bodyPr lIns="45719" rIns="45719">
+            <a:spAutoFit/>
+          </a:bodyPr>
+          <a:lstStyle>
+            <a:lvl1pPr>
+              <a:defRPr sz="2100">
+                <a:latin typeface="Arial"/>
+                <a:ea typeface="Arial"/>
+                <a:cs typeface="Arial"/>
+                <a:sym typeface="Arial"/>
+              </a:defRPr>
+            </a:lvl1pPr>
+          </a:lstStyle>
+          <a:p>
+            <a:r>
+              <a:rPr lang="en-US" b="1" i="1" dirty="0">
+                <a:solidFill>
+                  <a:schemeClr val="accent1"/>
+                </a:solidFill>
+              </a:rPr>
+              <a:t>Alternate Training</a:t>
+            </a:r>
+            <a:endParaRPr lang="fr-FR" b="1" i="1" dirty="0">
+              <a:solidFill>
+                <a:schemeClr val="accent1"/>
+              </a:solidFill>
+            </a:endParaRPr>
+          </a:p>
+        </p:txBody>
+      </p:sp>
+      <p:pic>
+        <p:nvPicPr>
+          <p:cNvPr id="59" name="图片 58">
+            <a:extLst>
+              <a:ext uri="{FF2B5EF4-FFF2-40B4-BE49-F238E27FC236}">
+                <a16:creationId xmlns:a16="http://schemas.microsoft.com/office/drawing/2014/main" id="{27F9C9DC-0FA0-8DD4-734D-9327CB1F9F08}"/>
+              </a:ext>
+            </a:extLst>
+          </p:cNvPr>
+          <p:cNvPicPr>
+            <a:picLocks noChangeAspect="1"/>
+          </p:cNvPicPr>
+          <p:nvPr/>
+        </p:nvPicPr>
+        <p:blipFill>
+          <a:blip r:embed="rId12"/>
+          <a:stretch>
+            <a:fillRect/>
+          </a:stretch>
+        </p:blipFill>
+        <p:spPr>
+          <a:xfrm>
+            <a:off x="12067077" y="11287146"/>
+            <a:ext cx="9633540" cy="3760813"/>
+          </a:xfrm>
+          <a:prstGeom prst="rect">
+            <a:avLst/>
+          </a:prstGeom>
+        </p:spPr>
+      </p:pic>
+      <p:sp>
+        <p:nvSpPr>
+          <p:cNvPr id="60" name="文本框 59">
+            <a:extLst>
+              <a:ext uri="{FF2B5EF4-FFF2-40B4-BE49-F238E27FC236}">
+                <a16:creationId xmlns:a16="http://schemas.microsoft.com/office/drawing/2014/main" id="{D5DD76F5-1AE3-F5C3-1AA4-0601478988A8}"/>
+              </a:ext>
+            </a:extLst>
+          </p:cNvPr>
+          <p:cNvSpPr txBox="1"/>
+          <p:nvPr/>
+        </p:nvSpPr>
+        <p:spPr>
+          <a:xfrm>
+            <a:off x="11702328" y="8741883"/>
+            <a:ext cx="10244034" cy="2354489"/>
           </a:xfrm>
           <a:prstGeom prst="rect">
             <a:avLst/>
@@ -2667,19 +4254,7 @@
           </a:bodyPr>
           <a:lstStyle/>
           <a:p>
-            <a:r>
-              <a:rPr lang="en-US" altLang="zh-CN" sz="2100" b="1" i="1" dirty="0">
-                <a:solidFill>
-                  <a:srgbClr val="0070C0"/>
-                </a:solidFill>
-                <a:latin typeface="Arial"/>
-                <a:cs typeface="Arial"/>
-              </a:rPr>
-              <a:t>Local models must share the same architecture as the global model in federated learning?</a:t>
-            </a:r>
-          </a:p>
-          <a:p>
-            <a:pPr marL="0" marR="0" indent="0" algn="l" defTabSz="326532" rtl="0" fontAlgn="auto" latinLnBrk="0" hangingPunct="0">
+            <a:pPr marL="342900" marR="0" indent="-342900" algn="l" defTabSz="326532" rtl="0" fontAlgn="auto" latinLnBrk="0" hangingPunct="0">
               <a:lnSpc>
                 <a:spcPct val="100000"/>
               </a:lnSpc>
@@ -2691,56 +4266,98 @@
               </a:spcAft>
               <a:buClrTx/>
               <a:buSzTx/>
-              <a:buFontTx/>
-              <a:buNone/>
+              <a:buFont typeface="Arial" panose="020B0604020202020204" pitchFamily="34" charset="0"/>
+              <a:buChar char="•"/>
               <a:tabLst/>
             </a:pPr>
-            <a:endParaRPr lang="zh-CN" altLang="en-US" sz="2100" b="1" dirty="0">
+            <a:r>
+              <a:rPr lang="en-US" altLang="zh-CN" sz="2100" b="1" i="0" dirty="0">
+                <a:effectLst/>
+                <a:latin typeface="Arial" panose="020B0604020202020204" pitchFamily="34" charset="0"/>
+                <a:cs typeface="Arial" panose="020B0604020202020204" pitchFamily="34" charset="0"/>
+              </a:rPr>
+              <a:t>Fine-tune global model with labeled data   </a:t>
+            </a:r>
+            <a:r>
+              <a:rPr lang="en-US" altLang="zh-CN" sz="2100" b="0" i="0" dirty="0">
+                <a:effectLst/>
+                <a:latin typeface="Arial" panose="020B0604020202020204" pitchFamily="34" charset="0"/>
+                <a:cs typeface="Arial" panose="020B0604020202020204" pitchFamily="34" charset="0"/>
+              </a:rPr>
+              <a:t>At each round, the server will retrain the global model with the labeled data. In this way, the server can provide a comparable or better model than the previous round for the active clients in the next round to generate pseudo-labels. </a:t>
+            </a:r>
+          </a:p>
+          <a:p>
+            <a:pPr marL="342900" marR="0" indent="-342900" algn="l" defTabSz="326532" rtl="0" fontAlgn="auto" latinLnBrk="0" hangingPunct="0">
+              <a:lnSpc>
+                <a:spcPct val="100000"/>
+              </a:lnSpc>
+              <a:spcBef>
+                <a:spcPts val="0"/>
+              </a:spcBef>
+              <a:spcAft>
+                <a:spcPts val="0"/>
+              </a:spcAft>
+              <a:buClrTx/>
+              <a:buSzTx/>
+              <a:buFont typeface="Arial" panose="020B0604020202020204" pitchFamily="34" charset="0"/>
+              <a:buChar char="•"/>
+              <a:tabLst/>
+            </a:pPr>
+            <a:r>
+              <a:rPr kumimoji="0" lang="en-US" altLang="zh-CN" sz="2100" b="1" i="0" u="none" strike="noStrike" cap="none" spc="0" normalizeH="0" baseline="0" dirty="0">
+                <a:ln>
+                  <a:noFill/>
+                </a:ln>
+                <a:solidFill>
+                  <a:srgbClr val="000000"/>
+                </a:solidFill>
+                <a:effectLst/>
+                <a:uFillTx/>
+                <a:latin typeface="Arial" panose="020B0604020202020204" pitchFamily="34" charset="0"/>
+                <a:cs typeface="Arial" panose="020B0604020202020204" pitchFamily="34" charset="0"/>
+                <a:sym typeface="Calibri"/>
+              </a:rPr>
+              <a:t>Generate pseudo-labels with global model   </a:t>
+            </a:r>
+            <a:r>
+              <a:rPr kumimoji="0" lang="en-US" altLang="zh-CN" sz="2100" b="0" i="0" u="none" strike="noStrike" cap="none" spc="0" normalizeH="0" baseline="0" dirty="0">
+                <a:ln>
+                  <a:noFill/>
+                </a:ln>
+                <a:solidFill>
+                  <a:srgbClr val="000000"/>
+                </a:solidFill>
+                <a:effectLst/>
+                <a:uFillTx/>
+                <a:latin typeface="Arial" panose="020B0604020202020204" pitchFamily="34" charset="0"/>
+                <a:cs typeface="Arial" panose="020B0604020202020204" pitchFamily="34" charset="0"/>
+                <a:sym typeface="Calibri"/>
+              </a:rPr>
+              <a:t>We will label the unlabeled data once the active clients immediately receive the global model from the server. This way, pseudo-labels’ quality will not degrade during the local training. </a:t>
+            </a:r>
+            <a:endParaRPr kumimoji="0" lang="zh-CN" altLang="en-US" sz="2100" b="0" i="0" u="none" strike="noStrike" cap="none" spc="0" normalizeH="0" baseline="0" dirty="0">
+              <a:ln>
+                <a:noFill/>
+              </a:ln>
               <a:solidFill>
-                <a:srgbClr val="0070C0"/>
+                <a:srgbClr val="000000"/>
               </a:solidFill>
-              <a:latin typeface="Arial"/>
-              <a:cs typeface="Arial"/>
+              <a:effectLst/>
+              <a:uFillTx/>
+              <a:latin typeface="Arial" panose="020B0604020202020204" pitchFamily="34" charset="0"/>
+              <a:cs typeface="Arial" panose="020B0604020202020204" pitchFamily="34" charset="0"/>
+              <a:sym typeface="Calibri"/>
             </a:endParaRPr>
           </a:p>
         </p:txBody>
       </p:sp>
-      <p:pic>
-        <p:nvPicPr>
-          <p:cNvPr id="11" name="图片 10">
+      <p:sp>
+        <p:nvSpPr>
+          <p:cNvPr id="61" name="TextBox 54">
             <a:extLst>
               <a:ext uri="{FF2B5EF4-FFF2-40B4-BE49-F238E27FC236}">
-                <a16:creationId xmlns:a16="http://schemas.microsoft.com/office/drawing/2014/main" id="{43E23FD1-F2EA-4595-82A7-0F549B43BDFF}"/>
-              </a:ext>
-            </a:extLst>
-          </p:cNvPr>
-          <p:cNvPicPr>
-            <a:picLocks noChangeAspect="1"/>
-          </p:cNvPicPr>
-          <p:nvPr/>
-        </p:nvPicPr>
-        <p:blipFill>
-          <a:blip r:embed="rId5"/>
-          <a:stretch>
-            <a:fillRect/>
-          </a:stretch>
-        </p:blipFill>
-        <p:spPr>
-          <a:xfrm>
-            <a:off x="3190312" y="14386238"/>
-            <a:ext cx="4857556" cy="3400289"/>
-          </a:xfrm>
-          <a:prstGeom prst="rect">
-            <a:avLst/>
-          </a:prstGeom>
-        </p:spPr>
-      </p:pic>
-      <p:sp>
-        <p:nvSpPr>
-          <p:cNvPr id="68" name="TextBox 54">
-            <a:extLst>
-              <a:ext uri="{FF2B5EF4-FFF2-40B4-BE49-F238E27FC236}">
-                <a16:creationId xmlns:a16="http://schemas.microsoft.com/office/drawing/2014/main" id="{82943404-426B-4675-AAED-502FF3BBC060}"/>
+                <a16:creationId xmlns:a16="http://schemas.microsoft.com/office/drawing/2014/main" id="{7F4E1E93-F2C3-710B-7E55-66CD51F629E0}"/>
               </a:ext>
             </a:extLst>
           </p:cNvPr>
@@ -2749,8 +4366,8 @@
         </p:nvSpPr>
         <p:spPr>
           <a:xfrm>
-            <a:off x="1130068" y="18067696"/>
-            <a:ext cx="9029701" cy="738664"/>
+            <a:off x="12208903" y="15092539"/>
+            <a:ext cx="9491714" cy="892552"/>
           </a:xfrm>
           <a:prstGeom prst="rect">
             <a:avLst/>
@@ -2765,7 +4382,7 @@
           </a:extLst>
         </p:spPr>
         <p:txBody>
-          <a:bodyPr lIns="45719" rIns="45719">
+          <a:bodyPr wrap="square" lIns="45719" rIns="45719">
             <a:spAutoFit/>
           </a:bodyPr>
           <a:lstStyle>
@@ -2783,38 +4400,30 @@
           </a:lstStyle>
           <a:p>
             <a:r>
-              <a:rPr lang="en-US" sz="2100" dirty="0">
+              <a:rPr lang="en-US" b="1" dirty="0">
                 <a:solidFill>
                   <a:schemeClr val="tx1"/>
                 </a:solidFill>
               </a:rPr>
-              <a:t>Figure 1. The computation and communication capabilities of each </a:t>
-            </a:r>
-            <a:r>
-              <a:rPr lang="en-US" altLang="zh-CN" sz="2100" dirty="0">
+              <a:t>Figure 4</a:t>
+            </a:r>
+            <a:r>
+              <a:rPr lang="en-US" dirty="0">
                 <a:solidFill>
                   <a:schemeClr val="tx1"/>
                 </a:solidFill>
               </a:rPr>
-              <a:t>local </a:t>
-            </a:r>
-            <a:r>
-              <a:rPr lang="en-US" sz="2100" dirty="0">
-                <a:solidFill>
-                  <a:schemeClr val="tx1"/>
-                </a:solidFill>
-              </a:rPr>
-              <a:t>client may vary significantly and even dynamically.</a:t>
+              <a:t>. An illustration of (a) vanilla combination of communication efficient FL and SSL, and (b) Alternate Training (Ours). (a) The vanilla combination trains and aggregates server and client models in parallel and generates pseudo-labels with the training models for every batch of unlabeled data. (b) Alternate Training fine-tunes the aggregated global model with labeled data and generates pseudo-labels only once upon receiving the global model from the server.</a:t>
             </a:r>
           </a:p>
         </p:txBody>
       </p:sp>
       <p:sp>
         <p:nvSpPr>
-          <p:cNvPr id="69" name="TextBox 39">
+          <p:cNvPr id="62" name="TextBox 44">
             <a:extLst>
               <a:ext uri="{FF2B5EF4-FFF2-40B4-BE49-F238E27FC236}">
-                <a16:creationId xmlns:a16="http://schemas.microsoft.com/office/drawing/2014/main" id="{50AC2547-8495-49CE-90B5-5E8689B1AE5F}"/>
+                <a16:creationId xmlns:a16="http://schemas.microsoft.com/office/drawing/2014/main" id="{C0DECC59-330B-1CFC-2349-DF2C6034746A}"/>
               </a:ext>
             </a:extLst>
           </p:cNvPr>
@@ -2823,8 +4432,8 @@
         </p:nvSpPr>
         <p:spPr>
           <a:xfrm>
-            <a:off x="11709970" y="16122208"/>
-            <a:ext cx="9064534" cy="5485861"/>
+            <a:off x="11682954" y="16132724"/>
+            <a:ext cx="9064533" cy="415498"/>
           </a:xfrm>
           <a:prstGeom prst="rect">
             <a:avLst/>
@@ -2844,13 +4453,7 @@
           </a:bodyPr>
           <a:lstStyle>
             <a:lvl1pPr>
-              <a:lnSpc>
-                <a:spcPct val="120000"/>
-              </a:lnSpc>
               <a:defRPr sz="2100">
-                <a:solidFill>
-                  <a:srgbClr val="344854"/>
-                </a:solidFill>
                 <a:latin typeface="Arial"/>
                 <a:ea typeface="Arial"/>
                 <a:cs typeface="Arial"/>
@@ -2859,226 +4462,44 @@
             </a:lvl1pPr>
           </a:lstStyle>
           <a:p>
-            <a:pPr marL="342900" indent="-342900">
-              <a:buFont typeface="Arial" panose="020B0604020202020204" pitchFamily="34" charset="0"/>
-              <a:buChar char="•"/>
-            </a:pPr>
-            <a:r>
-              <a:rPr lang="en-US" altLang="zh-CN" b="1" i="1" dirty="0">
+            <a:r>
+              <a:rPr lang="en-US" b="1" i="1" dirty="0">
                 <a:solidFill>
                   <a:schemeClr val="accent1"/>
                 </a:solidFill>
-                <a:latin typeface="Arial" panose="020B0604020202020204" pitchFamily="34" charset="0"/>
-              </a:rPr>
-              <a:t>S</a:t>
-            </a:r>
-            <a:r>
-              <a:rPr lang="en-US" altLang="zh-CN" b="1" i="1" dirty="0">
+              </a:rPr>
+              <a:t>The </a:t>
+            </a:r>
+            <a:r>
+              <a:rPr lang="en-US" b="1" i="1" dirty="0" err="1">
                 <a:solidFill>
                   <a:schemeClr val="accent1"/>
                 </a:solidFill>
-                <a:effectLst/>
-                <a:latin typeface="Arial" panose="020B0604020202020204" pitchFamily="34" charset="0"/>
-              </a:rPr>
-              <a:t>tatic Batch Normalization (</a:t>
-            </a:r>
-            <a:r>
-              <a:rPr lang="en-US" altLang="zh-CN" b="1" i="1" dirty="0" err="1">
+              </a:rPr>
+              <a:t>SemiFL</a:t>
+            </a:r>
+            <a:r>
+              <a:rPr lang="en-US" b="1" i="1" dirty="0">
                 <a:solidFill>
                   <a:schemeClr val="accent1"/>
                 </a:solidFill>
-                <a:effectLst/>
-                <a:latin typeface="Arial" panose="020B0604020202020204" pitchFamily="34" charset="0"/>
-              </a:rPr>
-              <a:t>sBN</a:t>
-            </a:r>
-            <a:r>
-              <a:rPr lang="en-US" altLang="zh-CN" b="1" i="1" dirty="0">
-                <a:solidFill>
-                  <a:schemeClr val="accent1"/>
-                </a:solidFill>
-                <a:effectLst/>
-                <a:latin typeface="Arial" panose="020B0604020202020204" pitchFamily="34" charset="0"/>
-              </a:rPr>
-              <a:t>)</a:t>
-            </a:r>
-            <a:r>
-              <a:rPr lang="en-US" altLang="zh-CN" b="1" i="0" dirty="0">
-                <a:solidFill>
-                  <a:schemeClr val="accent1"/>
-                </a:solidFill>
-                <a:effectLst/>
-                <a:latin typeface="Arial" panose="020B0604020202020204" pitchFamily="34" charset="0"/>
-              </a:rPr>
-              <a:t> </a:t>
-            </a:r>
-            <a:r>
-              <a:rPr lang="en-US" altLang="zh-CN" i="0" dirty="0">
-                <a:solidFill>
-                  <a:schemeClr val="tx1"/>
-                </a:solidFill>
-                <a:effectLst/>
-                <a:latin typeface="Arial" panose="020B0604020202020204" pitchFamily="34" charset="0"/>
-              </a:rPr>
-              <a:t>does not track running estimates and simply normalize batch data. After the training process finishes, the server sequentially query local clients and cumulatively update global BN statistics.</a:t>
-            </a:r>
-          </a:p>
-          <a:p>
-            <a:pPr marL="342900" indent="-342900">
-              <a:buFont typeface="Arial" panose="020B0604020202020204" pitchFamily="34" charset="0"/>
-              <a:buChar char="•"/>
-            </a:pPr>
-            <a:endParaRPr lang="en-US" altLang="zh-CN" dirty="0">
-              <a:solidFill>
-                <a:schemeClr val="tx1"/>
-              </a:solidFill>
-              <a:latin typeface="Arial" panose="020B0604020202020204" pitchFamily="34" charset="0"/>
-            </a:endParaRPr>
-          </a:p>
-          <a:p>
-            <a:pPr marL="342900" indent="-342900">
-              <a:buFont typeface="Arial" panose="020B0604020202020204" pitchFamily="34" charset="0"/>
-              <a:buChar char="•"/>
-            </a:pPr>
-            <a:r>
-              <a:rPr lang="en-US" altLang="zh-CN" b="1" i="1" dirty="0">
-                <a:solidFill>
-                  <a:schemeClr val="accent1"/>
-                </a:solidFill>
-                <a:latin typeface="Arial" panose="020B0604020202020204" pitchFamily="34" charset="0"/>
-              </a:rPr>
-              <a:t>Scaler</a:t>
-            </a:r>
-            <a:r>
-              <a:rPr lang="en-US" altLang="zh-CN" dirty="0">
-                <a:solidFill>
-                  <a:schemeClr val="tx1"/>
-                </a:solidFill>
-                <a:latin typeface="Arial" panose="020B0604020202020204" pitchFamily="34" charset="0"/>
-              </a:rPr>
-              <a:t> scales representations during the training phase and the global model can be directly used for inference without scaling.</a:t>
-            </a:r>
-          </a:p>
-          <a:p>
-            <a:pPr marL="342900" indent="-342900">
-              <a:buFont typeface="Arial" panose="020B0604020202020204" pitchFamily="34" charset="0"/>
-              <a:buChar char="•"/>
-            </a:pPr>
-            <a:endParaRPr lang="en-US" altLang="zh-CN" dirty="0">
-              <a:solidFill>
-                <a:schemeClr val="tx1"/>
-              </a:solidFill>
-              <a:latin typeface="Arial" panose="020B0604020202020204" pitchFamily="34" charset="0"/>
-            </a:endParaRPr>
-          </a:p>
-          <a:p>
-            <a:pPr marL="342900" indent="-342900">
-              <a:buFont typeface="Arial" panose="020B0604020202020204" pitchFamily="34" charset="0"/>
-              <a:buChar char="•"/>
-            </a:pPr>
-            <a:endParaRPr lang="en-US" altLang="zh-CN" dirty="0">
-              <a:solidFill>
-                <a:schemeClr val="tx1"/>
-              </a:solidFill>
-              <a:latin typeface="Arial" panose="020B0604020202020204" pitchFamily="34" charset="0"/>
-            </a:endParaRPr>
-          </a:p>
-          <a:p>
-            <a:pPr marL="342900" indent="-342900">
-              <a:buFont typeface="Arial" panose="020B0604020202020204" pitchFamily="34" charset="0"/>
-              <a:buChar char="•"/>
-            </a:pPr>
-            <a:endParaRPr lang="en-US" altLang="zh-CN" b="1" i="1" dirty="0">
+              </a:rPr>
+              <a:t> Algorithm</a:t>
+            </a:r>
+            <a:endParaRPr lang="fr-FR" b="1" i="1" dirty="0">
               <a:solidFill>
                 <a:schemeClr val="accent1"/>
               </a:solidFill>
-              <a:effectLst/>
-              <a:latin typeface="Arial" panose="020B0604020202020204" pitchFamily="34" charset="0"/>
             </a:endParaRPr>
-          </a:p>
-          <a:p>
-            <a:pPr marL="342900" indent="-342900">
-              <a:buFont typeface="Arial" panose="020B0604020202020204" pitchFamily="34" charset="0"/>
-              <a:buChar char="•"/>
-            </a:pPr>
-            <a:r>
-              <a:rPr lang="en-US" altLang="zh-CN" b="1" i="1" dirty="0">
-                <a:solidFill>
-                  <a:schemeClr val="accent1"/>
-                </a:solidFill>
-                <a:effectLst/>
-                <a:latin typeface="Arial" panose="020B0604020202020204" pitchFamily="34" charset="0"/>
-              </a:rPr>
-              <a:t>Masked Cross-Entropy Loss</a:t>
-            </a:r>
-            <a:r>
-              <a:rPr lang="en-US" altLang="zh-CN" i="1" dirty="0">
-                <a:solidFill>
-                  <a:schemeClr val="accent1"/>
-                </a:solidFill>
-                <a:effectLst/>
-                <a:latin typeface="Arial" panose="020B0604020202020204" pitchFamily="34" charset="0"/>
-              </a:rPr>
-              <a:t> </a:t>
-            </a:r>
-            <a:r>
-              <a:rPr lang="en-US" altLang="zh-CN" i="0" dirty="0">
-                <a:solidFill>
-                  <a:schemeClr val="tx1"/>
-                </a:solidFill>
-                <a:effectLst/>
-                <a:latin typeface="Arial" panose="020B0604020202020204" pitchFamily="34" charset="0"/>
-              </a:rPr>
-              <a:t>replaces the last layer outputs that are not associated with local labels with </a:t>
-            </a:r>
-            <a:r>
-              <a:rPr lang="en-US" altLang="zh-CN" dirty="0">
-                <a:solidFill>
-                  <a:schemeClr val="tx1"/>
-                </a:solidFill>
-                <a:latin typeface="Arial" panose="020B0604020202020204" pitchFamily="34" charset="0"/>
-              </a:rPr>
-              <a:t>zero significantly improve local performance and moderately global performance of balanced non-IID data partition task. </a:t>
-            </a:r>
           </a:p>
         </p:txBody>
       </p:sp>
-      <p:pic>
-        <p:nvPicPr>
-          <p:cNvPr id="13" name="图片 12">
+      <p:sp>
+        <p:nvSpPr>
+          <p:cNvPr id="64" name="文本框 63">
             <a:extLst>
               <a:ext uri="{FF2B5EF4-FFF2-40B4-BE49-F238E27FC236}">
-                <a16:creationId xmlns:a16="http://schemas.microsoft.com/office/drawing/2014/main" id="{4F23DAB9-3F6D-4578-9FD9-4DA3F8FD02D9}"/>
-              </a:ext>
-            </a:extLst>
-          </p:cNvPr>
-          <p:cNvPicPr>
-            <a:picLocks noChangeAspect="1"/>
-          </p:cNvPicPr>
-          <p:nvPr/>
-        </p:nvPicPr>
-        <p:blipFill>
-          <a:blip r:embed="rId6"/>
-          <a:stretch>
-            <a:fillRect/>
-          </a:stretch>
-        </p:blipFill>
-        <p:spPr>
-          <a:xfrm>
-            <a:off x="13567135" y="19026566"/>
-            <a:ext cx="5193186" cy="594964"/>
-          </a:xfrm>
-          <a:prstGeom prst="rect">
-            <a:avLst/>
-          </a:prstGeom>
-        </p:spPr>
-      </p:pic>
-      <p:sp>
-        <p:nvSpPr>
-          <p:cNvPr id="70" name="TextBox 60">
-            <a:extLst>
-              <a:ext uri="{FF2B5EF4-FFF2-40B4-BE49-F238E27FC236}">
-                <a16:creationId xmlns:a16="http://schemas.microsoft.com/office/drawing/2014/main" id="{35CFCFCC-3863-4543-B306-B2352AA4DC40}"/>
+                <a16:creationId xmlns:a16="http://schemas.microsoft.com/office/drawing/2014/main" id="{43F59D1C-D300-6AB9-293E-A9EFB3183807}"/>
               </a:ext>
             </a:extLst>
           </p:cNvPr>
@@ -3087,27 +4508,39 @@
         </p:nvSpPr>
         <p:spPr>
           <a:xfrm>
-            <a:off x="22641285" y="20215589"/>
-            <a:ext cx="9643588" cy="461665"/>
+            <a:off x="22232623" y="3633308"/>
+            <a:ext cx="10410383" cy="615551"/>
           </a:xfrm>
           <a:prstGeom prst="rect">
             <a:avLst/>
           </a:prstGeom>
-          <a:ln w="12700">
+          <a:noFill/>
+          <a:ln w="76200" cap="flat">
+            <a:noFill/>
             <a:miter lim="400000"/>
           </a:ln>
-          <a:extLst>
-            <a:ext uri="{C572A759-6A51-4108-AA02-DFA0A04FC94B}">
-              <ma14:wrappingTextBoxFlag xmlns:lc="http://schemas.openxmlformats.org/drawingml/2006/lockedCanvas" xmlns="" xmlns:m="http://schemas.openxmlformats.org/officeDocument/2006/math" xmlns:a14="http://schemas.microsoft.com/office/drawing/2010/main" xmlns:ma14="http://schemas.microsoft.com/office/mac/drawingml/2011/main" val="1"/>
-            </a:ext>
-          </a:extLst>
+          <a:effectLst/>
+          <a:sp3d/>
         </p:spPr>
+        <p:style>
+          <a:lnRef idx="0">
+            <a:scrgbClr r="0" g="0" b="0"/>
+          </a:lnRef>
+          <a:fillRef idx="0">
+            <a:scrgbClr r="0" g="0" b="0"/>
+          </a:fillRef>
+          <a:effectRef idx="0">
+            <a:scrgbClr r="0" g="0" b="0"/>
+          </a:effectRef>
+          <a:fontRef idx="none"/>
+        </p:style>
         <p:txBody>
-          <a:bodyPr wrap="square" lIns="45719" rIns="45719">
+          <a:bodyPr rot="0" spcFirstLastPara="1" vertOverflow="overflow" horzOverflow="overflow" vert="horz" wrap="square" lIns="45719" tIns="45719" rIns="45719" bIns="45719" numCol="1" spcCol="38100" rtlCol="0" anchor="t">
             <a:spAutoFit/>
           </a:bodyPr>
-          <a:lstStyle>
-            <a:defPPr marL="0" marR="0" indent="0" algn="l" defTabSz="914400" rtl="0" fontAlgn="auto" latinLnBrk="1" hangingPunct="0">
+          <a:lstStyle/>
+          <a:p>
+            <a:pPr marL="0" marR="0" lvl="0" indent="0" algn="ctr" defTabSz="326532" rtl="0" eaLnBrk="1" fontAlgn="auto" latinLnBrk="0" hangingPunct="0">
               <a:lnSpc>
                 <a:spcPct val="100000"/>
               </a:lnSpc>
@@ -3122,18 +4555,1481 @@
               <a:buFontTx/>
               <a:buNone/>
               <a:tabLst/>
-              <a:defRPr kumimoji="0" sz="1800" b="0" i="0" u="none" strike="noStrike" cap="none" spc="0" normalizeH="0" baseline="0">
+              <a:defRPr/>
+            </a:pPr>
+            <a:r>
+              <a:rPr kumimoji="0" lang="en-US" altLang="zh-CN" sz="3400" b="0" i="0" u="none" strike="noStrike" kern="0" cap="none" spc="0" normalizeH="0" baseline="0" noProof="0" dirty="0">
                 <a:ln>
                   <a:noFill/>
                 </a:ln>
                 <a:solidFill>
+                  <a:schemeClr val="accent1"/>
+                </a:solidFill>
+                <a:effectLst/>
+                <a:uLnTx/>
+                <a:uFillTx/>
+                <a:latin typeface="Arial" panose="020B0604020202020204" pitchFamily="34" charset="0"/>
+                <a:cs typeface="Arial" panose="020B0604020202020204" pitchFamily="34" charset="0"/>
+                <a:sym typeface="Calibri"/>
+              </a:rPr>
+              <a:t>Experiments</a:t>
+            </a:r>
+          </a:p>
+        </p:txBody>
+      </p:sp>
+      <p:pic>
+        <p:nvPicPr>
+          <p:cNvPr id="67" name="图片 66">
+            <a:extLst>
+              <a:ext uri="{FF2B5EF4-FFF2-40B4-BE49-F238E27FC236}">
+                <a16:creationId xmlns:a16="http://schemas.microsoft.com/office/drawing/2014/main" id="{84AF134F-AE85-2D4A-5033-2DF56DE8193B}"/>
+              </a:ext>
+            </a:extLst>
+          </p:cNvPr>
+          <p:cNvPicPr>
+            <a:picLocks noChangeAspect="1"/>
+          </p:cNvPicPr>
+          <p:nvPr/>
+        </p:nvPicPr>
+        <p:blipFill>
+          <a:blip r:embed="rId13"/>
+          <a:stretch>
+            <a:fillRect/>
+          </a:stretch>
+        </p:blipFill>
+        <p:spPr>
+          <a:xfrm>
+            <a:off x="14074169" y="18706627"/>
+            <a:ext cx="5334000" cy="381000"/>
+          </a:xfrm>
+          <a:prstGeom prst="rect">
+            <a:avLst/>
+          </a:prstGeom>
+        </p:spPr>
+      </p:pic>
+      <mc:AlternateContent xmlns:mc="http://schemas.openxmlformats.org/markup-compatibility/2006" xmlns:a14="http://schemas.microsoft.com/office/drawing/2010/main">
+        <mc:Choice Requires="a14">
+          <p:sp>
+            <p:nvSpPr>
+              <p:cNvPr id="68" name="文本框 67">
+                <a:extLst>
+                  <a:ext uri="{FF2B5EF4-FFF2-40B4-BE49-F238E27FC236}">
+                    <a16:creationId xmlns:a16="http://schemas.microsoft.com/office/drawing/2014/main" id="{1A1EF0D5-2F7F-7C2D-6EB5-196F94B397E6}"/>
+                  </a:ext>
+                </a:extLst>
+              </p:cNvPr>
+              <p:cNvSpPr txBox="1"/>
+              <p:nvPr/>
+            </p:nvSpPr>
+            <p:spPr>
+              <a:xfrm>
+                <a:off x="11716293" y="19180935"/>
+                <a:ext cx="10158085" cy="1113701"/>
+              </a:xfrm>
+              <a:prstGeom prst="rect">
+                <a:avLst/>
+              </a:prstGeom>
+              <a:noFill/>
+              <a:ln w="12700" cap="flat">
+                <a:noFill/>
+                <a:miter lim="400000"/>
+              </a:ln>
+              <a:effectLst/>
+              <a:sp3d/>
+            </p:spPr>
+            <p:style>
+              <a:lnRef idx="0">
+                <a:scrgbClr r="0" g="0" b="0"/>
+              </a:lnRef>
+              <a:fillRef idx="0">
+                <a:scrgbClr r="0" g="0" b="0"/>
+              </a:fillRef>
+              <a:effectRef idx="0">
+                <a:scrgbClr r="0" g="0" b="0"/>
+              </a:effectRef>
+              <a:fontRef idx="none"/>
+            </p:style>
+            <p:txBody>
+              <a:bodyPr rot="0" spcFirstLastPara="1" vertOverflow="overflow" horzOverflow="overflow" vert="horz" wrap="square" lIns="45719" tIns="45719" rIns="45719" bIns="45719" numCol="1" spcCol="38100" rtlCol="0" anchor="t">
+                <a:spAutoFit/>
+              </a:bodyPr>
+              <a:lstStyle/>
+              <a:p>
+                <a:pPr marL="342900" indent="-342900">
+                  <a:buFont typeface="Arial" panose="020B0604020202020204" pitchFamily="34" charset="0"/>
+                  <a:buChar char="•"/>
+                </a:pPr>
+                <a:r>
+                  <a:rPr lang="en-US" altLang="zh-CN" sz="2100" b="1" i="0" dirty="0">
+                    <a:effectLst/>
+                    <a:latin typeface="Arial" panose="020B0604020202020204" pitchFamily="34" charset="0"/>
+                    <a:cs typeface="Arial" panose="020B0604020202020204" pitchFamily="34" charset="0"/>
+                  </a:rPr>
+                  <a:t>Semi-Supervised loss   </a:t>
+                </a:r>
+                <a14:m>
+                  <m:oMath xmlns:m="http://schemas.openxmlformats.org/officeDocument/2006/math">
+                    <m:r>
+                      <a:rPr lang="en-US" altLang="zh-CN" sz="2400" i="1">
+                        <a:latin typeface="Cambria Math" panose="02040503050406030204" pitchFamily="18" charset="0"/>
+                        <a:ea typeface="等线" panose="02010600030101010101" pitchFamily="2" charset="-122"/>
+                        <a:cs typeface="Arial" panose="020B0604020202020204" pitchFamily="34" charset="0"/>
+                      </a:rPr>
+                      <m:t>𝒜</m:t>
+                    </m:r>
+                    <m:d>
+                      <m:dPr>
+                        <m:ctrlPr>
+                          <a:rPr lang="zh-CN" altLang="zh-CN" sz="2400" i="1">
+                            <a:latin typeface="Cambria Math" panose="02040503050406030204" pitchFamily="18" charset="0"/>
+                            <a:ea typeface="Cambria Math" panose="02040503050406030204" pitchFamily="18" charset="0"/>
+                          </a:rPr>
+                        </m:ctrlPr>
+                      </m:dPr>
+                      <m:e>
+                        <m:r>
+                          <a:rPr lang="en-US" altLang="zh-CN" sz="2400">
+                            <a:latin typeface="Cambria Math" panose="02040503050406030204" pitchFamily="18" charset="0"/>
+                            <a:ea typeface="等线" panose="02010600030101010101" pitchFamily="2" charset="-122"/>
+                            <a:cs typeface="Arial" panose="020B0604020202020204" pitchFamily="34" charset="0"/>
+                          </a:rPr>
+                          <m:t>⋅</m:t>
+                        </m:r>
+                      </m:e>
+                    </m:d>
+                  </m:oMath>
+                </a14:m>
+                <a:r>
+                  <a:rPr lang="en-US" altLang="zh-CN" sz="2100" i="0" dirty="0">
+                    <a:effectLst/>
+                    <a:latin typeface="Arial" panose="020B0604020202020204" pitchFamily="34" charset="0"/>
+                    <a:cs typeface="Arial" panose="020B0604020202020204" pitchFamily="34" charset="0"/>
+                  </a:rPr>
+                  <a:t> represents a strong data augmentation mapping and </a:t>
+                </a:r>
+                <a14:m>
+                  <m:oMath xmlns:m="http://schemas.openxmlformats.org/officeDocument/2006/math">
+                    <m:r>
+                      <a:rPr lang="en-US" altLang="zh-CN" sz="2100" i="1" kern="100" smtClean="0">
+                        <a:effectLst/>
+                        <a:latin typeface="Cambria Math" panose="02040503050406030204" pitchFamily="18" charset="0"/>
+                        <a:ea typeface="等线" panose="02010600030101010101" pitchFamily="2" charset="-122"/>
+                        <a:cs typeface="Arial" panose="020B0604020202020204" pitchFamily="34" charset="0"/>
+                      </a:rPr>
+                      <m:t>𝜆</m:t>
+                    </m:r>
+                    <m:r>
+                      <a:rPr lang="en-US" altLang="zh-CN" sz="2100" i="1" kern="100" smtClean="0">
+                        <a:effectLst/>
+                        <a:latin typeface="Cambria Math" panose="02040503050406030204" pitchFamily="18" charset="0"/>
+                        <a:ea typeface="等线" panose="02010600030101010101" pitchFamily="2" charset="-122"/>
+                        <a:cs typeface="Arial" panose="020B0604020202020204" pitchFamily="34" charset="0"/>
+                      </a:rPr>
+                      <m:t>&gt;0</m:t>
+                    </m:r>
+                  </m:oMath>
+                </a14:m>
+                <a:r>
+                  <a:rPr lang="en-US" altLang="zh-CN" sz="2100" kern="100" dirty="0">
+                    <a:latin typeface="等线" panose="02010600030101010101" pitchFamily="2" charset="-122"/>
+                    <a:ea typeface="等线" panose="02010600030101010101" pitchFamily="2" charset="-122"/>
+                    <a:cs typeface="Arial" panose="020B0604020202020204" pitchFamily="34" charset="0"/>
+                  </a:rPr>
+                  <a:t> </a:t>
+                </a:r>
+                <a:r>
+                  <a:rPr lang="en-US" altLang="zh-CN" sz="2100" i="0" dirty="0">
+                    <a:effectLst/>
+                    <a:latin typeface="Arial" panose="020B0604020202020204" pitchFamily="34" charset="0"/>
+                    <a:cs typeface="Arial" panose="020B0604020202020204" pitchFamily="34" charset="0"/>
+                  </a:rPr>
+                  <a:t>is a hyperparameter set to be one in our experiments. After training for </a:t>
+                </a:r>
+                <a14:m>
+                  <m:oMath xmlns:m="http://schemas.openxmlformats.org/officeDocument/2006/math">
+                    <m:r>
+                      <a:rPr lang="en-US" altLang="zh-CN" sz="2100" i="1">
+                        <a:latin typeface="Cambria Math" panose="02040503050406030204" pitchFamily="18" charset="0"/>
+                        <a:ea typeface="等线" panose="02010600030101010101" pitchFamily="2" charset="-122"/>
+                        <a:cs typeface="Arial" panose="020B0604020202020204" pitchFamily="34" charset="0"/>
+                      </a:rPr>
+                      <m:t>𝐸</m:t>
+                    </m:r>
+                  </m:oMath>
+                </a14:m>
+                <a:r>
+                  <a:rPr lang="en-US" altLang="zh-CN" sz="2100" i="0" dirty="0">
+                    <a:effectLst/>
+                    <a:latin typeface="Arial" panose="020B0604020202020204" pitchFamily="34" charset="0"/>
+                    <a:cs typeface="Arial" panose="020B0604020202020204" pitchFamily="34" charset="0"/>
+                  </a:rPr>
+                  <a:t> local epochs, client </a:t>
+                </a:r>
+                <a14:m>
+                  <m:oMath xmlns:m="http://schemas.openxmlformats.org/officeDocument/2006/math">
+                    <m:r>
+                      <a:rPr lang="en-US" altLang="zh-CN" sz="2100" i="1" kern="100">
+                        <a:latin typeface="Cambria Math" panose="02040503050406030204" pitchFamily="18" charset="0"/>
+                        <a:ea typeface="等线" panose="02010600030101010101" pitchFamily="2" charset="-122"/>
+                        <a:cs typeface="Arial" panose="020B0604020202020204" pitchFamily="34" charset="0"/>
+                      </a:rPr>
+                      <m:t>𝑚</m:t>
+                    </m:r>
+                  </m:oMath>
+                </a14:m>
+                <a:r>
+                  <a:rPr lang="en-US" altLang="zh-CN" sz="2100" i="0" dirty="0">
+                    <a:effectLst/>
+                    <a:latin typeface="Arial" panose="020B0604020202020204" pitchFamily="34" charset="0"/>
+                    <a:cs typeface="Arial" panose="020B0604020202020204" pitchFamily="34" charset="0"/>
+                  </a:rPr>
+                  <a:t> transmits </a:t>
+                </a:r>
+                <a14:m>
+                  <m:oMath xmlns:m="http://schemas.openxmlformats.org/officeDocument/2006/math">
+                    <m:sSub>
+                      <m:sSubPr>
+                        <m:ctrlPr>
+                          <a:rPr lang="zh-CN" altLang="zh-CN" sz="2100" i="1" kern="100">
+                            <a:latin typeface="Cambria Math" panose="02040503050406030204" pitchFamily="18" charset="0"/>
+                            <a:ea typeface="Cambria Math" panose="02040503050406030204" pitchFamily="18" charset="0"/>
+                            <a:cs typeface="Arial" panose="020B0604020202020204" pitchFamily="34" charset="0"/>
+                          </a:rPr>
+                        </m:ctrlPr>
+                      </m:sSubPr>
+                      <m:e>
+                        <m:r>
+                          <a:rPr lang="en-US" altLang="zh-CN" sz="2100" i="1" kern="100">
+                            <a:latin typeface="Cambria Math" panose="02040503050406030204" pitchFamily="18" charset="0"/>
+                            <a:ea typeface="等线" panose="02010600030101010101" pitchFamily="2" charset="-122"/>
+                            <a:cs typeface="Arial" panose="020B0604020202020204" pitchFamily="34" charset="0"/>
+                          </a:rPr>
+                          <m:t>𝑊</m:t>
+                        </m:r>
+                      </m:e>
+                      <m:sub>
+                        <m:r>
+                          <a:rPr lang="en-US" altLang="zh-CN" sz="2100" i="1" kern="100">
+                            <a:latin typeface="Cambria Math" panose="02040503050406030204" pitchFamily="18" charset="0"/>
+                            <a:ea typeface="等线" panose="02010600030101010101" pitchFamily="2" charset="-122"/>
+                            <a:cs typeface="Arial" panose="020B0604020202020204" pitchFamily="34" charset="0"/>
+                          </a:rPr>
+                          <m:t>𝑢</m:t>
+                        </m:r>
+                        <m:r>
+                          <a:rPr lang="en-US" altLang="zh-CN" sz="2100" i="1" kern="100">
+                            <a:latin typeface="Cambria Math" panose="02040503050406030204" pitchFamily="18" charset="0"/>
+                            <a:ea typeface="等线" panose="02010600030101010101" pitchFamily="2" charset="-122"/>
+                            <a:cs typeface="Arial" panose="020B0604020202020204" pitchFamily="34" charset="0"/>
+                          </a:rPr>
+                          <m:t>, </m:t>
+                        </m:r>
+                        <m:r>
+                          <a:rPr lang="en-US" altLang="zh-CN" sz="2100" i="1" kern="100">
+                            <a:latin typeface="Cambria Math" panose="02040503050406030204" pitchFamily="18" charset="0"/>
+                            <a:ea typeface="等线" panose="02010600030101010101" pitchFamily="2" charset="-122"/>
+                            <a:cs typeface="Arial" panose="020B0604020202020204" pitchFamily="34" charset="0"/>
+                          </a:rPr>
+                          <m:t>𝑚</m:t>
+                        </m:r>
+                      </m:sub>
+                    </m:sSub>
+                  </m:oMath>
+                </a14:m>
+                <a:r>
+                  <a:rPr lang="en-US" altLang="zh-CN" sz="2100" i="0" dirty="0">
+                    <a:effectLst/>
+                    <a:latin typeface="Arial" panose="020B0604020202020204" pitchFamily="34" charset="0"/>
+                    <a:cs typeface="Arial" panose="020B0604020202020204" pitchFamily="34" charset="0"/>
+                  </a:rPr>
+                  <a:t>to the server.</a:t>
+                </a:r>
+              </a:p>
+            </p:txBody>
+          </p:sp>
+        </mc:Choice>
+        <mc:Fallback xmlns="">
+          <p:sp>
+            <p:nvSpPr>
+              <p:cNvPr id="68" name="文本框 67">
+                <a:extLst>
+                  <a:ext uri="{FF2B5EF4-FFF2-40B4-BE49-F238E27FC236}">
+                    <a16:creationId xmlns:a16="http://schemas.microsoft.com/office/drawing/2014/main" id="{1A1EF0D5-2F7F-7C2D-6EB5-196F94B397E6}"/>
+                  </a:ext>
+                </a:extLst>
+              </p:cNvPr>
+              <p:cNvSpPr txBox="1">
+                <a:spLocks noRot="1" noChangeAspect="1" noMove="1" noResize="1" noEditPoints="1" noAdjustHandles="1" noChangeArrowheads="1" noChangeShapeType="1" noTextEdit="1"/>
+              </p:cNvSpPr>
+              <p:nvPr/>
+            </p:nvSpPr>
+            <p:spPr>
+              <a:xfrm>
+                <a:off x="11716293" y="19180935"/>
+                <a:ext cx="10158085" cy="1113701"/>
+              </a:xfrm>
+              <a:prstGeom prst="rect">
+                <a:avLst/>
+              </a:prstGeom>
+              <a:blipFill>
+                <a:blip r:embed="rId14"/>
+                <a:stretch>
+                  <a:fillRect l="-1080" t="-546" b="-8197"/>
+                </a:stretch>
+              </a:blipFill>
+              <a:ln w="12700" cap="flat">
+                <a:noFill/>
+                <a:miter lim="400000"/>
+              </a:ln>
+              <a:effectLst/>
+            </p:spPr>
+            <p:txBody>
+              <a:bodyPr/>
+              <a:lstStyle/>
+              <a:p>
+                <a:r>
+                  <a:rPr lang="zh-CN" altLang="en-US">
+                    <a:noFill/>
+                  </a:rPr>
+                  <a:t> </a:t>
+                </a:r>
+              </a:p>
+            </p:txBody>
+          </p:sp>
+        </mc:Fallback>
+      </mc:AlternateContent>
+      <p:pic>
+        <p:nvPicPr>
+          <p:cNvPr id="70" name="图片 69">
+            <a:extLst>
+              <a:ext uri="{FF2B5EF4-FFF2-40B4-BE49-F238E27FC236}">
+                <a16:creationId xmlns:a16="http://schemas.microsoft.com/office/drawing/2014/main" id="{A7252903-BA66-48BF-9BCD-D526A8BF06AF}"/>
+              </a:ext>
+            </a:extLst>
+          </p:cNvPr>
+          <p:cNvPicPr>
+            <a:picLocks noChangeAspect="1"/>
+          </p:cNvPicPr>
+          <p:nvPr/>
+        </p:nvPicPr>
+        <p:blipFill>
+          <a:blip r:embed="rId15"/>
+          <a:stretch>
+            <a:fillRect/>
+          </a:stretch>
+        </p:blipFill>
+        <p:spPr>
+          <a:xfrm>
+            <a:off x="12998912" y="20229386"/>
+            <a:ext cx="8439150" cy="895350"/>
+          </a:xfrm>
+          <a:prstGeom prst="rect">
+            <a:avLst/>
+          </a:prstGeom>
+        </p:spPr>
+      </p:pic>
+      <p:pic>
+        <p:nvPicPr>
+          <p:cNvPr id="72" name="图片 71">
+            <a:extLst>
+              <a:ext uri="{FF2B5EF4-FFF2-40B4-BE49-F238E27FC236}">
+                <a16:creationId xmlns:a16="http://schemas.microsoft.com/office/drawing/2014/main" id="{BB6C72A5-0BBC-F4FD-C289-C7D72842A330}"/>
+              </a:ext>
+            </a:extLst>
+          </p:cNvPr>
+          <p:cNvPicPr>
+            <a:picLocks noChangeAspect="1"/>
+          </p:cNvPicPr>
+          <p:nvPr/>
+        </p:nvPicPr>
+        <p:blipFill>
+          <a:blip r:embed="rId16"/>
+          <a:stretch>
+            <a:fillRect/>
+          </a:stretch>
+        </p:blipFill>
+        <p:spPr>
+          <a:xfrm>
+            <a:off x="14640907" y="21112595"/>
+            <a:ext cx="4200525" cy="409575"/>
+          </a:xfrm>
+          <a:prstGeom prst="rect">
+            <a:avLst/>
+          </a:prstGeom>
+        </p:spPr>
+      </p:pic>
+      <mc:AlternateContent xmlns:mc="http://schemas.openxmlformats.org/markup-compatibility/2006" xmlns:a14="http://schemas.microsoft.com/office/drawing/2010/main">
+        <mc:Choice Requires="a14">
+          <p:sp>
+            <p:nvSpPr>
+              <p:cNvPr id="73" name="文本框 72">
+                <a:extLst>
+                  <a:ext uri="{FF2B5EF4-FFF2-40B4-BE49-F238E27FC236}">
+                    <a16:creationId xmlns:a16="http://schemas.microsoft.com/office/drawing/2014/main" id="{CC84EDAB-69CF-D153-C1D5-290038850138}"/>
+                  </a:ext>
+                </a:extLst>
+              </p:cNvPr>
+              <p:cNvSpPr txBox="1"/>
+              <p:nvPr/>
+            </p:nvSpPr>
+            <p:spPr>
+              <a:xfrm>
+                <a:off x="11716293" y="18000131"/>
+                <a:ext cx="10230069" cy="923328"/>
+              </a:xfrm>
+              <a:prstGeom prst="rect">
+                <a:avLst/>
+              </a:prstGeom>
+              <a:noFill/>
+              <a:ln w="12700" cap="flat">
+                <a:noFill/>
+                <a:miter lim="400000"/>
+              </a:ln>
+              <a:effectLst/>
+              <a:sp3d/>
+            </p:spPr>
+            <p:style>
+              <a:lnRef idx="0">
+                <a:scrgbClr r="0" g="0" b="0"/>
+              </a:lnRef>
+              <a:fillRef idx="0">
+                <a:scrgbClr r="0" g="0" b="0"/>
+              </a:fillRef>
+              <a:effectRef idx="0">
+                <a:scrgbClr r="0" g="0" b="0"/>
+              </a:effectRef>
+              <a:fontRef idx="none"/>
+            </p:style>
+            <p:txBody>
+              <a:bodyPr rot="0" spcFirstLastPara="1" vertOverflow="overflow" horzOverflow="overflow" vert="horz" wrap="square" lIns="45719" tIns="45719" rIns="45719" bIns="45719" numCol="1" spcCol="38100" rtlCol="0" anchor="t">
+                <a:spAutoFit/>
+              </a:bodyPr>
+              <a:lstStyle/>
+              <a:p>
+                <a:pPr marL="342900" marR="0" lvl="0" indent="-342900" algn="l" defTabSz="326532" rtl="0" eaLnBrk="1" fontAlgn="auto" latinLnBrk="0" hangingPunct="0">
+                  <a:lnSpc>
+                    <a:spcPct val="100000"/>
+                  </a:lnSpc>
+                  <a:spcBef>
+                    <a:spcPts val="0"/>
+                  </a:spcBef>
+                  <a:spcAft>
+                    <a:spcPts val="0"/>
+                  </a:spcAft>
+                  <a:buClrTx/>
+                  <a:buSzTx/>
+                  <a:buFont typeface="Arial" panose="020B0604020202020204" pitchFamily="34" charset="0"/>
+                  <a:buChar char="•"/>
+                  <a:tabLst/>
+                  <a:defRPr/>
+                </a:pPr>
+                <a:r>
+                  <a:rPr kumimoji="0" lang="en-US" altLang="zh-CN" sz="2100" b="1" i="0" u="none" strike="noStrike" kern="0" cap="none" spc="0" normalizeH="0" baseline="0" noProof="0" dirty="0">
+                    <a:ln>
+                      <a:noFill/>
+                    </a:ln>
+                    <a:solidFill>
+                      <a:srgbClr val="000000"/>
+                    </a:solidFill>
+                    <a:effectLst/>
+                    <a:uLnTx/>
+                    <a:uFillTx/>
+                    <a:latin typeface="Arial" panose="020B0604020202020204" pitchFamily="34" charset="0"/>
+                    <a:cs typeface="Arial" panose="020B0604020202020204" pitchFamily="34" charset="0"/>
+                    <a:sym typeface="Calibri"/>
+                  </a:rPr>
+                  <a:t>Supervised loss</a:t>
+                </a:r>
+                <a:r>
+                  <a:rPr lang="en-US" altLang="zh-CN" sz="2100" dirty="0">
+                    <a:latin typeface="Arial" panose="020B0604020202020204" pitchFamily="34" charset="0"/>
+                    <a:cs typeface="Arial" panose="020B0604020202020204" pitchFamily="34" charset="0"/>
+                  </a:rPr>
+                  <a:t>   </a:t>
+                </a:r>
+                <a14:m>
+                  <m:oMath xmlns:m="http://schemas.openxmlformats.org/officeDocument/2006/math">
+                    <m:r>
+                      <a:rPr kumimoji="0" lang="en-US" altLang="zh-CN" sz="2100" b="0" i="1" u="none" strike="noStrike" kern="0" cap="none" spc="0" normalizeH="0" baseline="0" noProof="0" smtClean="0">
+                        <a:ln>
+                          <a:noFill/>
+                        </a:ln>
+                        <a:solidFill>
+                          <a:srgbClr val="000000"/>
+                        </a:solidFill>
+                        <a:effectLst/>
+                        <a:uLnTx/>
+                        <a:uFillTx/>
+                        <a:latin typeface="Cambria Math" panose="02040503050406030204" pitchFamily="18" charset="0"/>
+                        <a:ea typeface="等线" panose="02010600030101010101" pitchFamily="2" charset="-122"/>
+                        <a:cs typeface="Arial" panose="020B0604020202020204" pitchFamily="34" charset="0"/>
+                        <a:sym typeface="Calibri"/>
+                      </a:rPr>
+                      <m:t>𝛼</m:t>
+                    </m:r>
+                    <m:d>
+                      <m:dPr>
+                        <m:ctrlPr>
+                          <a:rPr kumimoji="0" lang="zh-CN" altLang="zh-CN" sz="2100" b="0" i="1" u="none" strike="noStrike" kern="0" cap="none" spc="0" normalizeH="0" baseline="0" noProof="0">
+                            <a:ln>
+                              <a:noFill/>
+                            </a:ln>
+                            <a:solidFill>
+                              <a:srgbClr val="000000"/>
+                            </a:solidFill>
+                            <a:effectLst/>
+                            <a:uLnTx/>
+                            <a:uFillTx/>
+                            <a:latin typeface="Cambria Math" panose="02040503050406030204" pitchFamily="18" charset="0"/>
+                            <a:ea typeface="Cambria Math" panose="02040503050406030204" pitchFamily="18" charset="0"/>
+                            <a:sym typeface="Calibri"/>
+                          </a:rPr>
+                        </m:ctrlPr>
+                      </m:dPr>
+                      <m:e>
+                        <m:r>
+                          <a:rPr kumimoji="0" lang="en-US" altLang="zh-CN" sz="2100" b="0" i="1" u="none" strike="noStrike" kern="0" cap="none" spc="0" normalizeH="0" baseline="0" noProof="0">
+                            <a:ln>
+                              <a:noFill/>
+                            </a:ln>
+                            <a:solidFill>
+                              <a:srgbClr val="000000"/>
+                            </a:solidFill>
+                            <a:effectLst/>
+                            <a:uLnTx/>
+                            <a:uFillTx/>
+                            <a:latin typeface="Cambria Math" panose="02040503050406030204" pitchFamily="18" charset="0"/>
+                            <a:ea typeface="等线" panose="02010600030101010101" pitchFamily="2" charset="-122"/>
+                            <a:cs typeface="Arial" panose="020B0604020202020204" pitchFamily="34" charset="0"/>
+                            <a:sym typeface="Calibri"/>
+                          </a:rPr>
+                          <m:t>⋅</m:t>
+                        </m:r>
+                      </m:e>
+                    </m:d>
+                    <m:r>
+                      <a:rPr kumimoji="0" lang="en-US" altLang="zh-CN" sz="2100" b="0" i="1" u="none" strike="noStrike" kern="0" cap="none" spc="0" normalizeH="0" baseline="0" noProof="0">
+                        <a:ln>
+                          <a:noFill/>
+                        </a:ln>
+                        <a:solidFill>
+                          <a:srgbClr val="000000"/>
+                        </a:solidFill>
+                        <a:effectLst/>
+                        <a:uLnTx/>
+                        <a:uFillTx/>
+                        <a:latin typeface="Cambria Math" panose="02040503050406030204" pitchFamily="18" charset="0"/>
+                        <a:ea typeface="等线" panose="02010600030101010101" pitchFamily="2" charset="-122"/>
+                        <a:cs typeface="Arial" panose="020B0604020202020204" pitchFamily="34" charset="0"/>
+                        <a:sym typeface="Calibri"/>
+                      </a:rPr>
+                      <m:t> </m:t>
+                    </m:r>
+                  </m:oMath>
+                </a14:m>
+                <a:r>
+                  <a:rPr kumimoji="0" lang="en-US" altLang="zh-CN" sz="2100" b="0" i="0" u="none" strike="noStrike" kern="0" cap="none" spc="0" normalizeH="0" baseline="0" noProof="0" dirty="0">
+                    <a:ln>
+                      <a:noFill/>
+                    </a:ln>
+                    <a:solidFill>
+                      <a:srgbClr val="000000"/>
+                    </a:solidFill>
+                    <a:effectLst/>
+                    <a:uLnTx/>
+                    <a:uFillTx/>
+                    <a:latin typeface="Arial" panose="020B0604020202020204" pitchFamily="34" charset="0"/>
+                    <a:cs typeface="Arial" panose="020B0604020202020204" pitchFamily="34" charset="0"/>
+                    <a:sym typeface="Calibri"/>
+                  </a:rPr>
+                  <a:t>represents a weak data augmentation, such as random horizontal flipping and random cropping, that maps one image to another.</a:t>
+                </a:r>
+              </a:p>
+              <a:p>
+                <a:pPr marL="0" marR="0" indent="0" algn="l" defTabSz="326532" rtl="0" fontAlgn="auto" latinLnBrk="0" hangingPunct="0">
+                  <a:lnSpc>
+                    <a:spcPct val="100000"/>
+                  </a:lnSpc>
+                  <a:spcBef>
+                    <a:spcPts val="0"/>
+                  </a:spcBef>
+                  <a:spcAft>
+                    <a:spcPts val="0"/>
+                  </a:spcAft>
+                  <a:buClrTx/>
+                  <a:buSzTx/>
+                  <a:buFontTx/>
+                  <a:buNone/>
+                  <a:tabLst/>
+                </a:pPr>
+                <a:endParaRPr kumimoji="0" lang="zh-CN" altLang="en-US" sz="1200" b="0" i="0" u="none" strike="noStrike" cap="none" spc="0" normalizeH="0" baseline="0" dirty="0">
+                  <a:ln>
+                    <a:noFill/>
+                  </a:ln>
+                  <a:solidFill>
+                    <a:srgbClr val="000000"/>
+                  </a:solidFill>
+                  <a:effectLst/>
+                  <a:uFillTx/>
+                  <a:latin typeface="+mn-lt"/>
+                  <a:ea typeface="+mn-ea"/>
+                  <a:cs typeface="+mn-cs"/>
+                  <a:sym typeface="Calibri"/>
+                </a:endParaRPr>
+              </a:p>
+            </p:txBody>
+          </p:sp>
+        </mc:Choice>
+        <mc:Fallback xmlns="">
+          <p:sp>
+            <p:nvSpPr>
+              <p:cNvPr id="73" name="文本框 72">
+                <a:extLst>
+                  <a:ext uri="{FF2B5EF4-FFF2-40B4-BE49-F238E27FC236}">
+                    <a16:creationId xmlns:a16="http://schemas.microsoft.com/office/drawing/2014/main" id="{CC84EDAB-69CF-D153-C1D5-290038850138}"/>
+                  </a:ext>
+                </a:extLst>
+              </p:cNvPr>
+              <p:cNvSpPr txBox="1">
+                <a:spLocks noRot="1" noChangeAspect="1" noMove="1" noResize="1" noEditPoints="1" noAdjustHandles="1" noChangeArrowheads="1" noChangeShapeType="1" noTextEdit="1"/>
+              </p:cNvSpPr>
+              <p:nvPr/>
+            </p:nvSpPr>
+            <p:spPr>
+              <a:xfrm>
+                <a:off x="11716293" y="18000131"/>
+                <a:ext cx="10230069" cy="923328"/>
+              </a:xfrm>
+              <a:prstGeom prst="rect">
+                <a:avLst/>
+              </a:prstGeom>
+              <a:blipFill>
+                <a:blip r:embed="rId17"/>
+                <a:stretch>
+                  <a:fillRect l="-1073" t="-3974"/>
+                </a:stretch>
+              </a:blipFill>
+              <a:ln w="12700" cap="flat">
+                <a:noFill/>
+                <a:miter lim="400000"/>
+              </a:ln>
+              <a:effectLst/>
+            </p:spPr>
+            <p:txBody>
+              <a:bodyPr/>
+              <a:lstStyle/>
+              <a:p>
+                <a:r>
+                  <a:rPr lang="zh-CN" altLang="en-US">
+                    <a:noFill/>
+                  </a:rPr>
+                  <a:t> </a:t>
+                </a:r>
+              </a:p>
+            </p:txBody>
+          </p:sp>
+        </mc:Fallback>
+      </mc:AlternateContent>
+      <p:pic>
+        <p:nvPicPr>
+          <p:cNvPr id="79" name="图片 78">
+            <a:extLst>
+              <a:ext uri="{FF2B5EF4-FFF2-40B4-BE49-F238E27FC236}">
+                <a16:creationId xmlns:a16="http://schemas.microsoft.com/office/drawing/2014/main" id="{FE7480E7-F0EF-5D8C-2928-0A2E6D1F4916}"/>
+              </a:ext>
+            </a:extLst>
+          </p:cNvPr>
+          <p:cNvPicPr>
+            <a:picLocks noChangeAspect="1"/>
+          </p:cNvPicPr>
+          <p:nvPr/>
+        </p:nvPicPr>
+        <p:blipFill>
+          <a:blip r:embed="rId18"/>
+          <a:stretch>
+            <a:fillRect/>
+          </a:stretch>
+        </p:blipFill>
+        <p:spPr>
+          <a:xfrm>
+            <a:off x="22829530" y="5380455"/>
+            <a:ext cx="9291309" cy="6623763"/>
+          </a:xfrm>
+          <a:prstGeom prst="rect">
+            <a:avLst/>
+          </a:prstGeom>
+        </p:spPr>
+      </p:pic>
+      <mc:AlternateContent xmlns:mc="http://schemas.openxmlformats.org/markup-compatibility/2006" xmlns:a14="http://schemas.microsoft.com/office/drawing/2010/main">
+        <mc:Choice Requires="a14">
+          <p:sp>
+            <p:nvSpPr>
+              <p:cNvPr id="80" name="文本框 79">
+                <a:extLst>
+                  <a:ext uri="{FF2B5EF4-FFF2-40B4-BE49-F238E27FC236}">
+                    <a16:creationId xmlns:a16="http://schemas.microsoft.com/office/drawing/2014/main" id="{9867475D-3F0F-D006-60AB-2C7B49DDFF55}"/>
+                  </a:ext>
+                </a:extLst>
+              </p:cNvPr>
+              <p:cNvSpPr txBox="1"/>
+              <p:nvPr/>
+            </p:nvSpPr>
+            <p:spPr>
+              <a:xfrm>
+                <a:off x="22374357" y="4148821"/>
+                <a:ext cx="10268650" cy="738662"/>
+              </a:xfrm>
+              <a:prstGeom prst="rect">
+                <a:avLst/>
+              </a:prstGeom>
+              <a:noFill/>
+              <a:ln w="12700" cap="flat">
+                <a:noFill/>
+                <a:miter lim="400000"/>
+              </a:ln>
+              <a:effectLst/>
+              <a:sp3d/>
+            </p:spPr>
+            <p:style>
+              <a:lnRef idx="0">
+                <a:scrgbClr r="0" g="0" b="0"/>
+              </a:lnRef>
+              <a:fillRef idx="0">
+                <a:scrgbClr r="0" g="0" b="0"/>
+              </a:fillRef>
+              <a:effectRef idx="0">
+                <a:scrgbClr r="0" g="0" b="0"/>
+              </a:effectRef>
+              <a:fontRef idx="none"/>
+            </p:style>
+            <p:txBody>
+              <a:bodyPr rot="0" spcFirstLastPara="1" vertOverflow="overflow" horzOverflow="overflow" vert="horz" wrap="square" lIns="45719" tIns="45719" rIns="45719" bIns="45719" numCol="1" spcCol="38100" rtlCol="0" anchor="t">
+                <a:spAutoFit/>
+              </a:bodyPr>
+              <a:lstStyle/>
+              <a:p>
+                <a:pPr marL="342900" marR="0" indent="-342900" algn="l" defTabSz="326532" rtl="0" fontAlgn="auto" latinLnBrk="0" hangingPunct="0">
+                  <a:lnSpc>
+                    <a:spcPct val="100000"/>
+                  </a:lnSpc>
+                  <a:spcBef>
+                    <a:spcPts val="0"/>
+                  </a:spcBef>
+                  <a:spcAft>
+                    <a:spcPts val="0"/>
+                  </a:spcAft>
+                  <a:buClrTx/>
+                  <a:buSzTx/>
+                  <a:buFont typeface="Arial" panose="020B0604020202020204" pitchFamily="34" charset="0"/>
+                  <a:buChar char="•"/>
+                  <a:tabLst/>
+                </a:pPr>
+                <a:r>
+                  <a:rPr lang="en-US" altLang="zh-CN" sz="2100" b="1" i="0" dirty="0">
+                    <a:effectLst/>
+                    <a:latin typeface="Arial" panose="020B0604020202020204" pitchFamily="34" charset="0"/>
+                    <a:cs typeface="Arial" panose="020B0604020202020204" pitchFamily="34" charset="0"/>
+                  </a:rPr>
+                  <a:t>Datasets: </a:t>
+                </a:r>
+                <a:r>
+                  <a:rPr lang="en-US" altLang="zh-CN" sz="2100" dirty="0">
+                    <a:latin typeface="Arial" panose="020B0604020202020204" pitchFamily="34" charset="0"/>
+                    <a:cs typeface="Arial" panose="020B0604020202020204" pitchFamily="34" charset="0"/>
+                  </a:rPr>
+                  <a:t>CIFAR10, SVHN and CIFAR100</a:t>
+                </a:r>
+              </a:p>
+              <a:p>
+                <a:pPr marL="342900" indent="-342900">
+                  <a:buFont typeface="Arial" panose="020B0604020202020204" pitchFamily="34" charset="0"/>
+                  <a:buChar char="•"/>
+                </a:pPr>
+                <a:r>
+                  <a:rPr kumimoji="0" lang="en-US" altLang="zh-CN" sz="2100" i="0" u="none" strike="noStrike" cap="none" spc="0" normalizeH="0" baseline="0" dirty="0">
+                    <a:ln>
+                      <a:noFill/>
+                    </a:ln>
+                    <a:solidFill>
+                      <a:srgbClr val="000000"/>
+                    </a:solidFill>
+                    <a:effectLst/>
+                    <a:uFillTx/>
+                    <a:latin typeface="Arial" panose="020B0604020202020204" pitchFamily="34" charset="0"/>
+                    <a:cs typeface="Arial" panose="020B0604020202020204" pitchFamily="34" charset="0"/>
+                    <a:sym typeface="Calibri"/>
+                  </a:rPr>
+                  <a:t>Num</a:t>
+                </a:r>
+                <a:r>
+                  <a:rPr lang="en-US" altLang="zh-CN" sz="2100" dirty="0">
+                    <a:latin typeface="Arial" panose="020B0604020202020204" pitchFamily="34" charset="0"/>
+                    <a:cs typeface="Arial" panose="020B0604020202020204" pitchFamily="34" charset="0"/>
+                  </a:rPr>
+                  <a:t>ber of clients </a:t>
+                </a:r>
+                <a14:m>
+                  <m:oMath xmlns:m="http://schemas.openxmlformats.org/officeDocument/2006/math">
+                    <m:r>
+                      <a:rPr lang="en-US" altLang="zh-CN" sz="2100" i="1" kern="100" smtClean="0">
+                        <a:effectLst/>
+                        <a:latin typeface="Cambria Math" panose="02040503050406030204" pitchFamily="18" charset="0"/>
+                        <a:ea typeface="等线" panose="02010600030101010101" pitchFamily="2" charset="-122"/>
+                        <a:cs typeface="Arial" panose="020B0604020202020204" pitchFamily="34" charset="0"/>
+                      </a:rPr>
+                      <m:t>𝑀</m:t>
+                    </m:r>
+                    <m:r>
+                      <a:rPr lang="en-US" altLang="zh-CN" sz="2100" i="1" kern="100" smtClean="0">
+                        <a:effectLst/>
+                        <a:latin typeface="Cambria Math" panose="02040503050406030204" pitchFamily="18" charset="0"/>
+                        <a:ea typeface="等线" panose="02010600030101010101" pitchFamily="2" charset="-122"/>
+                        <a:cs typeface="Arial" panose="020B0604020202020204" pitchFamily="34" charset="0"/>
+                      </a:rPr>
+                      <m:t>=100</m:t>
+                    </m:r>
+                  </m:oMath>
+                </a14:m>
+                <a:endParaRPr kumimoji="0" lang="zh-CN" altLang="en-US" sz="2100" i="0" u="none" strike="noStrike" cap="none" spc="0" normalizeH="0" baseline="0" dirty="0">
+                  <a:ln>
+                    <a:noFill/>
+                  </a:ln>
+                  <a:solidFill>
+                    <a:srgbClr val="000000"/>
+                  </a:solidFill>
+                  <a:effectLst/>
+                  <a:uFillTx/>
+                  <a:latin typeface="Arial" panose="020B0604020202020204" pitchFamily="34" charset="0"/>
+                  <a:cs typeface="Arial" panose="020B0604020202020204" pitchFamily="34" charset="0"/>
+                  <a:sym typeface="Calibri"/>
+                </a:endParaRPr>
+              </a:p>
+            </p:txBody>
+          </p:sp>
+        </mc:Choice>
+        <mc:Fallback xmlns="">
+          <p:sp>
+            <p:nvSpPr>
+              <p:cNvPr id="80" name="文本框 79">
+                <a:extLst>
+                  <a:ext uri="{FF2B5EF4-FFF2-40B4-BE49-F238E27FC236}">
+                    <a16:creationId xmlns:a16="http://schemas.microsoft.com/office/drawing/2014/main" id="{9867475D-3F0F-D006-60AB-2C7B49DDFF55}"/>
+                  </a:ext>
+                </a:extLst>
+              </p:cNvPr>
+              <p:cNvSpPr txBox="1">
+                <a:spLocks noRot="1" noChangeAspect="1" noMove="1" noResize="1" noEditPoints="1" noAdjustHandles="1" noChangeArrowheads="1" noChangeShapeType="1" noTextEdit="1"/>
+              </p:cNvSpPr>
+              <p:nvPr/>
+            </p:nvSpPr>
+            <p:spPr>
+              <a:xfrm>
+                <a:off x="22374357" y="4148821"/>
+                <a:ext cx="10268650" cy="738662"/>
+              </a:xfrm>
+              <a:prstGeom prst="rect">
+                <a:avLst/>
+              </a:prstGeom>
+              <a:blipFill>
+                <a:blip r:embed="rId19"/>
+                <a:stretch>
+                  <a:fillRect l="-1009" t="-5785" b="-14876"/>
+                </a:stretch>
+              </a:blipFill>
+              <a:ln w="12700" cap="flat">
+                <a:noFill/>
+                <a:miter lim="400000"/>
+              </a:ln>
+              <a:effectLst/>
+            </p:spPr>
+            <p:txBody>
+              <a:bodyPr/>
+              <a:lstStyle/>
+              <a:p>
+                <a:r>
+                  <a:rPr lang="zh-CN" altLang="en-US">
+                    <a:noFill/>
+                  </a:rPr>
+                  <a:t> </a:t>
+                </a:r>
+              </a:p>
+            </p:txBody>
+          </p:sp>
+        </mc:Fallback>
+      </mc:AlternateContent>
+      <p:pic>
+        <p:nvPicPr>
+          <p:cNvPr id="82" name="图片 81">
+            <a:extLst>
+              <a:ext uri="{FF2B5EF4-FFF2-40B4-BE49-F238E27FC236}">
+                <a16:creationId xmlns:a16="http://schemas.microsoft.com/office/drawing/2014/main" id="{110FFE53-7378-C5A1-1B5A-AFA47886031F}"/>
+              </a:ext>
+            </a:extLst>
+          </p:cNvPr>
+          <p:cNvPicPr>
+            <a:picLocks noChangeAspect="1"/>
+          </p:cNvPicPr>
+          <p:nvPr/>
+        </p:nvPicPr>
+        <p:blipFill>
+          <a:blip r:embed="rId20"/>
+          <a:stretch>
+            <a:fillRect/>
+          </a:stretch>
+        </p:blipFill>
+        <p:spPr>
+          <a:xfrm>
+            <a:off x="23681774" y="12156437"/>
+            <a:ext cx="7653816" cy="3099676"/>
+          </a:xfrm>
+          <a:prstGeom prst="rect">
+            <a:avLst/>
+          </a:prstGeom>
+        </p:spPr>
+      </p:pic>
+      <p:pic>
+        <p:nvPicPr>
+          <p:cNvPr id="84" name="图片 83">
+            <a:extLst>
+              <a:ext uri="{FF2B5EF4-FFF2-40B4-BE49-F238E27FC236}">
+                <a16:creationId xmlns:a16="http://schemas.microsoft.com/office/drawing/2014/main" id="{055C5760-3B3F-AE4F-A32D-1C6BEFC8036A}"/>
+              </a:ext>
+            </a:extLst>
+          </p:cNvPr>
+          <p:cNvPicPr>
+            <a:picLocks noChangeAspect="1"/>
+          </p:cNvPicPr>
+          <p:nvPr/>
+        </p:nvPicPr>
+        <p:blipFill>
+          <a:blip r:embed="rId21"/>
+          <a:stretch>
+            <a:fillRect/>
+          </a:stretch>
+        </p:blipFill>
+        <p:spPr>
+          <a:xfrm>
+            <a:off x="24102188" y="16075841"/>
+            <a:ext cx="7330311" cy="2056204"/>
+          </a:xfrm>
+          <a:prstGeom prst="rect">
+            <a:avLst/>
+          </a:prstGeom>
+        </p:spPr>
+      </p:pic>
+      <p:sp>
+        <p:nvSpPr>
+          <p:cNvPr id="85" name="TextBox 54">
+            <a:extLst>
+              <a:ext uri="{FF2B5EF4-FFF2-40B4-BE49-F238E27FC236}">
+                <a16:creationId xmlns:a16="http://schemas.microsoft.com/office/drawing/2014/main" id="{87C585BF-38B1-F351-5D19-CDA1AD5B9D1C}"/>
+              </a:ext>
+            </a:extLst>
+          </p:cNvPr>
+          <p:cNvSpPr txBox="1"/>
+          <p:nvPr/>
+        </p:nvSpPr>
+        <p:spPr>
+          <a:xfrm>
+            <a:off x="22345948" y="4824039"/>
+            <a:ext cx="10217748" cy="492443"/>
+          </a:xfrm>
+          <a:prstGeom prst="rect">
+            <a:avLst/>
+          </a:prstGeom>
+          <a:ln w="12700">
+            <a:miter lim="400000"/>
+          </a:ln>
+          <a:extLst>
+            <a:ext uri="{C572A759-6A51-4108-AA02-DFA0A04FC94B}">
+              <ma14:wrappingTextBoxFlag xmlns:ma14="http://schemas.microsoft.com/office/mac/drawingml/2011/main" xmlns:a14="http://schemas.microsoft.com/office/drawing/2010/main" xmlns:m="http://schemas.openxmlformats.org/officeDocument/2006/math" xmlns="" val="1"/>
+            </a:ext>
+          </a:extLst>
+        </p:spPr>
+        <p:txBody>
+          <a:bodyPr wrap="square" lIns="45719" rIns="45719">
+            <a:spAutoFit/>
+          </a:bodyPr>
+          <a:lstStyle>
+            <a:lvl1pPr algn="ctr">
+              <a:defRPr sz="1300">
+                <a:solidFill>
+                  <a:srgbClr val="344854"/>
+                </a:solidFill>
+                <a:latin typeface="Arial"/>
+                <a:ea typeface="Arial"/>
+                <a:cs typeface="Arial"/>
+                <a:sym typeface="Arial"/>
+              </a:defRPr>
+            </a:lvl1pPr>
+          </a:lstStyle>
+          <a:p>
+            <a:r>
+              <a:rPr lang="en-US" b="1" dirty="0">
+                <a:solidFill>
+                  <a:schemeClr val="tx1"/>
+                </a:solidFill>
+              </a:rPr>
+              <a:t>Table 1</a:t>
+            </a:r>
+            <a:r>
+              <a:rPr lang="en-US" dirty="0">
+                <a:solidFill>
+                  <a:schemeClr val="tx1"/>
+                </a:solidFill>
+              </a:rPr>
+              <a:t>. Comparison of </a:t>
+            </a:r>
+            <a:r>
+              <a:rPr lang="en-US" dirty="0" err="1">
+                <a:solidFill>
+                  <a:schemeClr val="tx1"/>
+                </a:solidFill>
+              </a:rPr>
+              <a:t>SemiFL</a:t>
+            </a:r>
+            <a:r>
+              <a:rPr lang="en-US" dirty="0">
+                <a:solidFill>
+                  <a:schemeClr val="tx1"/>
+                </a:solidFill>
+              </a:rPr>
+              <a:t> with the Baselines, SSL, FL, and SSFL methods. </a:t>
+            </a:r>
+            <a:r>
+              <a:rPr lang="en-US" dirty="0" err="1">
+                <a:solidFill>
+                  <a:schemeClr val="tx1"/>
+                </a:solidFill>
+              </a:rPr>
+              <a:t>SemiFL</a:t>
+            </a:r>
+            <a:r>
+              <a:rPr lang="en-US" dirty="0">
+                <a:solidFill>
+                  <a:schemeClr val="tx1"/>
+                </a:solidFill>
+              </a:rPr>
+              <a:t> improves the performance of the labeled server, </a:t>
+            </a:r>
+            <a:r>
+              <a:rPr lang="en-US" dirty="0" err="1">
+                <a:solidFill>
+                  <a:schemeClr val="tx1"/>
+                </a:solidFill>
+              </a:rPr>
+              <a:t>SemiFL</a:t>
+            </a:r>
+            <a:r>
+              <a:rPr lang="en-US" dirty="0">
+                <a:solidFill>
+                  <a:schemeClr val="tx1"/>
+                </a:solidFill>
+              </a:rPr>
+              <a:t> significantly outperforms the existing SSFL methods, and performs close to the state-of-the-art FL and SSL methods.</a:t>
+            </a:r>
+          </a:p>
+        </p:txBody>
+      </p:sp>
+      <p:sp>
+        <p:nvSpPr>
+          <p:cNvPr id="86" name="TextBox 54">
+            <a:extLst>
+              <a:ext uri="{FF2B5EF4-FFF2-40B4-BE49-F238E27FC236}">
+                <a16:creationId xmlns:a16="http://schemas.microsoft.com/office/drawing/2014/main" id="{CD514660-1989-2628-E3F4-9D817A42CB9A}"/>
+              </a:ext>
+            </a:extLst>
+          </p:cNvPr>
+          <p:cNvSpPr txBox="1"/>
+          <p:nvPr/>
+        </p:nvSpPr>
+        <p:spPr>
+          <a:xfrm>
+            <a:off x="22345948" y="15602361"/>
+            <a:ext cx="10217749" cy="492443"/>
+          </a:xfrm>
+          <a:prstGeom prst="rect">
+            <a:avLst/>
+          </a:prstGeom>
+          <a:ln w="12700">
+            <a:miter lim="400000"/>
+          </a:ln>
+          <a:extLst>
+            <a:ext uri="{C572A759-6A51-4108-AA02-DFA0A04FC94B}">
+              <ma14:wrappingTextBoxFlag xmlns:ma14="http://schemas.microsoft.com/office/mac/drawingml/2011/main" xmlns:a14="http://schemas.microsoft.com/office/drawing/2010/main" xmlns:m="http://schemas.openxmlformats.org/officeDocument/2006/math" xmlns="" val="1"/>
+            </a:ext>
+          </a:extLst>
+        </p:spPr>
+        <p:txBody>
+          <a:bodyPr wrap="square" lIns="45719" rIns="45719">
+            <a:spAutoFit/>
+          </a:bodyPr>
+          <a:lstStyle>
+            <a:lvl1pPr algn="ctr">
+              <a:defRPr sz="1300">
+                <a:solidFill>
+                  <a:srgbClr val="344854"/>
+                </a:solidFill>
+                <a:latin typeface="Arial"/>
+                <a:ea typeface="Arial"/>
+                <a:cs typeface="Arial"/>
+                <a:sym typeface="Arial"/>
+              </a:defRPr>
+            </a:lvl1pPr>
+          </a:lstStyle>
+          <a:p>
+            <a:r>
+              <a:rPr lang="en-US" b="1" dirty="0">
+                <a:solidFill>
+                  <a:schemeClr val="tx1"/>
+                </a:solidFill>
+                <a:latin typeface="Arial" panose="020B0604020202020204" pitchFamily="34" charset="0"/>
+                <a:cs typeface="Arial" panose="020B0604020202020204" pitchFamily="34" charset="0"/>
+              </a:rPr>
+              <a:t>Table 2</a:t>
+            </a:r>
+            <a:r>
+              <a:rPr lang="en-US" dirty="0">
+                <a:solidFill>
+                  <a:schemeClr val="tx1"/>
+                </a:solidFill>
+                <a:latin typeface="Arial" panose="020B0604020202020204" pitchFamily="34" charset="0"/>
+                <a:cs typeface="Arial" panose="020B0604020202020204" pitchFamily="34" charset="0"/>
+              </a:rPr>
+              <a:t>. </a:t>
+            </a:r>
+            <a:r>
+              <a:rPr lang="en-US" altLang="zh-CN" b="0" i="0" dirty="0">
+                <a:solidFill>
                   <a:srgbClr val="000000"/>
                 </a:solidFill>
                 <a:effectLst/>
-                <a:uFillTx/>
-              </a:defRPr>
-            </a:defPPr>
-            <a:lvl1pPr marL="0" marR="0" indent="0" algn="l" defTabSz="326532" rtl="0" fontAlgn="auto" latinLnBrk="0" hangingPunct="0">
+                <a:latin typeface="Arial" panose="020B0604020202020204" pitchFamily="34" charset="0"/>
+                <a:cs typeface="Arial" panose="020B0604020202020204" pitchFamily="34" charset="0"/>
+              </a:rPr>
+              <a:t>Ablation study on each component of alternative training with CIFAR10 dataset. The combination of “Fine-tune global model with labeled data” and “Generate pseudo-labels with global model” significantly improves the performance.</a:t>
+            </a:r>
+            <a:endParaRPr lang="en-US" dirty="0">
+              <a:solidFill>
+                <a:schemeClr val="tx1"/>
+              </a:solidFill>
+              <a:latin typeface="Arial" panose="020B0604020202020204" pitchFamily="34" charset="0"/>
+              <a:cs typeface="Arial" panose="020B0604020202020204" pitchFamily="34" charset="0"/>
+            </a:endParaRPr>
+          </a:p>
+        </p:txBody>
+      </p:sp>
+      <mc:AlternateContent xmlns:mc="http://schemas.openxmlformats.org/markup-compatibility/2006" xmlns:a14="http://schemas.microsoft.com/office/drawing/2010/main">
+        <mc:Choice Requires="a14">
+          <p:sp>
+            <p:nvSpPr>
+              <p:cNvPr id="87" name="TextBox 54">
+                <a:extLst>
+                  <a:ext uri="{FF2B5EF4-FFF2-40B4-BE49-F238E27FC236}">
+                    <a16:creationId xmlns:a16="http://schemas.microsoft.com/office/drawing/2014/main" id="{2E3C6157-D4D4-B230-2D0C-7FE7E7405729}"/>
+                  </a:ext>
+                </a:extLst>
+              </p:cNvPr>
+              <p:cNvSpPr txBox="1"/>
+              <p:nvPr/>
+            </p:nvSpPr>
+            <p:spPr>
+              <a:xfrm>
+                <a:off x="23071983" y="15256113"/>
+                <a:ext cx="9491714" cy="292388"/>
+              </a:xfrm>
+              <a:prstGeom prst="rect">
+                <a:avLst/>
+              </a:prstGeom>
+              <a:ln w="12700">
+                <a:miter lim="400000"/>
+              </a:ln>
+              <a:extLst>
+                <a:ext uri="{C572A759-6A51-4108-AA02-DFA0A04FC94B}">
+                  <ma14:wrappingTextBoxFlag xmlns:ma14="http://schemas.microsoft.com/office/mac/drawingml/2011/main" xmlns:m="http://schemas.openxmlformats.org/officeDocument/2006/math" xmlns="" val="1"/>
+                </a:ext>
+              </a:extLst>
+            </p:spPr>
+            <p:txBody>
+              <a:bodyPr wrap="square" lIns="45719" rIns="45719">
+                <a:spAutoFit/>
+              </a:bodyPr>
+              <a:lstStyle>
+                <a:lvl1pPr algn="ctr">
+                  <a:defRPr sz="1300">
+                    <a:solidFill>
+                      <a:srgbClr val="344854"/>
+                    </a:solidFill>
+                    <a:latin typeface="Arial"/>
+                    <a:ea typeface="Arial"/>
+                    <a:cs typeface="Arial"/>
+                    <a:sym typeface="Arial"/>
+                  </a:defRPr>
+                </a:lvl1pPr>
+              </a:lstStyle>
+              <a:p>
+                <a:r>
+                  <a:rPr lang="en-US" b="1" dirty="0">
+                    <a:solidFill>
+                      <a:schemeClr val="tx1"/>
+                    </a:solidFill>
+                    <a:latin typeface="Arial" panose="020B0604020202020204" pitchFamily="34" charset="0"/>
+                    <a:cs typeface="Arial" panose="020B0604020202020204" pitchFamily="34" charset="0"/>
+                  </a:rPr>
+                  <a:t>Figure 5</a:t>
+                </a:r>
+                <a:r>
+                  <a:rPr lang="en-US" dirty="0">
+                    <a:solidFill>
+                      <a:schemeClr val="tx1"/>
+                    </a:solidFill>
+                    <a:latin typeface="Arial" panose="020B0604020202020204" pitchFamily="34" charset="0"/>
+                    <a:cs typeface="Arial" panose="020B0604020202020204" pitchFamily="34" charset="0"/>
+                  </a:rPr>
+                  <a:t>. </a:t>
+                </a:r>
+                <a:r>
+                  <a:rPr lang="en-US" altLang="zh-CN" b="0" i="0" dirty="0">
+                    <a:solidFill>
+                      <a:srgbClr val="000000"/>
+                    </a:solidFill>
+                    <a:effectLst/>
+                    <a:latin typeface="Arial" panose="020B0604020202020204" pitchFamily="34" charset="0"/>
+                    <a:cs typeface="Arial" panose="020B0604020202020204" pitchFamily="34" charset="0"/>
+                  </a:rPr>
+                  <a:t>Results of CIFAR10 dataset with (a) </a:t>
+                </a:r>
+                <a14:m>
+                  <m:oMath xmlns:m="http://schemas.openxmlformats.org/officeDocument/2006/math">
+                    <m:sSub>
+                      <m:sSubPr>
+                        <m:ctrlPr>
+                          <a:rPr lang="zh-CN" altLang="zh-CN" i="1" smtClean="0">
+                            <a:effectLst/>
+                            <a:latin typeface="Cambria Math" panose="02040503050406030204" pitchFamily="18" charset="0"/>
+                            <a:ea typeface="Cambria Math" panose="02040503050406030204" pitchFamily="18" charset="0"/>
+                          </a:rPr>
+                        </m:ctrlPr>
+                      </m:sSubPr>
+                      <m:e>
+                        <m:r>
+                          <a:rPr lang="en-US" altLang="zh-CN" sz="1400" i="1">
+                            <a:effectLst/>
+                            <a:latin typeface="Cambria Math" panose="02040503050406030204" pitchFamily="18" charset="0"/>
+                            <a:ea typeface="等线" panose="02010600030101010101" pitchFamily="2" charset="-122"/>
+                            <a:cs typeface="Arial" panose="020B0604020202020204" pitchFamily="34" charset="0"/>
+                          </a:rPr>
+                          <m:t>𝑁</m:t>
+                        </m:r>
+                      </m:e>
+                      <m:sub>
+                        <m:r>
+                          <a:rPr lang="en-US" altLang="zh-CN" sz="1400" i="1">
+                            <a:effectLst/>
+                            <a:latin typeface="Cambria Math" panose="02040503050406030204" pitchFamily="18" charset="0"/>
+                            <a:ea typeface="等线" panose="02010600030101010101" pitchFamily="2" charset="-122"/>
+                            <a:cs typeface="Arial" panose="020B0604020202020204" pitchFamily="34" charset="0"/>
+                          </a:rPr>
+                          <m:t>𝒮</m:t>
+                        </m:r>
+                      </m:sub>
+                    </m:sSub>
+                    <m:r>
+                      <a:rPr lang="en-US" altLang="zh-CN" sz="1400" i="1">
+                        <a:effectLst/>
+                        <a:latin typeface="Cambria Math" panose="02040503050406030204" pitchFamily="18" charset="0"/>
+                        <a:ea typeface="等线" panose="02010600030101010101" pitchFamily="2" charset="-122"/>
+                        <a:cs typeface="Arial" panose="020B0604020202020204" pitchFamily="34" charset="0"/>
+                      </a:rPr>
+                      <m:t>=250</m:t>
+                    </m:r>
+                  </m:oMath>
+                </a14:m>
+                <a:r>
+                  <a:rPr lang="en-US" altLang="zh-CN" b="0" i="0" dirty="0">
+                    <a:solidFill>
+                      <a:srgbClr val="000000"/>
+                    </a:solidFill>
+                    <a:effectLst/>
+                    <a:latin typeface="Arial" panose="020B0604020202020204" pitchFamily="34" charset="0"/>
+                    <a:cs typeface="Arial" panose="020B0604020202020204" pitchFamily="34" charset="0"/>
+                  </a:rPr>
+                  <a:t> and (b) </a:t>
+                </a:r>
+                <a14:m>
+                  <m:oMath xmlns:m="http://schemas.openxmlformats.org/officeDocument/2006/math">
+                    <m:sSub>
+                      <m:sSubPr>
+                        <m:ctrlPr>
+                          <a:rPr lang="zh-CN" altLang="zh-CN" i="1">
+                            <a:latin typeface="Cambria Math" panose="02040503050406030204" pitchFamily="18" charset="0"/>
+                          </a:rPr>
+                        </m:ctrlPr>
+                      </m:sSubPr>
+                      <m:e>
+                        <m:r>
+                          <a:rPr lang="en-US" altLang="zh-CN" i="1">
+                            <a:latin typeface="Cambria Math" panose="02040503050406030204" pitchFamily="18" charset="0"/>
+                          </a:rPr>
+                          <m:t>𝑁</m:t>
+                        </m:r>
+                      </m:e>
+                      <m:sub>
+                        <m:r>
+                          <a:rPr lang="en-US" altLang="zh-CN" i="1">
+                            <a:latin typeface="Cambria Math" panose="02040503050406030204" pitchFamily="18" charset="0"/>
+                          </a:rPr>
+                          <m:t>𝒮</m:t>
+                        </m:r>
+                      </m:sub>
+                    </m:sSub>
+                    <m:r>
+                      <a:rPr lang="en-US" altLang="zh-CN" i="1">
+                        <a:latin typeface="Cambria Math" panose="02040503050406030204" pitchFamily="18" charset="0"/>
+                      </a:rPr>
+                      <m:t>=</m:t>
+                    </m:r>
+                    <m:r>
+                      <a:rPr lang="en-US" altLang="zh-CN" b="0" i="1" smtClean="0">
+                        <a:latin typeface="Cambria Math" panose="02040503050406030204" pitchFamily="18" charset="0"/>
+                      </a:rPr>
+                      <m:t>400</m:t>
+                    </m:r>
+                    <m:r>
+                      <a:rPr lang="en-US" altLang="zh-CN" i="1">
+                        <a:latin typeface="Cambria Math" panose="02040503050406030204" pitchFamily="18" charset="0"/>
+                      </a:rPr>
+                      <m:t>0</m:t>
+                    </m:r>
+                  </m:oMath>
+                </a14:m>
+                <a:r>
+                  <a:rPr lang="en-US" altLang="zh-CN" b="0" i="0" dirty="0">
+                    <a:solidFill>
+                      <a:srgbClr val="000000"/>
+                    </a:solidFill>
+                    <a:effectLst/>
+                    <a:latin typeface="Arial" panose="020B0604020202020204" pitchFamily="34" charset="0"/>
+                    <a:cs typeface="Arial" panose="020B0604020202020204" pitchFamily="34" charset="0"/>
+                  </a:rPr>
+                  <a:t>.</a:t>
+                </a:r>
+                <a:endParaRPr lang="en-US" dirty="0">
+                  <a:solidFill>
+                    <a:schemeClr val="tx1"/>
+                  </a:solidFill>
+                  <a:latin typeface="Arial" panose="020B0604020202020204" pitchFamily="34" charset="0"/>
+                  <a:cs typeface="Arial" panose="020B0604020202020204" pitchFamily="34" charset="0"/>
+                </a:endParaRPr>
+              </a:p>
+            </p:txBody>
+          </p:sp>
+        </mc:Choice>
+        <mc:Fallback xmlns="">
+          <p:sp>
+            <p:nvSpPr>
+              <p:cNvPr id="87" name="TextBox 54">
+                <a:extLst>
+                  <a:ext uri="{FF2B5EF4-FFF2-40B4-BE49-F238E27FC236}">
+                    <a16:creationId xmlns:a16="http://schemas.microsoft.com/office/drawing/2014/main" id="{2E3C6157-D4D4-B230-2D0C-7FE7E7405729}"/>
+                  </a:ext>
+                </a:extLst>
+              </p:cNvPr>
+              <p:cNvSpPr txBox="1">
+                <a:spLocks noRot="1" noChangeAspect="1" noMove="1" noResize="1" noEditPoints="1" noAdjustHandles="1" noChangeArrowheads="1" noChangeShapeType="1" noTextEdit="1"/>
+              </p:cNvSpPr>
+              <p:nvPr/>
+            </p:nvSpPr>
+            <p:spPr>
+              <a:xfrm>
+                <a:off x="23071983" y="15256113"/>
+                <a:ext cx="9491714" cy="292388"/>
+              </a:xfrm>
+              <a:prstGeom prst="rect">
+                <a:avLst/>
+              </a:prstGeom>
+              <a:blipFill>
+                <a:blip r:embed="rId22"/>
+                <a:stretch>
+                  <a:fillRect t="-2083" b="-16667"/>
+                </a:stretch>
+              </a:blipFill>
+              <a:ln w="12700">
+                <a:miter lim="400000"/>
+              </a:ln>
+              <a:extLst>
+                <a:ext uri="{C572A759-6A51-4108-AA02-DFA0A04FC94B}">
+                  <ma14:wrappingTextBoxFlag xmlns="" xmlns:m="http://schemas.openxmlformats.org/officeDocument/2006/math" xmlns:a14="http://schemas.microsoft.com/office/drawing/2010/main" xmlns:ma14="http://schemas.microsoft.com/office/mac/drawingml/2011/main" val="1"/>
+                </a:ext>
+              </a:extLst>
+            </p:spPr>
+            <p:txBody>
+              <a:bodyPr/>
+              <a:lstStyle/>
+              <a:p>
+                <a:r>
+                  <a:rPr lang="zh-CN" altLang="en-US">
+                    <a:noFill/>
+                  </a:rPr>
+                  <a:t> </a:t>
+                </a:r>
+              </a:p>
+            </p:txBody>
+          </p:sp>
+        </mc:Fallback>
+      </mc:AlternateContent>
+      <p:sp>
+        <p:nvSpPr>
+          <p:cNvPr id="89" name="矩形: 圆角 88">
+            <a:extLst>
+              <a:ext uri="{FF2B5EF4-FFF2-40B4-BE49-F238E27FC236}">
+                <a16:creationId xmlns:a16="http://schemas.microsoft.com/office/drawing/2014/main" id="{35D6403B-F004-367D-679E-DA518147A41E}"/>
+              </a:ext>
+            </a:extLst>
+          </p:cNvPr>
+          <p:cNvSpPr/>
+          <p:nvPr/>
+        </p:nvSpPr>
+        <p:spPr>
+          <a:xfrm>
+            <a:off x="150639" y="3625198"/>
+            <a:ext cx="11240926" cy="6187513"/>
+          </a:xfrm>
+          <a:prstGeom prst="roundRect">
+            <a:avLst>
+              <a:gd name="adj" fmla="val 5306"/>
+            </a:avLst>
+          </a:prstGeom>
+          <a:noFill/>
+          <a:ln w="76200" cap="flat">
+            <a:solidFill>
+              <a:schemeClr val="accent5"/>
+            </a:solidFill>
+            <a:prstDash val="solid"/>
+            <a:miter lim="800000"/>
+          </a:ln>
+          <a:effectLst/>
+          <a:sp3d/>
+        </p:spPr>
+        <p:style>
+          <a:lnRef idx="0">
+            <a:scrgbClr r="0" g="0" b="0"/>
+          </a:lnRef>
+          <a:fillRef idx="0">
+            <a:scrgbClr r="0" g="0" b="0"/>
+          </a:fillRef>
+          <a:effectRef idx="0">
+            <a:scrgbClr r="0" g="0" b="0"/>
+          </a:effectRef>
+          <a:fontRef idx="none"/>
+        </p:style>
+        <p:txBody>
+          <a:bodyPr rot="0" spcFirstLastPara="1" vertOverflow="overflow" horzOverflow="overflow" vert="horz" wrap="square" lIns="45719" tIns="45719" rIns="45719" bIns="45719" numCol="1" spcCol="38100" rtlCol="0" anchor="ctr">
+            <a:spAutoFit/>
+          </a:bodyPr>
+          <a:lstStyle/>
+          <a:p>
+            <a:pPr marL="0" marR="0" indent="0" algn="l" defTabSz="326532" rtl="0" fontAlgn="auto" latinLnBrk="0" hangingPunct="0">
               <a:lnSpc>
                 <a:spcPct val="100000"/>
               </a:lnSpc>
@@ -3148,22 +6044,76 @@
               <a:buFontTx/>
               <a:buNone/>
               <a:tabLst/>
-              <a:defRPr kumimoji="0" sz="1200" b="0" i="0" u="none" strike="noStrike" cap="none" spc="0" normalizeH="0" baseline="0">
-                <a:ln>
-                  <a:noFill/>
-                </a:ln>
-                <a:solidFill>
-                  <a:srgbClr val="000000"/>
-                </a:solidFill>
-                <a:effectLst/>
-                <a:uFillTx/>
-                <a:latin typeface="+mn-lt"/>
-                <a:ea typeface="+mn-ea"/>
-                <a:cs typeface="+mn-cs"/>
-                <a:sym typeface="Calibri"/>
-              </a:defRPr>
-            </a:lvl1pPr>
-            <a:lvl2pPr marL="0" marR="0" indent="326532" algn="l" defTabSz="326532" rtl="0" fontAlgn="auto" latinLnBrk="0" hangingPunct="0">
+            </a:pPr>
+            <a:endParaRPr kumimoji="0" lang="zh-CN" altLang="en-US" sz="1200" b="0" i="0" u="none" strike="noStrike" cap="none" spc="0" normalizeH="0" baseline="0">
+              <a:ln>
+                <a:noFill/>
+              </a:ln>
+              <a:solidFill>
+                <a:srgbClr val="000000"/>
+              </a:solidFill>
+              <a:effectLst/>
+              <a:uFillTx/>
+              <a:latin typeface="+mn-lt"/>
+              <a:ea typeface="+mn-ea"/>
+              <a:cs typeface="+mn-cs"/>
+              <a:sym typeface="Calibri"/>
+            </a:endParaRPr>
+          </a:p>
+        </p:txBody>
+      </p:sp>
+      <p:sp>
+        <p:nvSpPr>
+          <p:cNvPr id="90" name="矩形: 圆角 89">
+            <a:extLst>
+              <a:ext uri="{FF2B5EF4-FFF2-40B4-BE49-F238E27FC236}">
+                <a16:creationId xmlns:a16="http://schemas.microsoft.com/office/drawing/2014/main" id="{0AA97E90-1F0E-BFBF-7A8A-1A39BA3DEBFB}"/>
+              </a:ext>
+            </a:extLst>
+          </p:cNvPr>
+          <p:cNvSpPr/>
+          <p:nvPr/>
+        </p:nvSpPr>
+        <p:spPr>
+          <a:xfrm>
+            <a:off x="150639" y="9954085"/>
+            <a:ext cx="11240926" cy="9818634"/>
+          </a:xfrm>
+          <a:prstGeom prst="roundRect">
+            <a:avLst>
+              <a:gd name="adj" fmla="val 4123"/>
+            </a:avLst>
+          </a:prstGeom>
+          <a:noFill/>
+          <a:ln w="76200" cap="flat">
+            <a:solidFill>
+              <a:schemeClr val="accent5"/>
+            </a:solidFill>
+            <a:prstDash val="solid"/>
+            <a:miter lim="800000"/>
+          </a:ln>
+          <a:effectLst/>
+          <a:sp3d/>
+        </p:spPr>
+        <p:style>
+          <a:lnRef idx="0">
+            <a:scrgbClr r="0" g="0" b="0"/>
+          </a:lnRef>
+          <a:fillRef idx="0">
+            <a:scrgbClr r="0" g="0" b="0"/>
+          </a:fillRef>
+          <a:effectRef idx="0">
+            <a:scrgbClr r="0" g="0" b="0"/>
+          </a:effectRef>
+          <a:fontRef idx="none"/>
+        </p:style>
+        <p:txBody>
+          <a:bodyPr rot="0" spcFirstLastPara="1" vertOverflow="overflow" horzOverflow="overflow" vert="horz" wrap="square" lIns="45719" tIns="45719" rIns="45719" bIns="45719" numCol="1" spcCol="38100" rtlCol="0" anchor="ctr">
+            <a:spAutoFit/>
+          </a:bodyPr>
+          <a:lstStyle/>
+          <a:p>
+            <a:pPr marL="0" marR="0" indent="0" algn="l" defTabSz="326532" rtl="0" fontAlgn="auto" latinLnBrk="0" hangingPunct="0">
               <a:lnSpc>
                 <a:spcPct val="100000"/>
               </a:lnSpc>
@@ -3178,22 +6128,76 @@
               <a:buFontTx/>
               <a:buNone/>
               <a:tabLst/>
-              <a:defRPr kumimoji="0" sz="1200" b="0" i="0" u="none" strike="noStrike" cap="none" spc="0" normalizeH="0" baseline="0">
-                <a:ln>
-                  <a:noFill/>
-                </a:ln>
-                <a:solidFill>
-                  <a:srgbClr val="000000"/>
-                </a:solidFill>
-                <a:effectLst/>
-                <a:uFillTx/>
-                <a:latin typeface="+mn-lt"/>
-                <a:ea typeface="+mn-ea"/>
-                <a:cs typeface="+mn-cs"/>
-                <a:sym typeface="Calibri"/>
-              </a:defRPr>
-            </a:lvl2pPr>
-            <a:lvl3pPr marL="0" marR="0" indent="653064" algn="l" defTabSz="326532" rtl="0" fontAlgn="auto" latinLnBrk="0" hangingPunct="0">
+            </a:pPr>
+            <a:endParaRPr kumimoji="0" lang="zh-CN" altLang="en-US" sz="1200" b="0" i="0" u="none" strike="noStrike" cap="none" spc="0" normalizeH="0" baseline="0">
+              <a:ln>
+                <a:noFill/>
+              </a:ln>
+              <a:solidFill>
+                <a:srgbClr val="000000"/>
+              </a:solidFill>
+              <a:effectLst/>
+              <a:uFillTx/>
+              <a:latin typeface="+mn-lt"/>
+              <a:ea typeface="+mn-ea"/>
+              <a:cs typeface="+mn-cs"/>
+              <a:sym typeface="Calibri"/>
+            </a:endParaRPr>
+          </a:p>
+        </p:txBody>
+      </p:sp>
+      <p:sp>
+        <p:nvSpPr>
+          <p:cNvPr id="91" name="矩形: 圆角 90">
+            <a:extLst>
+              <a:ext uri="{FF2B5EF4-FFF2-40B4-BE49-F238E27FC236}">
+                <a16:creationId xmlns:a16="http://schemas.microsoft.com/office/drawing/2014/main" id="{BD10CCE4-AA74-97D6-1E54-A1C7CFA236D9}"/>
+              </a:ext>
+            </a:extLst>
+          </p:cNvPr>
+          <p:cNvSpPr/>
+          <p:nvPr/>
+        </p:nvSpPr>
+        <p:spPr>
+          <a:xfrm>
+            <a:off x="11599061" y="3625198"/>
+            <a:ext cx="10422159" cy="17964955"/>
+          </a:xfrm>
+          <a:prstGeom prst="roundRect">
+            <a:avLst>
+              <a:gd name="adj" fmla="val 3170"/>
+            </a:avLst>
+          </a:prstGeom>
+          <a:noFill/>
+          <a:ln w="76200" cap="flat">
+            <a:solidFill>
+              <a:schemeClr val="accent5"/>
+            </a:solidFill>
+            <a:prstDash val="solid"/>
+            <a:miter lim="800000"/>
+          </a:ln>
+          <a:effectLst/>
+          <a:sp3d/>
+        </p:spPr>
+        <p:style>
+          <a:lnRef idx="0">
+            <a:scrgbClr r="0" g="0" b="0"/>
+          </a:lnRef>
+          <a:fillRef idx="0">
+            <a:scrgbClr r="0" g="0" b="0"/>
+          </a:fillRef>
+          <a:effectRef idx="0">
+            <a:scrgbClr r="0" g="0" b="0"/>
+          </a:effectRef>
+          <a:fontRef idx="none"/>
+        </p:style>
+        <p:txBody>
+          <a:bodyPr rot="0" spcFirstLastPara="1" vertOverflow="overflow" horzOverflow="overflow" vert="horz" wrap="square" lIns="45719" tIns="45719" rIns="45719" bIns="45719" numCol="1" spcCol="38100" rtlCol="0" anchor="ctr">
+            <a:spAutoFit/>
+          </a:bodyPr>
+          <a:lstStyle/>
+          <a:p>
+            <a:pPr marL="0" marR="0" indent="0" algn="l" defTabSz="326532" rtl="0" fontAlgn="auto" latinLnBrk="0" hangingPunct="0">
               <a:lnSpc>
                 <a:spcPct val="100000"/>
               </a:lnSpc>
@@ -3208,22 +6212,76 @@
               <a:buFontTx/>
               <a:buNone/>
               <a:tabLst/>
-              <a:defRPr kumimoji="0" sz="1200" b="0" i="0" u="none" strike="noStrike" cap="none" spc="0" normalizeH="0" baseline="0">
-                <a:ln>
-                  <a:noFill/>
-                </a:ln>
-                <a:solidFill>
-                  <a:srgbClr val="000000"/>
-                </a:solidFill>
-                <a:effectLst/>
-                <a:uFillTx/>
-                <a:latin typeface="+mn-lt"/>
-                <a:ea typeface="+mn-ea"/>
-                <a:cs typeface="+mn-cs"/>
-                <a:sym typeface="Calibri"/>
-              </a:defRPr>
-            </a:lvl3pPr>
-            <a:lvl4pPr marL="0" marR="0" indent="979596" algn="l" defTabSz="326532" rtl="0" fontAlgn="auto" latinLnBrk="0" hangingPunct="0">
+            </a:pPr>
+            <a:endParaRPr kumimoji="0" lang="zh-CN" altLang="en-US" sz="1200" b="0" i="0" u="none" strike="noStrike" cap="none" spc="0" normalizeH="0" baseline="0">
+              <a:ln>
+                <a:noFill/>
+              </a:ln>
+              <a:solidFill>
+                <a:srgbClr val="000000"/>
+              </a:solidFill>
+              <a:effectLst/>
+              <a:uFillTx/>
+              <a:latin typeface="+mn-lt"/>
+              <a:ea typeface="+mn-ea"/>
+              <a:cs typeface="+mn-cs"/>
+              <a:sym typeface="Calibri"/>
+            </a:endParaRPr>
+          </a:p>
+        </p:txBody>
+      </p:sp>
+      <p:sp>
+        <p:nvSpPr>
+          <p:cNvPr id="93" name="矩形: 圆角 92">
+            <a:extLst>
+              <a:ext uri="{FF2B5EF4-FFF2-40B4-BE49-F238E27FC236}">
+                <a16:creationId xmlns:a16="http://schemas.microsoft.com/office/drawing/2014/main" id="{0D59084A-4BB9-EA0C-464D-96BEFA15D704}"/>
+              </a:ext>
+            </a:extLst>
+          </p:cNvPr>
+          <p:cNvSpPr/>
+          <p:nvPr/>
+        </p:nvSpPr>
+        <p:spPr>
+          <a:xfrm>
+            <a:off x="22232623" y="3625198"/>
+            <a:ext cx="10505365" cy="14615794"/>
+          </a:xfrm>
+          <a:prstGeom prst="roundRect">
+            <a:avLst>
+              <a:gd name="adj" fmla="val 3293"/>
+            </a:avLst>
+          </a:prstGeom>
+          <a:noFill/>
+          <a:ln w="76200" cap="flat">
+            <a:solidFill>
+              <a:schemeClr val="accent5"/>
+            </a:solidFill>
+            <a:prstDash val="solid"/>
+            <a:miter lim="800000"/>
+          </a:ln>
+          <a:effectLst/>
+          <a:sp3d/>
+        </p:spPr>
+        <p:style>
+          <a:lnRef idx="0">
+            <a:scrgbClr r="0" g="0" b="0"/>
+          </a:lnRef>
+          <a:fillRef idx="0">
+            <a:scrgbClr r="0" g="0" b="0"/>
+          </a:fillRef>
+          <a:effectRef idx="0">
+            <a:scrgbClr r="0" g="0" b="0"/>
+          </a:effectRef>
+          <a:fontRef idx="none"/>
+        </p:style>
+        <p:txBody>
+          <a:bodyPr rot="0" spcFirstLastPara="1" vertOverflow="overflow" horzOverflow="overflow" vert="horz" wrap="square" lIns="45719" tIns="45719" rIns="45719" bIns="45719" numCol="1" spcCol="38100" rtlCol="0" anchor="ctr">
+            <a:spAutoFit/>
+          </a:bodyPr>
+          <a:lstStyle/>
+          <a:p>
+            <a:pPr marL="0" marR="0" indent="0" algn="l" defTabSz="326532" rtl="0" fontAlgn="auto" latinLnBrk="0" hangingPunct="0">
               <a:lnSpc>
                 <a:spcPct val="100000"/>
               </a:lnSpc>
@@ -3238,847 +6296,24 @@
               <a:buFontTx/>
               <a:buNone/>
               <a:tabLst/>
-              <a:defRPr kumimoji="0" sz="1200" b="0" i="0" u="none" strike="noStrike" cap="none" spc="0" normalizeH="0" baseline="0">
-                <a:ln>
-                  <a:noFill/>
-                </a:ln>
-                <a:solidFill>
-                  <a:srgbClr val="000000"/>
-                </a:solidFill>
-                <a:effectLst/>
-                <a:uFillTx/>
-                <a:latin typeface="+mn-lt"/>
-                <a:ea typeface="+mn-ea"/>
-                <a:cs typeface="+mn-cs"/>
-                <a:sym typeface="Calibri"/>
-              </a:defRPr>
-            </a:lvl4pPr>
-            <a:lvl5pPr marL="0" marR="0" indent="1306128" algn="l" defTabSz="326532" rtl="0" fontAlgn="auto" latinLnBrk="0" hangingPunct="0">
-              <a:lnSpc>
-                <a:spcPct val="100000"/>
-              </a:lnSpc>
-              <a:spcBef>
-                <a:spcPts val="0"/>
-              </a:spcBef>
-              <a:spcAft>
-                <a:spcPts val="0"/>
-              </a:spcAft>
-              <a:buClrTx/>
-              <a:buSzTx/>
-              <a:buFontTx/>
-              <a:buNone/>
-              <a:tabLst/>
-              <a:defRPr kumimoji="0" sz="1200" b="0" i="0" u="none" strike="noStrike" cap="none" spc="0" normalizeH="0" baseline="0">
-                <a:ln>
-                  <a:noFill/>
-                </a:ln>
-                <a:solidFill>
-                  <a:srgbClr val="000000"/>
-                </a:solidFill>
-                <a:effectLst/>
-                <a:uFillTx/>
-                <a:latin typeface="+mn-lt"/>
-                <a:ea typeface="+mn-ea"/>
-                <a:cs typeface="+mn-cs"/>
-                <a:sym typeface="Calibri"/>
-              </a:defRPr>
-            </a:lvl5pPr>
-            <a:lvl6pPr marL="0" marR="0" indent="1632661" algn="l" defTabSz="326532" rtl="0" fontAlgn="auto" latinLnBrk="0" hangingPunct="0">
-              <a:lnSpc>
-                <a:spcPct val="100000"/>
-              </a:lnSpc>
-              <a:spcBef>
-                <a:spcPts val="0"/>
-              </a:spcBef>
-              <a:spcAft>
-                <a:spcPts val="0"/>
-              </a:spcAft>
-              <a:buClrTx/>
-              <a:buSzTx/>
-              <a:buFontTx/>
-              <a:buNone/>
-              <a:tabLst/>
-              <a:defRPr kumimoji="0" sz="1200" b="0" i="0" u="none" strike="noStrike" cap="none" spc="0" normalizeH="0" baseline="0">
-                <a:ln>
-                  <a:noFill/>
-                </a:ln>
-                <a:solidFill>
-                  <a:srgbClr val="000000"/>
-                </a:solidFill>
-                <a:effectLst/>
-                <a:uFillTx/>
-                <a:latin typeface="+mn-lt"/>
-                <a:ea typeface="+mn-ea"/>
-                <a:cs typeface="+mn-cs"/>
-                <a:sym typeface="Calibri"/>
-              </a:defRPr>
-            </a:lvl6pPr>
-            <a:lvl7pPr marL="0" marR="0" indent="1959193" algn="l" defTabSz="326532" rtl="0" fontAlgn="auto" latinLnBrk="0" hangingPunct="0">
-              <a:lnSpc>
-                <a:spcPct val="100000"/>
-              </a:lnSpc>
-              <a:spcBef>
-                <a:spcPts val="0"/>
-              </a:spcBef>
-              <a:spcAft>
-                <a:spcPts val="0"/>
-              </a:spcAft>
-              <a:buClrTx/>
-              <a:buSzTx/>
-              <a:buFontTx/>
-              <a:buNone/>
-              <a:tabLst/>
-              <a:defRPr kumimoji="0" sz="1200" b="0" i="0" u="none" strike="noStrike" cap="none" spc="0" normalizeH="0" baseline="0">
-                <a:ln>
-                  <a:noFill/>
-                </a:ln>
-                <a:solidFill>
-                  <a:srgbClr val="000000"/>
-                </a:solidFill>
-                <a:effectLst/>
-                <a:uFillTx/>
-                <a:latin typeface="+mn-lt"/>
-                <a:ea typeface="+mn-ea"/>
-                <a:cs typeface="+mn-cs"/>
-                <a:sym typeface="Calibri"/>
-              </a:defRPr>
-            </a:lvl7pPr>
-            <a:lvl8pPr marL="0" marR="0" indent="2285725" algn="l" defTabSz="326532" rtl="0" fontAlgn="auto" latinLnBrk="0" hangingPunct="0">
-              <a:lnSpc>
-                <a:spcPct val="100000"/>
-              </a:lnSpc>
-              <a:spcBef>
-                <a:spcPts val="0"/>
-              </a:spcBef>
-              <a:spcAft>
-                <a:spcPts val="0"/>
-              </a:spcAft>
-              <a:buClrTx/>
-              <a:buSzTx/>
-              <a:buFontTx/>
-              <a:buNone/>
-              <a:tabLst/>
-              <a:defRPr kumimoji="0" sz="1200" b="0" i="0" u="none" strike="noStrike" cap="none" spc="0" normalizeH="0" baseline="0">
-                <a:ln>
-                  <a:noFill/>
-                </a:ln>
-                <a:solidFill>
-                  <a:srgbClr val="000000"/>
-                </a:solidFill>
-                <a:effectLst/>
-                <a:uFillTx/>
-                <a:latin typeface="+mn-lt"/>
-                <a:ea typeface="+mn-ea"/>
-                <a:cs typeface="+mn-cs"/>
-                <a:sym typeface="Calibri"/>
-              </a:defRPr>
-            </a:lvl8pPr>
-            <a:lvl9pPr marL="0" marR="0" indent="2612257" algn="l" defTabSz="326532" rtl="0" fontAlgn="auto" latinLnBrk="0" hangingPunct="0">
-              <a:lnSpc>
-                <a:spcPct val="100000"/>
-              </a:lnSpc>
-              <a:spcBef>
-                <a:spcPts val="0"/>
-              </a:spcBef>
-              <a:spcAft>
-                <a:spcPts val="0"/>
-              </a:spcAft>
-              <a:buClrTx/>
-              <a:buSzTx/>
-              <a:buFontTx/>
-              <a:buNone/>
-              <a:tabLst/>
-              <a:defRPr kumimoji="0" sz="1200" b="0" i="0" u="none" strike="noStrike" cap="none" spc="0" normalizeH="0" baseline="0">
-                <a:ln>
-                  <a:noFill/>
-                </a:ln>
-                <a:solidFill>
-                  <a:srgbClr val="000000"/>
-                </a:solidFill>
-                <a:effectLst/>
-                <a:uFillTx/>
-                <a:latin typeface="+mn-lt"/>
-                <a:ea typeface="+mn-ea"/>
-                <a:cs typeface="+mn-cs"/>
-                <a:sym typeface="Calibri"/>
-              </a:defRPr>
-            </a:lvl9pPr>
-          </a:lstStyle>
-          <a:p>
-            <a:r>
-              <a:rPr sz="2400" dirty="0"/>
-              <a:t>References</a:t>
-            </a:r>
-            <a:endParaRPr dirty="0"/>
-          </a:p>
-        </p:txBody>
-      </p:sp>
-      <p:sp>
-        <p:nvSpPr>
-          <p:cNvPr id="71" name="TextBox 61">
-            <a:extLst>
-              <a:ext uri="{FF2B5EF4-FFF2-40B4-BE49-F238E27FC236}">
-                <a16:creationId xmlns:a16="http://schemas.microsoft.com/office/drawing/2014/main" id="{8F1D1702-4D9E-4F90-AFA9-752151F810DB}"/>
-              </a:ext>
-            </a:extLst>
-          </p:cNvPr>
-          <p:cNvSpPr txBox="1"/>
-          <p:nvPr/>
-        </p:nvSpPr>
-        <p:spPr>
-          <a:xfrm>
-            <a:off x="22641285" y="20620545"/>
-            <a:ext cx="9643588" cy="1179618"/>
-          </a:xfrm>
-          <a:prstGeom prst="rect">
-            <a:avLst/>
-          </a:prstGeom>
-          <a:ln w="12700">
-            <a:miter lim="400000"/>
-          </a:ln>
-          <a:extLst>
-            <a:ext uri="{C572A759-6A51-4108-AA02-DFA0A04FC94B}">
-              <ma14:wrappingTextBoxFlag xmlns:lc="http://schemas.openxmlformats.org/drawingml/2006/lockedCanvas" xmlns="" xmlns:m="http://schemas.openxmlformats.org/officeDocument/2006/math" xmlns:a14="http://schemas.microsoft.com/office/drawing/2010/main" xmlns:ma14="http://schemas.microsoft.com/office/mac/drawingml/2011/main" val="1"/>
-            </a:ext>
-          </a:extLst>
-        </p:spPr>
-        <p:txBody>
-          <a:bodyPr wrap="square" lIns="45719" rIns="45719" anchor="b">
-            <a:spAutoFit/>
-          </a:bodyPr>
-          <a:lstStyle>
-            <a:defPPr marL="0" marR="0" indent="0" algn="l" defTabSz="914400" rtl="0" fontAlgn="auto" latinLnBrk="1" hangingPunct="0">
-              <a:lnSpc>
-                <a:spcPct val="100000"/>
-              </a:lnSpc>
-              <a:spcBef>
-                <a:spcPts val="0"/>
-              </a:spcBef>
-              <a:spcAft>
-                <a:spcPts val="0"/>
-              </a:spcAft>
-              <a:buClrTx/>
-              <a:buSzTx/>
-              <a:buFontTx/>
-              <a:buNone/>
-              <a:tabLst/>
-              <a:defRPr kumimoji="0" sz="1800" b="0" i="0" u="none" strike="noStrike" cap="none" spc="0" normalizeH="0" baseline="0">
-                <a:ln>
-                  <a:noFill/>
-                </a:ln>
-                <a:solidFill>
-                  <a:srgbClr val="000000"/>
-                </a:solidFill>
-                <a:effectLst/>
-                <a:uFillTx/>
-              </a:defRPr>
-            </a:defPPr>
-            <a:lvl1pPr marL="0" marR="0" indent="0" algn="l" defTabSz="326532" rtl="0" fontAlgn="auto" latinLnBrk="0" hangingPunct="0">
-              <a:lnSpc>
-                <a:spcPct val="100000"/>
-              </a:lnSpc>
-              <a:spcBef>
-                <a:spcPts val="0"/>
-              </a:spcBef>
-              <a:spcAft>
-                <a:spcPts val="0"/>
-              </a:spcAft>
-              <a:buClrTx/>
-              <a:buSzTx/>
-              <a:buFontTx/>
-              <a:buNone/>
-              <a:tabLst/>
-              <a:defRPr kumimoji="0" sz="1200" b="0" i="0" u="none" strike="noStrike" cap="none" spc="0" normalizeH="0" baseline="0">
-                <a:ln>
-                  <a:noFill/>
-                </a:ln>
-                <a:solidFill>
-                  <a:srgbClr val="000000"/>
-                </a:solidFill>
-                <a:effectLst/>
-                <a:uFillTx/>
-                <a:latin typeface="+mn-lt"/>
-                <a:ea typeface="+mn-ea"/>
-                <a:cs typeface="+mn-cs"/>
-                <a:sym typeface="Calibri"/>
-              </a:defRPr>
-            </a:lvl1pPr>
-            <a:lvl2pPr marL="0" marR="0" indent="326532" algn="l" defTabSz="326532" rtl="0" fontAlgn="auto" latinLnBrk="0" hangingPunct="0">
-              <a:lnSpc>
-                <a:spcPct val="100000"/>
-              </a:lnSpc>
-              <a:spcBef>
-                <a:spcPts val="0"/>
-              </a:spcBef>
-              <a:spcAft>
-                <a:spcPts val="0"/>
-              </a:spcAft>
-              <a:buClrTx/>
-              <a:buSzTx/>
-              <a:buFontTx/>
-              <a:buNone/>
-              <a:tabLst/>
-              <a:defRPr kumimoji="0" sz="1200" b="0" i="0" u="none" strike="noStrike" cap="none" spc="0" normalizeH="0" baseline="0">
-                <a:ln>
-                  <a:noFill/>
-                </a:ln>
-                <a:solidFill>
-                  <a:srgbClr val="000000"/>
-                </a:solidFill>
-                <a:effectLst/>
-                <a:uFillTx/>
-                <a:latin typeface="+mn-lt"/>
-                <a:ea typeface="+mn-ea"/>
-                <a:cs typeface="+mn-cs"/>
-                <a:sym typeface="Calibri"/>
-              </a:defRPr>
-            </a:lvl2pPr>
-            <a:lvl3pPr marL="0" marR="0" indent="653064" algn="l" defTabSz="326532" rtl="0" fontAlgn="auto" latinLnBrk="0" hangingPunct="0">
-              <a:lnSpc>
-                <a:spcPct val="100000"/>
-              </a:lnSpc>
-              <a:spcBef>
-                <a:spcPts val="0"/>
-              </a:spcBef>
-              <a:spcAft>
-                <a:spcPts val="0"/>
-              </a:spcAft>
-              <a:buClrTx/>
-              <a:buSzTx/>
-              <a:buFontTx/>
-              <a:buNone/>
-              <a:tabLst/>
-              <a:defRPr kumimoji="0" sz="1200" b="0" i="0" u="none" strike="noStrike" cap="none" spc="0" normalizeH="0" baseline="0">
-                <a:ln>
-                  <a:noFill/>
-                </a:ln>
-                <a:solidFill>
-                  <a:srgbClr val="000000"/>
-                </a:solidFill>
-                <a:effectLst/>
-                <a:uFillTx/>
-                <a:latin typeface="+mn-lt"/>
-                <a:ea typeface="+mn-ea"/>
-                <a:cs typeface="+mn-cs"/>
-                <a:sym typeface="Calibri"/>
-              </a:defRPr>
-            </a:lvl3pPr>
-            <a:lvl4pPr marL="0" marR="0" indent="979596" algn="l" defTabSz="326532" rtl="0" fontAlgn="auto" latinLnBrk="0" hangingPunct="0">
-              <a:lnSpc>
-                <a:spcPct val="100000"/>
-              </a:lnSpc>
-              <a:spcBef>
-                <a:spcPts val="0"/>
-              </a:spcBef>
-              <a:spcAft>
-                <a:spcPts val="0"/>
-              </a:spcAft>
-              <a:buClrTx/>
-              <a:buSzTx/>
-              <a:buFontTx/>
-              <a:buNone/>
-              <a:tabLst/>
-              <a:defRPr kumimoji="0" sz="1200" b="0" i="0" u="none" strike="noStrike" cap="none" spc="0" normalizeH="0" baseline="0">
-                <a:ln>
-                  <a:noFill/>
-                </a:ln>
-                <a:solidFill>
-                  <a:srgbClr val="000000"/>
-                </a:solidFill>
-                <a:effectLst/>
-                <a:uFillTx/>
-                <a:latin typeface="+mn-lt"/>
-                <a:ea typeface="+mn-ea"/>
-                <a:cs typeface="+mn-cs"/>
-                <a:sym typeface="Calibri"/>
-              </a:defRPr>
-            </a:lvl4pPr>
-            <a:lvl5pPr marL="0" marR="0" indent="1306128" algn="l" defTabSz="326532" rtl="0" fontAlgn="auto" latinLnBrk="0" hangingPunct="0">
-              <a:lnSpc>
-                <a:spcPct val="100000"/>
-              </a:lnSpc>
-              <a:spcBef>
-                <a:spcPts val="0"/>
-              </a:spcBef>
-              <a:spcAft>
-                <a:spcPts val="0"/>
-              </a:spcAft>
-              <a:buClrTx/>
-              <a:buSzTx/>
-              <a:buFontTx/>
-              <a:buNone/>
-              <a:tabLst/>
-              <a:defRPr kumimoji="0" sz="1200" b="0" i="0" u="none" strike="noStrike" cap="none" spc="0" normalizeH="0" baseline="0">
-                <a:ln>
-                  <a:noFill/>
-                </a:ln>
-                <a:solidFill>
-                  <a:srgbClr val="000000"/>
-                </a:solidFill>
-                <a:effectLst/>
-                <a:uFillTx/>
-                <a:latin typeface="+mn-lt"/>
-                <a:ea typeface="+mn-ea"/>
-                <a:cs typeface="+mn-cs"/>
-                <a:sym typeface="Calibri"/>
-              </a:defRPr>
-            </a:lvl5pPr>
-            <a:lvl6pPr marL="0" marR="0" indent="1632661" algn="l" defTabSz="326532" rtl="0" fontAlgn="auto" latinLnBrk="0" hangingPunct="0">
-              <a:lnSpc>
-                <a:spcPct val="100000"/>
-              </a:lnSpc>
-              <a:spcBef>
-                <a:spcPts val="0"/>
-              </a:spcBef>
-              <a:spcAft>
-                <a:spcPts val="0"/>
-              </a:spcAft>
-              <a:buClrTx/>
-              <a:buSzTx/>
-              <a:buFontTx/>
-              <a:buNone/>
-              <a:tabLst/>
-              <a:defRPr kumimoji="0" sz="1200" b="0" i="0" u="none" strike="noStrike" cap="none" spc="0" normalizeH="0" baseline="0">
-                <a:ln>
-                  <a:noFill/>
-                </a:ln>
-                <a:solidFill>
-                  <a:srgbClr val="000000"/>
-                </a:solidFill>
-                <a:effectLst/>
-                <a:uFillTx/>
-                <a:latin typeface="+mn-lt"/>
-                <a:ea typeface="+mn-ea"/>
-                <a:cs typeface="+mn-cs"/>
-                <a:sym typeface="Calibri"/>
-              </a:defRPr>
-            </a:lvl6pPr>
-            <a:lvl7pPr marL="0" marR="0" indent="1959193" algn="l" defTabSz="326532" rtl="0" fontAlgn="auto" latinLnBrk="0" hangingPunct="0">
-              <a:lnSpc>
-                <a:spcPct val="100000"/>
-              </a:lnSpc>
-              <a:spcBef>
-                <a:spcPts val="0"/>
-              </a:spcBef>
-              <a:spcAft>
-                <a:spcPts val="0"/>
-              </a:spcAft>
-              <a:buClrTx/>
-              <a:buSzTx/>
-              <a:buFontTx/>
-              <a:buNone/>
-              <a:tabLst/>
-              <a:defRPr kumimoji="0" sz="1200" b="0" i="0" u="none" strike="noStrike" cap="none" spc="0" normalizeH="0" baseline="0">
-                <a:ln>
-                  <a:noFill/>
-                </a:ln>
-                <a:solidFill>
-                  <a:srgbClr val="000000"/>
-                </a:solidFill>
-                <a:effectLst/>
-                <a:uFillTx/>
-                <a:latin typeface="+mn-lt"/>
-                <a:ea typeface="+mn-ea"/>
-                <a:cs typeface="+mn-cs"/>
-                <a:sym typeface="Calibri"/>
-              </a:defRPr>
-            </a:lvl7pPr>
-            <a:lvl8pPr marL="0" marR="0" indent="2285725" algn="l" defTabSz="326532" rtl="0" fontAlgn="auto" latinLnBrk="0" hangingPunct="0">
-              <a:lnSpc>
-                <a:spcPct val="100000"/>
-              </a:lnSpc>
-              <a:spcBef>
-                <a:spcPts val="0"/>
-              </a:spcBef>
-              <a:spcAft>
-                <a:spcPts val="0"/>
-              </a:spcAft>
-              <a:buClrTx/>
-              <a:buSzTx/>
-              <a:buFontTx/>
-              <a:buNone/>
-              <a:tabLst/>
-              <a:defRPr kumimoji="0" sz="1200" b="0" i="0" u="none" strike="noStrike" cap="none" spc="0" normalizeH="0" baseline="0">
-                <a:ln>
-                  <a:noFill/>
-                </a:ln>
-                <a:solidFill>
-                  <a:srgbClr val="000000"/>
-                </a:solidFill>
-                <a:effectLst/>
-                <a:uFillTx/>
-                <a:latin typeface="+mn-lt"/>
-                <a:ea typeface="+mn-ea"/>
-                <a:cs typeface="+mn-cs"/>
-                <a:sym typeface="Calibri"/>
-              </a:defRPr>
-            </a:lvl8pPr>
-            <a:lvl9pPr marL="0" marR="0" indent="2612257" algn="l" defTabSz="326532" rtl="0" fontAlgn="auto" latinLnBrk="0" hangingPunct="0">
-              <a:lnSpc>
-                <a:spcPct val="100000"/>
-              </a:lnSpc>
-              <a:spcBef>
-                <a:spcPts val="0"/>
-              </a:spcBef>
-              <a:spcAft>
-                <a:spcPts val="0"/>
-              </a:spcAft>
-              <a:buClrTx/>
-              <a:buSzTx/>
-              <a:buFontTx/>
-              <a:buNone/>
-              <a:tabLst/>
-              <a:defRPr kumimoji="0" sz="1200" b="0" i="0" u="none" strike="noStrike" cap="none" spc="0" normalizeH="0" baseline="0">
-                <a:ln>
-                  <a:noFill/>
-                </a:ln>
-                <a:solidFill>
-                  <a:srgbClr val="000000"/>
-                </a:solidFill>
-                <a:effectLst/>
-                <a:uFillTx/>
-                <a:latin typeface="+mn-lt"/>
-                <a:ea typeface="+mn-ea"/>
-                <a:cs typeface="+mn-cs"/>
-                <a:sym typeface="Calibri"/>
-              </a:defRPr>
-            </a:lvl9pPr>
-          </a:lstStyle>
-          <a:p>
-            <a:pPr>
-              <a:lnSpc>
-                <a:spcPct val="120000"/>
-              </a:lnSpc>
-              <a:spcBef>
-                <a:spcPts val="600"/>
-              </a:spcBef>
-              <a:defRPr sz="1400">
-                <a:latin typeface="Arial"/>
-                <a:ea typeface="Arial"/>
-                <a:cs typeface="Arial"/>
-                <a:sym typeface="Arial"/>
-              </a:defRPr>
             </a:pPr>
-            <a:r>
-              <a:rPr lang="en-US" altLang="zh-CN" b="0" i="0" dirty="0">
-                <a:solidFill>
-                  <a:srgbClr val="222222"/>
-                </a:solidFill>
-                <a:effectLst/>
-                <a:latin typeface="Arial" panose="020B0604020202020204" pitchFamily="34" charset="0"/>
-              </a:rPr>
-              <a:t>McMahan, Brendan, et al. "Communication-efficient learning of deep networks from decentralized data." </a:t>
-            </a:r>
-            <a:r>
-              <a:rPr lang="en-US" altLang="zh-CN" b="0" i="1" dirty="0">
-                <a:solidFill>
-                  <a:srgbClr val="222222"/>
-                </a:solidFill>
-                <a:effectLst/>
-                <a:latin typeface="Arial" panose="020B0604020202020204" pitchFamily="34" charset="0"/>
-              </a:rPr>
-              <a:t>Artificial Intelligence and Statistics</a:t>
-            </a:r>
-            <a:r>
-              <a:rPr lang="en-US" altLang="zh-CN" b="0" i="0" dirty="0">
-                <a:solidFill>
-                  <a:srgbClr val="222222"/>
-                </a:solidFill>
-                <a:effectLst/>
-                <a:latin typeface="Arial" panose="020B0604020202020204" pitchFamily="34" charset="0"/>
-              </a:rPr>
-              <a:t>. PMLR, 2017.</a:t>
-            </a:r>
-          </a:p>
-          <a:p>
-            <a:pPr>
-              <a:lnSpc>
-                <a:spcPct val="120000"/>
-              </a:lnSpc>
-              <a:spcBef>
-                <a:spcPts val="600"/>
-              </a:spcBef>
-              <a:defRPr sz="1400">
-                <a:latin typeface="Arial"/>
-                <a:ea typeface="Arial"/>
-                <a:cs typeface="Arial"/>
-                <a:sym typeface="Arial"/>
-              </a:defRPr>
-            </a:pPr>
-            <a:r>
-              <a:rPr lang="en-US" dirty="0">
-                <a:solidFill>
-                  <a:schemeClr val="tx1"/>
-                </a:solidFill>
-              </a:rPr>
-              <a:t>Liang, Paul Pu, et al. "Think locally, act globally: Federated learning with local and global representations." </a:t>
-            </a:r>
-            <a:r>
-              <a:rPr lang="en-US" dirty="0" err="1">
-                <a:solidFill>
-                  <a:schemeClr val="tx1"/>
-                </a:solidFill>
-              </a:rPr>
-              <a:t>arXiv</a:t>
-            </a:r>
-            <a:r>
-              <a:rPr lang="en-US" dirty="0">
-                <a:solidFill>
-                  <a:schemeClr val="tx1"/>
-                </a:solidFill>
-              </a:rPr>
-              <a:t> preprint arXiv:2001.01523 (2020).</a:t>
-            </a:r>
-            <a:endParaRPr dirty="0">
+            <a:endParaRPr kumimoji="0" lang="zh-CN" altLang="en-US" sz="1200" b="0" i="0" u="none" strike="noStrike" cap="none" spc="0" normalizeH="0" baseline="0">
+              <a:ln>
+                <a:noFill/>
+              </a:ln>
               <a:solidFill>
-                <a:schemeClr val="tx1"/>
+                <a:srgbClr val="000000"/>
               </a:solidFill>
+              <a:effectLst/>
+              <a:uFillTx/>
+              <a:latin typeface="+mn-lt"/>
+              <a:ea typeface="+mn-ea"/>
+              <a:cs typeface="+mn-cs"/>
+              <a:sym typeface="Calibri"/>
             </a:endParaRPr>
           </a:p>
         </p:txBody>
       </p:sp>
-      <p:pic>
-        <p:nvPicPr>
-          <p:cNvPr id="15" name="图片 14">
-            <a:extLst>
-              <a:ext uri="{FF2B5EF4-FFF2-40B4-BE49-F238E27FC236}">
-                <a16:creationId xmlns:a16="http://schemas.microsoft.com/office/drawing/2014/main" id="{309EF8CB-412E-485A-8A95-B09DBE38248F}"/>
-              </a:ext>
-            </a:extLst>
-          </p:cNvPr>
-          <p:cNvPicPr>
-            <a:picLocks noChangeAspect="1"/>
-          </p:cNvPicPr>
-          <p:nvPr/>
-        </p:nvPicPr>
-        <p:blipFill>
-          <a:blip r:embed="rId7"/>
-          <a:stretch>
-            <a:fillRect/>
-          </a:stretch>
-        </p:blipFill>
-        <p:spPr>
-          <a:xfrm>
-            <a:off x="22103079" y="4657352"/>
-            <a:ext cx="10305971" cy="7729478"/>
-          </a:xfrm>
-          <a:prstGeom prst="rect">
-            <a:avLst/>
-          </a:prstGeom>
-        </p:spPr>
-      </p:pic>
-      <p:sp>
-        <p:nvSpPr>
-          <p:cNvPr id="72" name="TextBox 54">
-            <a:extLst>
-              <a:ext uri="{FF2B5EF4-FFF2-40B4-BE49-F238E27FC236}">
-                <a16:creationId xmlns:a16="http://schemas.microsoft.com/office/drawing/2014/main" id="{527BCA7F-BBC1-4004-B31D-3DB914ABBA3F}"/>
-              </a:ext>
-            </a:extLst>
-          </p:cNvPr>
-          <p:cNvSpPr txBox="1"/>
-          <p:nvPr/>
-        </p:nvSpPr>
-        <p:spPr>
-          <a:xfrm>
-            <a:off x="23255173" y="12492829"/>
-            <a:ext cx="9029701" cy="1061829"/>
-          </a:xfrm>
-          <a:prstGeom prst="rect">
-            <a:avLst/>
-          </a:prstGeom>
-          <a:ln w="12700">
-            <a:miter lim="400000"/>
-          </a:ln>
-          <a:extLst>
-            <a:ext uri="{C572A759-6A51-4108-AA02-DFA0A04FC94B}">
-              <ma14:wrappingTextBoxFlag xmlns:ma14="http://schemas.microsoft.com/office/mac/drawingml/2011/main" xmlns:a14="http://schemas.microsoft.com/office/drawing/2010/main" xmlns:m="http://schemas.openxmlformats.org/officeDocument/2006/math" xmlns="" val="1"/>
-            </a:ext>
-          </a:extLst>
-        </p:spPr>
-        <p:txBody>
-          <a:bodyPr lIns="45719" rIns="45719">
-            <a:spAutoFit/>
-          </a:bodyPr>
-          <a:lstStyle>
-            <a:lvl1pPr algn="ctr">
-              <a:defRPr sz="1300">
-                <a:solidFill>
-                  <a:srgbClr val="344854"/>
-                </a:solidFill>
-                <a:latin typeface="Arial"/>
-                <a:ea typeface="Arial"/>
-                <a:cs typeface="Arial"/>
-                <a:sym typeface="Arial"/>
-              </a:defRPr>
-            </a:lvl1pPr>
-          </a:lstStyle>
-          <a:p>
-            <a:r>
-              <a:rPr lang="en-US" sz="2100" dirty="0">
-                <a:solidFill>
-                  <a:schemeClr val="tx1"/>
-                </a:solidFill>
-              </a:rPr>
-              <a:t>Figure 3. Interpolation experimental results for CIFAR10 (IID) dataset between global model complexity ((a) a, (b) b, (c) c, (d) d) and various smaller model complexities.</a:t>
-            </a:r>
-          </a:p>
-        </p:txBody>
-      </p:sp>
-      <p:pic>
-        <p:nvPicPr>
-          <p:cNvPr id="19" name="图片 18">
-            <a:extLst>
-              <a:ext uri="{FF2B5EF4-FFF2-40B4-BE49-F238E27FC236}">
-                <a16:creationId xmlns:a16="http://schemas.microsoft.com/office/drawing/2014/main" id="{11AAE8A3-1B6E-4601-9FA4-178525C5722C}"/>
-              </a:ext>
-            </a:extLst>
-          </p:cNvPr>
-          <p:cNvPicPr>
-            <a:picLocks noChangeAspect="1"/>
-          </p:cNvPicPr>
-          <p:nvPr/>
-        </p:nvPicPr>
-        <p:blipFill>
-          <a:blip r:embed="rId8"/>
-          <a:stretch>
-            <a:fillRect/>
-          </a:stretch>
-        </p:blipFill>
-        <p:spPr>
-          <a:xfrm>
-            <a:off x="22385430" y="13697483"/>
-            <a:ext cx="10248900" cy="6010275"/>
-          </a:xfrm>
-          <a:prstGeom prst="rect">
-            <a:avLst/>
-          </a:prstGeom>
-        </p:spPr>
-      </p:pic>
-      <p:sp>
-        <p:nvSpPr>
-          <p:cNvPr id="73" name="TextBox 54">
-            <a:extLst>
-              <a:ext uri="{FF2B5EF4-FFF2-40B4-BE49-F238E27FC236}">
-                <a16:creationId xmlns:a16="http://schemas.microsoft.com/office/drawing/2014/main" id="{B236F0C1-3679-4845-BF27-6A0F0F970221}"/>
-              </a:ext>
-            </a:extLst>
-          </p:cNvPr>
-          <p:cNvSpPr txBox="1"/>
-          <p:nvPr/>
-        </p:nvSpPr>
-        <p:spPr>
-          <a:xfrm>
-            <a:off x="23255172" y="19707758"/>
-            <a:ext cx="9029701" cy="738664"/>
-          </a:xfrm>
-          <a:prstGeom prst="rect">
-            <a:avLst/>
-          </a:prstGeom>
-          <a:ln w="12700">
-            <a:miter lim="400000"/>
-          </a:ln>
-          <a:extLst>
-            <a:ext uri="{C572A759-6A51-4108-AA02-DFA0A04FC94B}">
-              <ma14:wrappingTextBoxFlag xmlns:ma14="http://schemas.microsoft.com/office/mac/drawingml/2011/main" xmlns:a14="http://schemas.microsoft.com/office/drawing/2010/main" xmlns:m="http://schemas.openxmlformats.org/officeDocument/2006/math" xmlns="" val="1"/>
-            </a:ext>
-          </a:extLst>
-        </p:spPr>
-        <p:txBody>
-          <a:bodyPr lIns="45719" rIns="45719">
-            <a:spAutoFit/>
-          </a:bodyPr>
-          <a:lstStyle>
-            <a:lvl1pPr algn="ctr">
-              <a:defRPr sz="1300">
-                <a:solidFill>
-                  <a:srgbClr val="344854"/>
-                </a:solidFill>
-                <a:latin typeface="Arial"/>
-                <a:ea typeface="Arial"/>
-                <a:cs typeface="Arial"/>
-                <a:sym typeface="Arial"/>
-              </a:defRPr>
-            </a:lvl1pPr>
-          </a:lstStyle>
-          <a:p>
-            <a:r>
-              <a:rPr lang="en-US" sz="2100" dirty="0">
-                <a:solidFill>
-                  <a:schemeClr val="tx1"/>
-                </a:solidFill>
-              </a:rPr>
-              <a:t>Table 1. Results of combination of various computation complexity levels for CIFAR10 dataset.</a:t>
-            </a:r>
-          </a:p>
-        </p:txBody>
-      </p:sp>
-      <p:pic>
-        <p:nvPicPr>
-          <p:cNvPr id="28" name="Picture 27">
-            <a:extLst>
-              <a:ext uri="{FF2B5EF4-FFF2-40B4-BE49-F238E27FC236}">
-                <a16:creationId xmlns:a16="http://schemas.microsoft.com/office/drawing/2014/main" id="{E0048EA5-0173-5843-BEA0-7AA6E0C07B9D}"/>
-              </a:ext>
-            </a:extLst>
-          </p:cNvPr>
-          <p:cNvPicPr>
-            <a:picLocks noChangeAspect="1"/>
-          </p:cNvPicPr>
-          <p:nvPr/>
-        </p:nvPicPr>
-        <p:blipFill>
-          <a:blip r:embed="rId9"/>
-          <a:stretch>
-            <a:fillRect/>
-          </a:stretch>
-        </p:blipFill>
-        <p:spPr>
-          <a:xfrm>
-            <a:off x="29079152" y="623394"/>
-            <a:ext cx="1399323" cy="836315"/>
-          </a:xfrm>
-          <a:prstGeom prst="rect">
-            <a:avLst/>
-          </a:prstGeom>
-        </p:spPr>
-      </p:pic>
-      <p:pic>
-        <p:nvPicPr>
-          <p:cNvPr id="29" name="Picture 28">
-            <a:extLst>
-              <a:ext uri="{FF2B5EF4-FFF2-40B4-BE49-F238E27FC236}">
-                <a16:creationId xmlns:a16="http://schemas.microsoft.com/office/drawing/2014/main" id="{DD66D280-0EF0-A140-8B4B-705401064CE3}"/>
-              </a:ext>
-            </a:extLst>
-          </p:cNvPr>
-          <p:cNvPicPr>
-            <a:picLocks noChangeAspect="1"/>
-          </p:cNvPicPr>
-          <p:nvPr/>
-        </p:nvPicPr>
-        <p:blipFill>
-          <a:blip r:embed="rId10" cstate="print">
-            <a:extLst>
-              <a:ext uri="{28A0092B-C50C-407E-A947-70E740481C1C}">
-                <a14:useLocalDpi xmlns:a14="http://schemas.microsoft.com/office/drawing/2010/main" val="0"/>
-              </a:ext>
-            </a:extLst>
-          </a:blip>
-          <a:stretch>
-            <a:fillRect/>
-          </a:stretch>
-        </p:blipFill>
-        <p:spPr>
-          <a:xfrm>
-            <a:off x="30954530" y="470795"/>
-            <a:ext cx="1233472" cy="1233472"/>
-          </a:xfrm>
-          <a:prstGeom prst="rect">
-            <a:avLst/>
-          </a:prstGeom>
-        </p:spPr>
-      </p:pic>
     </p:spTree>
   </p:cSld>
   <p:clrMapOvr>
